--- a/Parent-Connections.pptx
+++ b/Parent-Connections.pptx
@@ -7,6 +7,13 @@
   <p:sldIdLst>
     <p:sldId id="256" r:id="rId2"/>
     <p:sldId id="257" r:id="rId3"/>
+    <p:sldId id="258" r:id="rId4"/>
+    <p:sldId id="259" r:id="rId5"/>
+    <p:sldId id="260" r:id="rId6"/>
+    <p:sldId id="261" r:id="rId7"/>
+    <p:sldId id="262" r:id="rId8"/>
+    <p:sldId id="263" r:id="rId9"/>
+    <p:sldId id="264" r:id="rId10"/>
   </p:sldIdLst>
   <p:sldSz cx="12192000" cy="6858000"/>
   <p:notesSz cx="6858000" cy="9144000"/>
@@ -132,110 +139,6 @@
       </p:grpSpPr>
       <p:sp>
         <p:nvSpPr>
-          <p:cNvPr id="11" name="Freeform 6"/>
-          <p:cNvSpPr/>
-          <p:nvPr/>
-        </p:nvSpPr>
-        <p:spPr bwMode="auto">
-          <a:xfrm>
-            <a:off x="0" y="-3175"/>
-            <a:ext cx="12192000" cy="5203825"/>
-          </a:xfrm>
-          <a:custGeom>
-            <a:avLst/>
-            <a:gdLst/>
-            <a:ahLst/>
-            <a:cxnLst/>
-            <a:rect l="0" t="0" r="r" b="b"/>
-            <a:pathLst>
-              <a:path w="5760" h="3278">
-                <a:moveTo>
-                  <a:pt x="5760" y="0"/>
-                </a:moveTo>
-                <a:lnTo>
-                  <a:pt x="0" y="0"/>
-                </a:lnTo>
-                <a:lnTo>
-                  <a:pt x="0" y="3090"/>
-                </a:lnTo>
-                <a:lnTo>
-                  <a:pt x="943" y="3090"/>
-                </a:lnTo>
-                <a:lnTo>
-                  <a:pt x="1123" y="3270"/>
-                </a:lnTo>
-                <a:lnTo>
-                  <a:pt x="1123" y="3270"/>
-                </a:lnTo>
-                <a:lnTo>
-                  <a:pt x="1127" y="3272"/>
-                </a:lnTo>
-                <a:lnTo>
-                  <a:pt x="1133" y="3275"/>
-                </a:lnTo>
-                <a:lnTo>
-                  <a:pt x="1139" y="3278"/>
-                </a:lnTo>
-                <a:lnTo>
-                  <a:pt x="1144" y="3278"/>
-                </a:lnTo>
-                <a:lnTo>
-                  <a:pt x="1150" y="3278"/>
-                </a:lnTo>
-                <a:lnTo>
-                  <a:pt x="1155" y="3275"/>
-                </a:lnTo>
-                <a:lnTo>
-                  <a:pt x="1161" y="3272"/>
-                </a:lnTo>
-                <a:lnTo>
-                  <a:pt x="1165" y="3270"/>
-                </a:lnTo>
-                <a:lnTo>
-                  <a:pt x="1345" y="3090"/>
-                </a:lnTo>
-                <a:lnTo>
-                  <a:pt x="5760" y="3090"/>
-                </a:lnTo>
-                <a:lnTo>
-                  <a:pt x="5760" y="0"/>
-                </a:lnTo>
-                <a:close/>
-              </a:path>
-            </a:pathLst>
-          </a:custGeom>
-          <a:ln/>
-          <a:effectLst/>
-          <a:extLst>
-            <a:ext uri="{91240B29-F687-4f45-9708-019B960494DF}">
-              <a14:hiddenLine xmlns="" xmlns:a14="http://schemas.microsoft.com/office/drawing/2010/main" w="9525">
-                <a:solidFill>
-                  <a:srgbClr val="000000"/>
-                </a:solidFill>
-                <a:round/>
-                <a:headEnd/>
-                <a:tailEnd/>
-              </a14:hiddenLine>
-            </a:ext>
-          </a:extLst>
-        </p:spPr>
-        <p:style>
-          <a:lnRef idx="1">
-            <a:schemeClr val="accent1"/>
-          </a:lnRef>
-          <a:fillRef idx="3">
-            <a:schemeClr val="accent1"/>
-          </a:fillRef>
-          <a:effectRef idx="2">
-            <a:schemeClr val="accent1"/>
-          </a:effectRef>
-          <a:fontRef idx="minor">
-            <a:schemeClr val="lt1"/>
-          </a:fontRef>
-        </p:style>
-      </p:sp>
-      <p:sp>
-        <p:nvSpPr>
           <p:cNvPr id="2" name="Title 1"/>
           <p:cNvSpPr>
             <a:spLocks noGrp="1"/>
@@ -246,15 +149,15 @@
         </p:nvSpPr>
         <p:spPr>
           <a:xfrm>
-            <a:off x="810001" y="1449147"/>
-            <a:ext cx="10572000" cy="2971051"/>
-          </a:xfrm>
-        </p:spPr>
-        <p:txBody>
-          <a:bodyPr/>
+            <a:off x="1154955" y="1447800"/>
+            <a:ext cx="8825658" cy="3329581"/>
+          </a:xfrm>
+        </p:spPr>
+        <p:txBody>
+          <a:bodyPr anchor="b"/>
           <a:lstStyle>
             <a:lvl1pPr>
-              <a:defRPr sz="5400"/>
+              <a:defRPr sz="7200"/>
             </a:lvl1pPr>
           </a:lstStyle>
           <a:p>
@@ -278,8 +181,8 @@
         </p:nvSpPr>
         <p:spPr>
           <a:xfrm>
-            <a:off x="810001" y="5280847"/>
-            <a:ext cx="10572000" cy="434974"/>
+            <a:off x="1154955" y="4777380"/>
+            <a:ext cx="8825658" cy="861420"/>
           </a:xfrm>
         </p:spPr>
         <p:txBody>
@@ -287,9 +190,12 @@
           <a:lstStyle>
             <a:lvl1pPr marL="0" indent="0" algn="l">
               <a:buNone/>
-              <a:defRPr>
+              <a:defRPr cap="all">
                 <a:solidFill>
-                  <a:schemeClr val="tx1"/>
+                  <a:schemeClr val="bg2">
+                    <a:lumMod val="40000"/>
+                    <a:lumOff val="60000"/>
+                  </a:schemeClr>
                 </a:solidFill>
               </a:defRPr>
             </a:lvl1pPr>
@@ -398,10 +304,9 @@
           <a:bodyPr/>
           <a:lstStyle/>
           <a:p>
-            <a:fld id="{08B9EBBA-996F-894A-B54A-D6246ED52CEA}" type="datetimeFigureOut">
+            <a:fld id="{4AAD347D-5ACD-4C99-B74B-A9C85AD731AF}" type="datetimeFigureOut">
               <a:rPr lang="en-US" dirty="0"/>
-              <a:pPr/>
-              <a:t>10/7/19</a:t>
+              <a:t>10/8/19</a:t>
             </a:fld>
             <a:endParaRPr lang="en-US" dirty="0"/>
           </a:p>
@@ -441,9 +346,8 @@
           <a:bodyPr/>
           <a:lstStyle/>
           <a:p>
-            <a:fld id="{D57F1E4F-1CFF-5643-939E-217C01CDF565}" type="slidenum">
+            <a:fld id="{D57F1E4F-1CFF-5643-939E-02111984F565}" type="slidenum">
               <a:rPr lang="en-US" dirty="0"/>
-              <a:pPr/>
               <a:t>‹#›</a:t>
             </a:fld>
             <a:endParaRPr lang="en-US" dirty="0"/>
@@ -487,8 +391,8 @@
         </p:nvSpPr>
         <p:spPr>
           <a:xfrm>
-            <a:off x="810000" y="4800600"/>
-            <a:ext cx="10561418" cy="566738"/>
+            <a:off x="1154956" y="4800587"/>
+            <a:ext cx="8825657" cy="566738"/>
           </a:xfrm>
         </p:spPr>
         <p:txBody>
@@ -511,116 +415,73 @@
       </p:sp>
       <p:sp>
         <p:nvSpPr>
-          <p:cNvPr id="15" name="Picture Placeholder 14"/>
+          <p:cNvPr id="3" name="Picture Placeholder 2"/>
           <p:cNvSpPr>
             <a:spLocks noGrp="1" noChangeAspect="1"/>
           </p:cNvSpPr>
           <p:nvPr>
-            <p:ph type="pic" sz="quarter" idx="13"/>
-          </p:nvPr>
-        </p:nvSpPr>
-        <p:spPr bwMode="auto">
-          <a:xfrm>
-            <a:off x="0" y="0"/>
-            <a:ext cx="12192000" cy="4800600"/>
-          </a:xfrm>
-          <a:custGeom>
-            <a:avLst/>
-            <a:gdLst/>
-            <a:ahLst/>
-            <a:cxnLst/>
-            <a:rect l="0" t="0" r="r" b="b"/>
-            <a:pathLst>
-              <a:path w="5760" h="3289">
-                <a:moveTo>
-                  <a:pt x="5760" y="0"/>
-                </a:moveTo>
-                <a:lnTo>
-                  <a:pt x="0" y="0"/>
-                </a:lnTo>
-                <a:lnTo>
-                  <a:pt x="0" y="3100"/>
-                </a:lnTo>
-                <a:lnTo>
-                  <a:pt x="943" y="3100"/>
-                </a:lnTo>
-                <a:lnTo>
-                  <a:pt x="1123" y="3281"/>
-                </a:lnTo>
-                <a:lnTo>
-                  <a:pt x="1123" y="3281"/>
-                </a:lnTo>
-                <a:lnTo>
-                  <a:pt x="1127" y="3283"/>
-                </a:lnTo>
-                <a:lnTo>
-                  <a:pt x="1133" y="3286"/>
-                </a:lnTo>
-                <a:lnTo>
-                  <a:pt x="1139" y="3289"/>
-                </a:lnTo>
-                <a:lnTo>
-                  <a:pt x="1144" y="3289"/>
-                </a:lnTo>
-                <a:lnTo>
-                  <a:pt x="1150" y="3289"/>
-                </a:lnTo>
-                <a:lnTo>
-                  <a:pt x="1155" y="3286"/>
-                </a:lnTo>
-                <a:lnTo>
-                  <a:pt x="1161" y="3283"/>
-                </a:lnTo>
-                <a:lnTo>
-                  <a:pt x="1165" y="3281"/>
-                </a:lnTo>
-                <a:lnTo>
-                  <a:pt x="1345" y="3100"/>
-                </a:lnTo>
-                <a:lnTo>
-                  <a:pt x="5760" y="3100"/>
-                </a:lnTo>
-                <a:lnTo>
-                  <a:pt x="5760" y="0"/>
-                </a:lnTo>
-                <a:close/>
-              </a:path>
-            </a:pathLst>
-          </a:custGeom>
-          <a:noFill/>
-          <a:ln>
-            <a:solidFill>
-              <a:schemeClr val="tx2"/>
-            </a:solidFill>
-          </a:ln>
-        </p:spPr>
-        <p:style>
-          <a:lnRef idx="1">
-            <a:schemeClr val="accent1"/>
-          </a:lnRef>
-          <a:fillRef idx="3">
-            <a:schemeClr val="accent1"/>
-          </a:fillRef>
-          <a:effectRef idx="2">
-            <a:schemeClr val="accent1"/>
-          </a:effectRef>
-          <a:fontRef idx="minor">
-            <a:schemeClr val="lt1"/>
-          </a:fontRef>
-        </p:style>
-        <p:txBody>
-          <a:bodyPr wrap="square" numCol="1" anchor="t" anchorCtr="0" compatLnSpc="1">
-            <a:prstTxWarp prst="textNoShape">
-              <a:avLst/>
-            </a:prstTxWarp>
+            <p:ph type="pic" idx="1"/>
+          </p:nvPr>
+        </p:nvSpPr>
+        <p:spPr>
+          <a:xfrm>
+            <a:off x="1154955" y="685800"/>
+            <a:ext cx="8825658" cy="3640666"/>
+          </a:xfrm>
+          <a:prstGeom prst="roundRect">
+            <a:avLst>
+              <a:gd name="adj" fmla="val 1858"/>
+            </a:avLst>
+          </a:prstGeom>
+          <a:effectLst>
+            <a:outerShdw blurRad="50800" dist="50800" dir="5400000" algn="tl" rotWithShape="0">
+              <a:srgbClr val="000000">
+                <a:alpha val="43000"/>
+              </a:srgbClr>
+            </a:outerShdw>
+          </a:effectLst>
+        </p:spPr>
+        <p:txBody>
+          <a:bodyPr anchor="t">
             <a:normAutofit/>
           </a:bodyPr>
           <a:lstStyle>
             <a:lvl1pPr marL="0" indent="0" algn="ctr">
-              <a:buFontTx/>
               <a:buNone/>
               <a:defRPr sz="1600"/>
             </a:lvl1pPr>
+            <a:lvl2pPr marL="457200" indent="0">
+              <a:buNone/>
+              <a:defRPr sz="1600"/>
+            </a:lvl2pPr>
+            <a:lvl3pPr marL="914400" indent="0">
+              <a:buNone/>
+              <a:defRPr sz="1600"/>
+            </a:lvl3pPr>
+            <a:lvl4pPr marL="1371600" indent="0">
+              <a:buNone/>
+              <a:defRPr sz="1600"/>
+            </a:lvl4pPr>
+            <a:lvl5pPr marL="1828800" indent="0">
+              <a:buNone/>
+              <a:defRPr sz="1600"/>
+            </a:lvl5pPr>
+            <a:lvl6pPr marL="2286000" indent="0">
+              <a:buNone/>
+              <a:defRPr sz="1600"/>
+            </a:lvl6pPr>
+            <a:lvl7pPr marL="2743200" indent="0">
+              <a:buNone/>
+              <a:defRPr sz="1600"/>
+            </a:lvl7pPr>
+            <a:lvl8pPr marL="3200400" indent="0">
+              <a:buNone/>
+              <a:defRPr sz="1600"/>
+            </a:lvl8pPr>
+            <a:lvl9pPr marL="3657600" indent="0">
+              <a:buNone/>
+              <a:defRPr sz="1600"/>
+            </a:lvl9pPr>
           </a:lstStyle>
           <a:p>
             <a:r>
@@ -643,8 +504,8 @@
         </p:nvSpPr>
         <p:spPr>
           <a:xfrm>
-            <a:off x="810000" y="5367338"/>
-            <a:ext cx="10561418" cy="493712"/>
+            <a:off x="1154956" y="5367325"/>
+            <a:ext cx="8825656" cy="493712"/>
           </a:xfrm>
         </p:spPr>
         <p:txBody>
@@ -713,10 +574,9 @@
           <a:bodyPr/>
           <a:lstStyle/>
           <a:p>
-            <a:fld id="{18C79C5D-2A6F-F04D-97DA-BEF2467B64E4}" type="datetimeFigureOut">
+            <a:fld id="{4509A250-FF31-4206-8172-F9D3106AACB1}" type="datetimeFigureOut">
               <a:rPr lang="en-US" dirty="0"/>
-              <a:pPr/>
-              <a:t>10/7/19</a:t>
+              <a:t>10/8/19</a:t>
             </a:fld>
             <a:endParaRPr lang="en-US" dirty="0"/>
           </a:p>
@@ -756,9 +616,8 @@
           <a:bodyPr/>
           <a:lstStyle/>
           <a:p>
-            <a:fld id="{D57F1E4F-1CFF-5643-939E-217C01CDF565}" type="slidenum">
+            <a:fld id="{D57F1E4F-1CFF-5643-939E-02111984F565}" type="slidenum">
               <a:rPr lang="en-US" dirty="0"/>
-              <a:pPr/>
               <a:t>‹#›</a:t>
             </a:fld>
             <a:endParaRPr lang="en-US" dirty="0"/>
@@ -774,6 +633,195 @@
 </file>
 
 <file path=ppt/slideLayouts/slideLayout11.xml><?xml version="1.0" encoding="utf-8"?>
+<p:sldLayout xmlns:a="http://schemas.openxmlformats.org/drawingml/2006/main" xmlns:r="http://schemas.openxmlformats.org/officeDocument/2006/relationships" xmlns:p="http://schemas.openxmlformats.org/presentationml/2006/main" preserve="1">
+  <p:cSld name="Title and Caption">
+    <p:spTree>
+      <p:nvGrpSpPr>
+        <p:cNvPr id="1" name=""/>
+        <p:cNvGrpSpPr/>
+        <p:nvPr/>
+      </p:nvGrpSpPr>
+      <p:grpSpPr>
+        <a:xfrm>
+          <a:off x="0" y="0"/>
+          <a:ext cx="0" cy="0"/>
+          <a:chOff x="0" y="0"/>
+          <a:chExt cx="0" cy="0"/>
+        </a:xfrm>
+      </p:grpSpPr>
+      <p:sp>
+        <p:nvSpPr>
+          <p:cNvPr id="2" name="Title 1"/>
+          <p:cNvSpPr>
+            <a:spLocks noGrp="1"/>
+          </p:cNvSpPr>
+          <p:nvPr>
+            <p:ph type="title"/>
+          </p:nvPr>
+        </p:nvSpPr>
+        <p:spPr>
+          <a:xfrm>
+            <a:off x="1154954" y="1447800"/>
+            <a:ext cx="8825659" cy="1981200"/>
+          </a:xfrm>
+        </p:spPr>
+        <p:txBody>
+          <a:bodyPr/>
+          <a:lstStyle>
+            <a:lvl1pPr>
+              <a:defRPr sz="4800"/>
+            </a:lvl1pPr>
+          </a:lstStyle>
+          <a:p>
+            <a:r>
+              <a:rPr lang="en-US"/>
+              <a:t>Click to edit Master title style</a:t>
+            </a:r>
+            <a:endParaRPr lang="en-US" dirty="0"/>
+          </a:p>
+        </p:txBody>
+      </p:sp>
+      <p:sp>
+        <p:nvSpPr>
+          <p:cNvPr id="8" name="Text Placeholder 3"/>
+          <p:cNvSpPr>
+            <a:spLocks noGrp="1"/>
+          </p:cNvSpPr>
+          <p:nvPr>
+            <p:ph type="body" sz="half" idx="2"/>
+          </p:nvPr>
+        </p:nvSpPr>
+        <p:spPr>
+          <a:xfrm>
+            <a:off x="1154954" y="3657600"/>
+            <a:ext cx="8825659" cy="2362200"/>
+          </a:xfrm>
+        </p:spPr>
+        <p:txBody>
+          <a:bodyPr anchor="ctr">
+            <a:normAutofit/>
+          </a:bodyPr>
+          <a:lstStyle>
+            <a:lvl1pPr marL="0" indent="0">
+              <a:buNone/>
+              <a:defRPr sz="1800"/>
+            </a:lvl1pPr>
+            <a:lvl2pPr marL="457200" indent="0">
+              <a:buNone/>
+              <a:defRPr sz="1200"/>
+            </a:lvl2pPr>
+            <a:lvl3pPr marL="914400" indent="0">
+              <a:buNone/>
+              <a:defRPr sz="1000"/>
+            </a:lvl3pPr>
+            <a:lvl4pPr marL="1371600" indent="0">
+              <a:buNone/>
+              <a:defRPr sz="900"/>
+            </a:lvl4pPr>
+            <a:lvl5pPr marL="1828800" indent="0">
+              <a:buNone/>
+              <a:defRPr sz="900"/>
+            </a:lvl5pPr>
+            <a:lvl6pPr marL="2286000" indent="0">
+              <a:buNone/>
+              <a:defRPr sz="900"/>
+            </a:lvl6pPr>
+            <a:lvl7pPr marL="2743200" indent="0">
+              <a:buNone/>
+              <a:defRPr sz="900"/>
+            </a:lvl7pPr>
+            <a:lvl8pPr marL="3200400" indent="0">
+              <a:buNone/>
+              <a:defRPr sz="900"/>
+            </a:lvl8pPr>
+            <a:lvl9pPr marL="3657600" indent="0">
+              <a:buNone/>
+              <a:defRPr sz="900"/>
+            </a:lvl9pPr>
+          </a:lstStyle>
+          <a:p>
+            <a:pPr lvl="0"/>
+            <a:r>
+              <a:rPr lang="en-US"/>
+              <a:t>Click to edit Master text styles</a:t>
+            </a:r>
+          </a:p>
+        </p:txBody>
+      </p:sp>
+      <p:sp>
+        <p:nvSpPr>
+          <p:cNvPr id="4" name="Date Placeholder 3"/>
+          <p:cNvSpPr>
+            <a:spLocks noGrp="1"/>
+          </p:cNvSpPr>
+          <p:nvPr>
+            <p:ph type="dt" sz="half" idx="10"/>
+          </p:nvPr>
+        </p:nvSpPr>
+        <p:spPr/>
+        <p:txBody>
+          <a:bodyPr/>
+          <a:lstStyle/>
+          <a:p>
+            <a:fld id="{4509A250-FF31-4206-8172-F9D3106AACB1}" type="datetimeFigureOut">
+              <a:rPr lang="en-US" dirty="0"/>
+              <a:t>10/8/19</a:t>
+            </a:fld>
+            <a:endParaRPr lang="en-US" dirty="0"/>
+          </a:p>
+        </p:txBody>
+      </p:sp>
+      <p:sp>
+        <p:nvSpPr>
+          <p:cNvPr id="5" name="Footer Placeholder 4"/>
+          <p:cNvSpPr>
+            <a:spLocks noGrp="1"/>
+          </p:cNvSpPr>
+          <p:nvPr>
+            <p:ph type="ftr" sz="quarter" idx="11"/>
+          </p:nvPr>
+        </p:nvSpPr>
+        <p:spPr/>
+        <p:txBody>
+          <a:bodyPr/>
+          <a:lstStyle/>
+          <a:p>
+            <a:endParaRPr lang="en-US" dirty="0"/>
+          </a:p>
+        </p:txBody>
+      </p:sp>
+      <p:sp>
+        <p:nvSpPr>
+          <p:cNvPr id="6" name="Slide Number Placeholder 5"/>
+          <p:cNvSpPr>
+            <a:spLocks noGrp="1"/>
+          </p:cNvSpPr>
+          <p:nvPr>
+            <p:ph type="sldNum" sz="quarter" idx="12"/>
+          </p:nvPr>
+        </p:nvSpPr>
+        <p:spPr/>
+        <p:txBody>
+          <a:bodyPr/>
+          <a:lstStyle/>
+          <a:p>
+            <a:fld id="{D57F1E4F-1CFF-5643-939E-02111984F565}" type="slidenum">
+              <a:rPr lang="en-US" dirty="0"/>
+              <a:t>‹#›</a:t>
+            </a:fld>
+            <a:endParaRPr lang="en-US" dirty="0"/>
+          </a:p>
+        </p:txBody>
+      </p:sp>
+    </p:spTree>
+  </p:cSld>
+  <p:clrMapOvr>
+    <a:masterClrMapping/>
+  </p:clrMapOvr>
+</p:sldLayout>
+</file>
+
+<file path=ppt/slideLayouts/slideLayout12.xml><?xml version="1.0" encoding="utf-8"?>
 <p:sldLayout xmlns:a="http://schemas.openxmlformats.org/drawingml/2006/main" xmlns:r="http://schemas.openxmlformats.org/officeDocument/2006/relationships" xmlns:p="http://schemas.openxmlformats.org/presentationml/2006/main" preserve="1">
   <p:cSld name="Quote with Caption">
     <p:spTree>
@@ -792,214 +840,6 @@
       </p:grpSpPr>
       <p:sp>
         <p:nvSpPr>
-          <p:cNvPr id="8" name="Freeform 6"/>
-          <p:cNvSpPr>
-            <a:spLocks noChangeAspect="1"/>
-          </p:cNvSpPr>
-          <p:nvPr/>
-        </p:nvSpPr>
-        <p:spPr bwMode="auto">
-          <a:xfrm>
-            <a:off x="631697" y="1081456"/>
-            <a:ext cx="6332416" cy="3239188"/>
-          </a:xfrm>
-          <a:custGeom>
-            <a:avLst/>
-            <a:gdLst/>
-            <a:ahLst/>
-            <a:cxnLst/>
-            <a:rect l="0" t="0" r="r" b="b"/>
-            <a:pathLst>
-              <a:path w="3384" h="2308">
-                <a:moveTo>
-                  <a:pt x="3340" y="0"/>
-                </a:moveTo>
-                <a:lnTo>
-                  <a:pt x="44" y="0"/>
-                </a:lnTo>
-                <a:lnTo>
-                  <a:pt x="44" y="0"/>
-                </a:lnTo>
-                <a:lnTo>
-                  <a:pt x="34" y="0"/>
-                </a:lnTo>
-                <a:lnTo>
-                  <a:pt x="26" y="4"/>
-                </a:lnTo>
-                <a:lnTo>
-                  <a:pt x="20" y="8"/>
-                </a:lnTo>
-                <a:lnTo>
-                  <a:pt x="12" y="12"/>
-                </a:lnTo>
-                <a:lnTo>
-                  <a:pt x="8" y="20"/>
-                </a:lnTo>
-                <a:lnTo>
-                  <a:pt x="4" y="26"/>
-                </a:lnTo>
-                <a:lnTo>
-                  <a:pt x="0" y="34"/>
-                </a:lnTo>
-                <a:lnTo>
-                  <a:pt x="0" y="44"/>
-                </a:lnTo>
-                <a:lnTo>
-                  <a:pt x="0" y="2076"/>
-                </a:lnTo>
-                <a:lnTo>
-                  <a:pt x="0" y="2076"/>
-                </a:lnTo>
-                <a:lnTo>
-                  <a:pt x="0" y="2086"/>
-                </a:lnTo>
-                <a:lnTo>
-                  <a:pt x="4" y="2094"/>
-                </a:lnTo>
-                <a:lnTo>
-                  <a:pt x="8" y="2100"/>
-                </a:lnTo>
-                <a:lnTo>
-                  <a:pt x="12" y="2108"/>
-                </a:lnTo>
-                <a:lnTo>
-                  <a:pt x="20" y="2112"/>
-                </a:lnTo>
-                <a:lnTo>
-                  <a:pt x="26" y="2116"/>
-                </a:lnTo>
-                <a:lnTo>
-                  <a:pt x="34" y="2120"/>
-                </a:lnTo>
-                <a:lnTo>
-                  <a:pt x="44" y="2120"/>
-                </a:lnTo>
-                <a:lnTo>
-                  <a:pt x="474" y="2120"/>
-                </a:lnTo>
-                <a:lnTo>
-                  <a:pt x="650" y="2296"/>
-                </a:lnTo>
-                <a:lnTo>
-                  <a:pt x="650" y="2296"/>
-                </a:lnTo>
-                <a:lnTo>
-                  <a:pt x="656" y="2300"/>
-                </a:lnTo>
-                <a:lnTo>
-                  <a:pt x="664" y="2304"/>
-                </a:lnTo>
-                <a:lnTo>
-                  <a:pt x="672" y="2308"/>
-                </a:lnTo>
-                <a:lnTo>
-                  <a:pt x="680" y="2308"/>
-                </a:lnTo>
-                <a:lnTo>
-                  <a:pt x="688" y="2308"/>
-                </a:lnTo>
-                <a:lnTo>
-                  <a:pt x="696" y="2304"/>
-                </a:lnTo>
-                <a:lnTo>
-                  <a:pt x="704" y="2300"/>
-                </a:lnTo>
-                <a:lnTo>
-                  <a:pt x="710" y="2296"/>
-                </a:lnTo>
-                <a:lnTo>
-                  <a:pt x="886" y="2120"/>
-                </a:lnTo>
-                <a:lnTo>
-                  <a:pt x="3340" y="2120"/>
-                </a:lnTo>
-                <a:lnTo>
-                  <a:pt x="3340" y="2120"/>
-                </a:lnTo>
-                <a:lnTo>
-                  <a:pt x="3350" y="2120"/>
-                </a:lnTo>
-                <a:lnTo>
-                  <a:pt x="3358" y="2116"/>
-                </a:lnTo>
-                <a:lnTo>
-                  <a:pt x="3364" y="2112"/>
-                </a:lnTo>
-                <a:lnTo>
-                  <a:pt x="3372" y="2108"/>
-                </a:lnTo>
-                <a:lnTo>
-                  <a:pt x="3376" y="2100"/>
-                </a:lnTo>
-                <a:lnTo>
-                  <a:pt x="3380" y="2094"/>
-                </a:lnTo>
-                <a:lnTo>
-                  <a:pt x="3384" y="2086"/>
-                </a:lnTo>
-                <a:lnTo>
-                  <a:pt x="3384" y="2076"/>
-                </a:lnTo>
-                <a:lnTo>
-                  <a:pt x="3384" y="44"/>
-                </a:lnTo>
-                <a:lnTo>
-                  <a:pt x="3384" y="44"/>
-                </a:lnTo>
-                <a:lnTo>
-                  <a:pt x="3384" y="34"/>
-                </a:lnTo>
-                <a:lnTo>
-                  <a:pt x="3380" y="26"/>
-                </a:lnTo>
-                <a:lnTo>
-                  <a:pt x="3376" y="20"/>
-                </a:lnTo>
-                <a:lnTo>
-                  <a:pt x="3372" y="12"/>
-                </a:lnTo>
-                <a:lnTo>
-                  <a:pt x="3364" y="8"/>
-                </a:lnTo>
-                <a:lnTo>
-                  <a:pt x="3358" y="4"/>
-                </a:lnTo>
-                <a:lnTo>
-                  <a:pt x="3350" y="0"/>
-                </a:lnTo>
-                <a:lnTo>
-                  <a:pt x="3340" y="0"/>
-                </a:lnTo>
-                <a:lnTo>
-                  <a:pt x="3340" y="0"/>
-                </a:lnTo>
-                <a:close/>
-              </a:path>
-            </a:pathLst>
-          </a:custGeom>
-          <a:ln>
-            <a:solidFill>
-              <a:schemeClr val="accent1"/>
-            </a:solidFill>
-          </a:ln>
-        </p:spPr>
-        <p:style>
-          <a:lnRef idx="1">
-            <a:schemeClr val="accent1"/>
-          </a:lnRef>
-          <a:fillRef idx="3">
-            <a:schemeClr val="accent1"/>
-          </a:fillRef>
-          <a:effectRef idx="2">
-            <a:schemeClr val="accent1"/>
-          </a:effectRef>
-          <a:fontRef idx="minor">
-            <a:schemeClr val="lt1"/>
-          </a:fontRef>
-        </p:style>
-      </p:sp>
-      <p:sp>
-        <p:nvSpPr>
           <p:cNvPr id="2" name="Title 1"/>
           <p:cNvSpPr>
             <a:spLocks noGrp="1"/>
@@ -1010,15 +850,15 @@
         </p:nvSpPr>
         <p:spPr>
           <a:xfrm>
-            <a:off x="850985" y="1238502"/>
-            <a:ext cx="5893840" cy="2645912"/>
-          </a:xfrm>
-        </p:spPr>
-        <p:txBody>
-          <a:bodyPr anchor="b"/>
+            <a:off x="1574801" y="1447800"/>
+            <a:ext cx="7999315" cy="2323374"/>
+          </a:xfrm>
+        </p:spPr>
+        <p:txBody>
+          <a:bodyPr/>
           <a:lstStyle>
-            <a:lvl1pPr algn="l">
-              <a:defRPr sz="4200" b="1" cap="none"/>
+            <a:lvl1pPr>
+              <a:defRPr sz="4800"/>
             </a:lvl1pPr>
           </a:lstStyle>
           <a:p>
@@ -1032,221 +872,306 @@
       </p:sp>
       <p:sp>
         <p:nvSpPr>
-          <p:cNvPr id="3" name="Text Placeholder 2"/>
-          <p:cNvSpPr>
-            <a:spLocks noGrp="1"/>
-          </p:cNvSpPr>
-          <p:nvPr>
-            <p:ph type="body" idx="1"/>
-          </p:nvPr>
-        </p:nvSpPr>
-        <p:spPr>
-          <a:xfrm>
-            <a:off x="853190" y="4443680"/>
-            <a:ext cx="5891636" cy="713241"/>
-          </a:xfrm>
-        </p:spPr>
-        <p:txBody>
-          <a:bodyPr anchor="t">
-            <a:noAutofit/>
+          <p:cNvPr id="11" name="Text Placeholder 3"/>
+          <p:cNvSpPr>
+            <a:spLocks noGrp="1"/>
+          </p:cNvSpPr>
+          <p:nvPr>
+            <p:ph type="body" sz="half" idx="14"/>
+          </p:nvPr>
+        </p:nvSpPr>
+        <p:spPr>
+          <a:xfrm>
+            <a:off x="1930400" y="3771174"/>
+            <a:ext cx="7279649" cy="342174"/>
+          </a:xfrm>
+        </p:spPr>
+        <p:txBody>
+          <a:bodyPr vert="horz" lIns="91440" tIns="45720" rIns="91440" bIns="45720" rtlCol="0" anchor="t">
+            <a:normAutofit/>
           </a:bodyPr>
           <a:lstStyle>
-            <a:lvl1pPr marL="0" indent="0" algn="l">
-              <a:buNone/>
-              <a:defRPr sz="1800">
+            <a:lvl1pPr marL="0" indent="0">
+              <a:buNone/>
+              <a:defRPr lang="en-US" sz="1400" b="0" i="0" kern="1200" cap="small" dirty="0">
                 <a:solidFill>
-                  <a:schemeClr val="tx1"/>
+                  <a:schemeClr val="bg2">
+                    <a:lumMod val="40000"/>
+                    <a:lumOff val="60000"/>
+                  </a:schemeClr>
                 </a:solidFill>
+                <a:latin typeface="+mj-lt"/>
+                <a:ea typeface="+mj-ea"/>
+                <a:cs typeface="+mj-cs"/>
               </a:defRPr>
             </a:lvl1pPr>
             <a:lvl2pPr marL="457200" indent="0">
               <a:buNone/>
-              <a:defRPr sz="1800">
+              <a:defRPr sz="1200"/>
+            </a:lvl2pPr>
+            <a:lvl3pPr marL="914400" indent="0">
+              <a:buNone/>
+              <a:defRPr sz="1000"/>
+            </a:lvl3pPr>
+            <a:lvl4pPr marL="1371600" indent="0">
+              <a:buNone/>
+              <a:defRPr sz="900"/>
+            </a:lvl4pPr>
+            <a:lvl5pPr marL="1828800" indent="0">
+              <a:buNone/>
+              <a:defRPr sz="900"/>
+            </a:lvl5pPr>
+            <a:lvl6pPr marL="2286000" indent="0">
+              <a:buNone/>
+              <a:defRPr sz="900"/>
+            </a:lvl6pPr>
+            <a:lvl7pPr marL="2743200" indent="0">
+              <a:buNone/>
+              <a:defRPr sz="900"/>
+            </a:lvl7pPr>
+            <a:lvl8pPr marL="3200400" indent="0">
+              <a:buNone/>
+              <a:defRPr sz="900"/>
+            </a:lvl8pPr>
+            <a:lvl9pPr marL="3657600" indent="0">
+              <a:buNone/>
+              <a:defRPr sz="900"/>
+            </a:lvl9pPr>
+          </a:lstStyle>
+          <a:p>
+            <a:pPr marL="0" lvl="0" indent="0">
+              <a:buNone/>
+            </a:pPr>
+            <a:r>
+              <a:rPr lang="en-US"/>
+              <a:t>Click to edit Master text styles</a:t>
+            </a:r>
+          </a:p>
+        </p:txBody>
+      </p:sp>
+      <p:sp>
+        <p:nvSpPr>
+          <p:cNvPr id="10" name="Text Placeholder 3"/>
+          <p:cNvSpPr>
+            <a:spLocks noGrp="1"/>
+          </p:cNvSpPr>
+          <p:nvPr>
+            <p:ph type="body" sz="half" idx="2"/>
+          </p:nvPr>
+        </p:nvSpPr>
+        <p:spPr>
+          <a:xfrm>
+            <a:off x="1154954" y="4350657"/>
+            <a:ext cx="8825659" cy="1676400"/>
+          </a:xfrm>
+        </p:spPr>
+        <p:txBody>
+          <a:bodyPr anchor="ctr">
+            <a:normAutofit/>
+          </a:bodyPr>
+          <a:lstStyle>
+            <a:lvl1pPr marL="0" indent="0">
+              <a:buNone/>
+              <a:defRPr sz="1800"/>
+            </a:lvl1pPr>
+            <a:lvl2pPr marL="457200" indent="0">
+              <a:buNone/>
+              <a:defRPr sz="1200"/>
+            </a:lvl2pPr>
+            <a:lvl3pPr marL="914400" indent="0">
+              <a:buNone/>
+              <a:defRPr sz="1000"/>
+            </a:lvl3pPr>
+            <a:lvl4pPr marL="1371600" indent="0">
+              <a:buNone/>
+              <a:defRPr sz="900"/>
+            </a:lvl4pPr>
+            <a:lvl5pPr marL="1828800" indent="0">
+              <a:buNone/>
+              <a:defRPr sz="900"/>
+            </a:lvl5pPr>
+            <a:lvl6pPr marL="2286000" indent="0">
+              <a:buNone/>
+              <a:defRPr sz="900"/>
+            </a:lvl6pPr>
+            <a:lvl7pPr marL="2743200" indent="0">
+              <a:buNone/>
+              <a:defRPr sz="900"/>
+            </a:lvl7pPr>
+            <a:lvl8pPr marL="3200400" indent="0">
+              <a:buNone/>
+              <a:defRPr sz="900"/>
+            </a:lvl8pPr>
+            <a:lvl9pPr marL="3657600" indent="0">
+              <a:buNone/>
+              <a:defRPr sz="900"/>
+            </a:lvl9pPr>
+          </a:lstStyle>
+          <a:p>
+            <a:pPr lvl="0"/>
+            <a:r>
+              <a:rPr lang="en-US"/>
+              <a:t>Click to edit Master text styles</a:t>
+            </a:r>
+          </a:p>
+        </p:txBody>
+      </p:sp>
+      <p:sp>
+        <p:nvSpPr>
+          <p:cNvPr id="4" name="Date Placeholder 3"/>
+          <p:cNvSpPr>
+            <a:spLocks noGrp="1"/>
+          </p:cNvSpPr>
+          <p:nvPr>
+            <p:ph type="dt" sz="half" idx="10"/>
+          </p:nvPr>
+        </p:nvSpPr>
+        <p:spPr/>
+        <p:txBody>
+          <a:bodyPr/>
+          <a:lstStyle/>
+          <a:p>
+            <a:fld id="{4509A250-FF31-4206-8172-F9D3106AACB1}" type="datetimeFigureOut">
+              <a:rPr lang="en-US" dirty="0"/>
+              <a:t>10/8/19</a:t>
+            </a:fld>
+            <a:endParaRPr lang="en-US" dirty="0"/>
+          </a:p>
+        </p:txBody>
+      </p:sp>
+      <p:sp>
+        <p:nvSpPr>
+          <p:cNvPr id="5" name="Footer Placeholder 4"/>
+          <p:cNvSpPr>
+            <a:spLocks noGrp="1"/>
+          </p:cNvSpPr>
+          <p:nvPr>
+            <p:ph type="ftr" sz="quarter" idx="11"/>
+          </p:nvPr>
+        </p:nvSpPr>
+        <p:spPr/>
+        <p:txBody>
+          <a:bodyPr/>
+          <a:lstStyle/>
+          <a:p>
+            <a:endParaRPr lang="en-US" dirty="0"/>
+          </a:p>
+        </p:txBody>
+      </p:sp>
+      <p:sp>
+        <p:nvSpPr>
+          <p:cNvPr id="6" name="Slide Number Placeholder 5"/>
+          <p:cNvSpPr>
+            <a:spLocks noGrp="1"/>
+          </p:cNvSpPr>
+          <p:nvPr>
+            <p:ph type="sldNum" sz="quarter" idx="12"/>
+          </p:nvPr>
+        </p:nvSpPr>
+        <p:spPr/>
+        <p:txBody>
+          <a:bodyPr/>
+          <a:lstStyle/>
+          <a:p>
+            <a:fld id="{D57F1E4F-1CFF-5643-939E-02111984F565}" type="slidenum">
+              <a:rPr lang="en-US" dirty="0"/>
+              <a:t>‹#›</a:t>
+            </a:fld>
+            <a:endParaRPr lang="en-US" dirty="0"/>
+          </a:p>
+        </p:txBody>
+      </p:sp>
+      <p:sp>
+        <p:nvSpPr>
+          <p:cNvPr id="12" name="TextBox 11"/>
+          <p:cNvSpPr txBox="1"/>
+          <p:nvPr/>
+        </p:nvSpPr>
+        <p:spPr>
+          <a:xfrm>
+            <a:off x="898295" y="971253"/>
+            <a:ext cx="801912" cy="1969770"/>
+          </a:xfrm>
+          <a:prstGeom prst="rect">
+            <a:avLst/>
+          </a:prstGeom>
+          <a:noFill/>
+        </p:spPr>
+        <p:txBody>
+          <a:bodyPr wrap="square" rtlCol="0">
+            <a:spAutoFit/>
+          </a:bodyPr>
+          <a:lstStyle>
+            <a:defPPr>
+              <a:defRPr lang="en-US"/>
+            </a:defPPr>
+            <a:lvl1pPr algn="r">
+              <a:defRPr sz="12200" b="0" i="0">
                 <a:solidFill>
-                  <a:schemeClr val="tx1">
-                    <a:tint val="75000"/>
+                  <a:schemeClr val="bg2">
+                    <a:lumMod val="40000"/>
+                    <a:lumOff val="60000"/>
                   </a:schemeClr>
                 </a:solidFill>
+                <a:latin typeface="Arial"/>
+                <a:ea typeface="+mj-ea"/>
+                <a:cs typeface="+mj-cs"/>
               </a:defRPr>
-            </a:lvl2pPr>
-            <a:lvl3pPr marL="914400" indent="0">
-              <a:buNone/>
-              <a:defRPr sz="1600">
+            </a:lvl1pPr>
+          </a:lstStyle>
+          <a:p>
+            <a:pPr lvl="0"/>
+            <a:r>
+              <a:rPr lang="en-US" dirty="0"/>
+              <a:t>“</a:t>
+            </a:r>
+          </a:p>
+        </p:txBody>
+      </p:sp>
+      <p:sp>
+        <p:nvSpPr>
+          <p:cNvPr id="15" name="TextBox 14"/>
+          <p:cNvSpPr txBox="1"/>
+          <p:nvPr/>
+        </p:nvSpPr>
+        <p:spPr>
+          <a:xfrm>
+            <a:off x="9330490" y="2613787"/>
+            <a:ext cx="801912" cy="1969770"/>
+          </a:xfrm>
+          <a:prstGeom prst="rect">
+            <a:avLst/>
+          </a:prstGeom>
+          <a:noFill/>
+        </p:spPr>
+        <p:txBody>
+          <a:bodyPr wrap="square" rtlCol="0">
+            <a:spAutoFit/>
+          </a:bodyPr>
+          <a:lstStyle>
+            <a:defPPr>
+              <a:defRPr lang="en-US"/>
+            </a:defPPr>
+            <a:lvl1pPr algn="r">
+              <a:defRPr sz="12200" b="0" i="0">
                 <a:solidFill>
-                  <a:schemeClr val="tx1">
-                    <a:tint val="75000"/>
+                  <a:schemeClr val="bg2">
+                    <a:lumMod val="40000"/>
+                    <a:lumOff val="60000"/>
                   </a:schemeClr>
                 </a:solidFill>
+                <a:latin typeface="Arial"/>
+                <a:ea typeface="+mj-ea"/>
+                <a:cs typeface="+mj-cs"/>
               </a:defRPr>
-            </a:lvl3pPr>
-            <a:lvl4pPr marL="1371600" indent="0">
-              <a:buNone/>
-              <a:defRPr sz="1400">
-                <a:solidFill>
-                  <a:schemeClr val="tx1">
-                    <a:tint val="75000"/>
-                  </a:schemeClr>
-                </a:solidFill>
-              </a:defRPr>
-            </a:lvl4pPr>
-            <a:lvl5pPr marL="1828800" indent="0">
-              <a:buNone/>
-              <a:defRPr sz="1400">
-                <a:solidFill>
-                  <a:schemeClr val="tx1">
-                    <a:tint val="75000"/>
-                  </a:schemeClr>
-                </a:solidFill>
-              </a:defRPr>
-            </a:lvl5pPr>
-            <a:lvl6pPr marL="2286000" indent="0">
-              <a:buNone/>
-              <a:defRPr sz="1400">
-                <a:solidFill>
-                  <a:schemeClr val="tx1">
-                    <a:tint val="75000"/>
-                  </a:schemeClr>
-                </a:solidFill>
-              </a:defRPr>
-            </a:lvl6pPr>
-            <a:lvl7pPr marL="2743200" indent="0">
-              <a:buNone/>
-              <a:defRPr sz="1400">
-                <a:solidFill>
-                  <a:schemeClr val="tx1">
-                    <a:tint val="75000"/>
-                  </a:schemeClr>
-                </a:solidFill>
-              </a:defRPr>
-            </a:lvl7pPr>
-            <a:lvl8pPr marL="3200400" indent="0">
-              <a:buNone/>
-              <a:defRPr sz="1400">
-                <a:solidFill>
-                  <a:schemeClr val="tx1">
-                    <a:tint val="75000"/>
-                  </a:schemeClr>
-                </a:solidFill>
-              </a:defRPr>
-            </a:lvl8pPr>
-            <a:lvl9pPr marL="3657600" indent="0">
-              <a:buNone/>
-              <a:defRPr sz="1400">
-                <a:solidFill>
-                  <a:schemeClr val="tx1">
-                    <a:tint val="75000"/>
-                  </a:schemeClr>
-                </a:solidFill>
-              </a:defRPr>
-            </a:lvl9pPr>
-          </a:lstStyle>
-          <a:p>
-            <a:pPr lvl="0"/>
-            <a:r>
-              <a:rPr lang="en-US"/>
-              <a:t>Click to edit Master text styles</a:t>
-            </a:r>
-          </a:p>
-        </p:txBody>
-      </p:sp>
-      <p:sp>
-        <p:nvSpPr>
-          <p:cNvPr id="9" name="Text Placeholder 5"/>
-          <p:cNvSpPr>
-            <a:spLocks noGrp="1"/>
-          </p:cNvSpPr>
-          <p:nvPr>
-            <p:ph type="body" sz="quarter" idx="16"/>
-          </p:nvPr>
-        </p:nvSpPr>
-        <p:spPr>
-          <a:xfrm>
-            <a:off x="7574642" y="1081456"/>
-            <a:ext cx="3810001" cy="4075465"/>
-          </a:xfrm>
-        </p:spPr>
-        <p:txBody>
-          <a:bodyPr anchor="t"/>
-          <a:lstStyle>
-            <a:lvl1pPr marL="0" indent="0">
-              <a:buFontTx/>
-              <a:buNone/>
-              <a:defRPr/>
             </a:lvl1pPr>
           </a:lstStyle>
           <a:p>
             <a:pPr lvl="0"/>
             <a:r>
-              <a:rPr lang="en-US"/>
-              <a:t>Click to edit Master text styles</a:t>
-            </a:r>
-          </a:p>
-        </p:txBody>
-      </p:sp>
-      <p:sp>
-        <p:nvSpPr>
-          <p:cNvPr id="4" name="Date Placeholder 3"/>
-          <p:cNvSpPr>
-            <a:spLocks noGrp="1"/>
-          </p:cNvSpPr>
-          <p:nvPr>
-            <p:ph type="dt" sz="half" idx="10"/>
-          </p:nvPr>
-        </p:nvSpPr>
-        <p:spPr/>
-        <p:txBody>
-          <a:bodyPr/>
-          <a:lstStyle/>
-          <a:p>
-            <a:fld id="{8DFA1846-DA80-1C48-A609-854EA85C59AD}" type="datetimeFigureOut">
               <a:rPr lang="en-US" dirty="0"/>
-              <a:pPr/>
-              <a:t>10/7/19</a:t>
-            </a:fld>
-            <a:endParaRPr lang="en-US" dirty="0"/>
-          </a:p>
-        </p:txBody>
-      </p:sp>
-      <p:sp>
-        <p:nvSpPr>
-          <p:cNvPr id="5" name="Footer Placeholder 4"/>
-          <p:cNvSpPr>
-            <a:spLocks noGrp="1"/>
-          </p:cNvSpPr>
-          <p:nvPr>
-            <p:ph type="ftr" sz="quarter" idx="11"/>
-          </p:nvPr>
-        </p:nvSpPr>
-        <p:spPr/>
-        <p:txBody>
-          <a:bodyPr/>
-          <a:lstStyle/>
-          <a:p>
-            <a:endParaRPr lang="en-US" dirty="0"/>
-          </a:p>
-        </p:txBody>
-      </p:sp>
-      <p:sp>
-        <p:nvSpPr>
-          <p:cNvPr id="6" name="Slide Number Placeholder 5"/>
-          <p:cNvSpPr>
-            <a:spLocks noGrp="1"/>
-          </p:cNvSpPr>
-          <p:nvPr>
-            <p:ph type="sldNum" sz="quarter" idx="12"/>
-          </p:nvPr>
-        </p:nvSpPr>
-        <p:spPr/>
-        <p:txBody>
-          <a:bodyPr/>
-          <a:lstStyle/>
-          <a:p>
-            <a:fld id="{D57F1E4F-1CFF-5643-939E-217C01CDF565}" type="slidenum">
-              <a:rPr lang="en-US" dirty="0"/>
-              <a:pPr/>
-              <a:t>‹#›</a:t>
-            </a:fld>
-            <a:endParaRPr lang="en-US" dirty="0"/>
+              <a:t>”</a:t>
+            </a:r>
           </a:p>
         </p:txBody>
       </p:sp>
@@ -1258,7 +1183,7 @@
 </p:sldLayout>
 </file>
 
-<file path=ppt/slideLayouts/slideLayout12.xml><?xml version="1.0" encoding="utf-8"?>
+<file path=ppt/slideLayouts/slideLayout13.xml><?xml version="1.0" encoding="utf-8"?>
 <p:sldLayout xmlns:a="http://schemas.openxmlformats.org/drawingml/2006/main" xmlns:r="http://schemas.openxmlformats.org/officeDocument/2006/relationships" xmlns:p="http://schemas.openxmlformats.org/presentationml/2006/main" preserve="1">
   <p:cSld name="Name Card">
     <p:spTree>
@@ -1277,215 +1202,7 @@
       </p:grpSpPr>
       <p:sp>
         <p:nvSpPr>
-          <p:cNvPr id="9" name="Freeform 6"/>
-          <p:cNvSpPr>
-            <a:spLocks noChangeAspect="1"/>
-          </p:cNvSpPr>
-          <p:nvPr/>
-        </p:nvSpPr>
-        <p:spPr bwMode="auto">
-          <a:xfrm>
-            <a:off x="1140884" y="2286585"/>
-            <a:ext cx="4895115" cy="2503972"/>
-          </a:xfrm>
-          <a:custGeom>
-            <a:avLst/>
-            <a:gdLst/>
-            <a:ahLst/>
-            <a:cxnLst/>
-            <a:rect l="0" t="0" r="r" b="b"/>
-            <a:pathLst>
-              <a:path w="3384" h="2308">
-                <a:moveTo>
-                  <a:pt x="3340" y="0"/>
-                </a:moveTo>
-                <a:lnTo>
-                  <a:pt x="44" y="0"/>
-                </a:lnTo>
-                <a:lnTo>
-                  <a:pt x="44" y="0"/>
-                </a:lnTo>
-                <a:lnTo>
-                  <a:pt x="34" y="0"/>
-                </a:lnTo>
-                <a:lnTo>
-                  <a:pt x="26" y="4"/>
-                </a:lnTo>
-                <a:lnTo>
-                  <a:pt x="20" y="8"/>
-                </a:lnTo>
-                <a:lnTo>
-                  <a:pt x="12" y="12"/>
-                </a:lnTo>
-                <a:lnTo>
-                  <a:pt x="8" y="20"/>
-                </a:lnTo>
-                <a:lnTo>
-                  <a:pt x="4" y="26"/>
-                </a:lnTo>
-                <a:lnTo>
-                  <a:pt x="0" y="34"/>
-                </a:lnTo>
-                <a:lnTo>
-                  <a:pt x="0" y="44"/>
-                </a:lnTo>
-                <a:lnTo>
-                  <a:pt x="0" y="2076"/>
-                </a:lnTo>
-                <a:lnTo>
-                  <a:pt x="0" y="2076"/>
-                </a:lnTo>
-                <a:lnTo>
-                  <a:pt x="0" y="2086"/>
-                </a:lnTo>
-                <a:lnTo>
-                  <a:pt x="4" y="2094"/>
-                </a:lnTo>
-                <a:lnTo>
-                  <a:pt x="8" y="2100"/>
-                </a:lnTo>
-                <a:lnTo>
-                  <a:pt x="12" y="2108"/>
-                </a:lnTo>
-                <a:lnTo>
-                  <a:pt x="20" y="2112"/>
-                </a:lnTo>
-                <a:lnTo>
-                  <a:pt x="26" y="2116"/>
-                </a:lnTo>
-                <a:lnTo>
-                  <a:pt x="34" y="2120"/>
-                </a:lnTo>
-                <a:lnTo>
-                  <a:pt x="44" y="2120"/>
-                </a:lnTo>
-                <a:lnTo>
-                  <a:pt x="474" y="2120"/>
-                </a:lnTo>
-                <a:lnTo>
-                  <a:pt x="650" y="2296"/>
-                </a:lnTo>
-                <a:lnTo>
-                  <a:pt x="650" y="2296"/>
-                </a:lnTo>
-                <a:lnTo>
-                  <a:pt x="656" y="2300"/>
-                </a:lnTo>
-                <a:lnTo>
-                  <a:pt x="664" y="2304"/>
-                </a:lnTo>
-                <a:lnTo>
-                  <a:pt x="672" y="2308"/>
-                </a:lnTo>
-                <a:lnTo>
-                  <a:pt x="680" y="2308"/>
-                </a:lnTo>
-                <a:lnTo>
-                  <a:pt x="688" y="2308"/>
-                </a:lnTo>
-                <a:lnTo>
-                  <a:pt x="696" y="2304"/>
-                </a:lnTo>
-                <a:lnTo>
-                  <a:pt x="704" y="2300"/>
-                </a:lnTo>
-                <a:lnTo>
-                  <a:pt x="710" y="2296"/>
-                </a:lnTo>
-                <a:lnTo>
-                  <a:pt x="886" y="2120"/>
-                </a:lnTo>
-                <a:lnTo>
-                  <a:pt x="3340" y="2120"/>
-                </a:lnTo>
-                <a:lnTo>
-                  <a:pt x="3340" y="2120"/>
-                </a:lnTo>
-                <a:lnTo>
-                  <a:pt x="3350" y="2120"/>
-                </a:lnTo>
-                <a:lnTo>
-                  <a:pt x="3358" y="2116"/>
-                </a:lnTo>
-                <a:lnTo>
-                  <a:pt x="3364" y="2112"/>
-                </a:lnTo>
-                <a:lnTo>
-                  <a:pt x="3372" y="2108"/>
-                </a:lnTo>
-                <a:lnTo>
-                  <a:pt x="3376" y="2100"/>
-                </a:lnTo>
-                <a:lnTo>
-                  <a:pt x="3380" y="2094"/>
-                </a:lnTo>
-                <a:lnTo>
-                  <a:pt x="3384" y="2086"/>
-                </a:lnTo>
-                <a:lnTo>
-                  <a:pt x="3384" y="2076"/>
-                </a:lnTo>
-                <a:lnTo>
-                  <a:pt x="3384" y="44"/>
-                </a:lnTo>
-                <a:lnTo>
-                  <a:pt x="3384" y="44"/>
-                </a:lnTo>
-                <a:lnTo>
-                  <a:pt x="3384" y="34"/>
-                </a:lnTo>
-                <a:lnTo>
-                  <a:pt x="3380" y="26"/>
-                </a:lnTo>
-                <a:lnTo>
-                  <a:pt x="3376" y="20"/>
-                </a:lnTo>
-                <a:lnTo>
-                  <a:pt x="3372" y="12"/>
-                </a:lnTo>
-                <a:lnTo>
-                  <a:pt x="3364" y="8"/>
-                </a:lnTo>
-                <a:lnTo>
-                  <a:pt x="3358" y="4"/>
-                </a:lnTo>
-                <a:lnTo>
-                  <a:pt x="3350" y="0"/>
-                </a:lnTo>
-                <a:lnTo>
-                  <a:pt x="3340" y="0"/>
-                </a:lnTo>
-                <a:lnTo>
-                  <a:pt x="3340" y="0"/>
-                </a:lnTo>
-                <a:close/>
-              </a:path>
-            </a:pathLst>
-          </a:custGeom>
-          <a:ln>
-            <a:solidFill>
-              <a:schemeClr val="accent1"/>
-            </a:solidFill>
-          </a:ln>
-        </p:spPr>
-        <p:style>
-          <a:lnRef idx="1">
-            <a:schemeClr val="accent1"/>
-          </a:lnRef>
-          <a:fillRef idx="3">
-            <a:schemeClr val="accent1"/>
-          </a:fillRef>
-          <a:effectRef idx="2">
-            <a:schemeClr val="accent1"/>
-          </a:effectRef>
-          <a:fontRef idx="minor">
-            <a:schemeClr val="lt1"/>
-          </a:fontRef>
-        </p:style>
-      </p:sp>
-      <p:sp>
-        <p:nvSpPr>
-          <p:cNvPr id="38" name="Title 1"/>
+          <p:cNvPr id="2" name="Title 1"/>
           <p:cNvSpPr>
             <a:spLocks noGrp="1"/>
           </p:cNvSpPr>
@@ -1495,15 +1212,15 @@
         </p:nvSpPr>
         <p:spPr>
           <a:xfrm>
-            <a:off x="1357089" y="2435957"/>
-            <a:ext cx="4382521" cy="2007789"/>
-          </a:xfrm>
-        </p:spPr>
-        <p:txBody>
-          <a:bodyPr/>
+            <a:off x="1154954" y="3124201"/>
+            <a:ext cx="8825660" cy="1653180"/>
+          </a:xfrm>
+        </p:spPr>
+        <p:txBody>
+          <a:bodyPr anchor="b"/>
           <a:lstStyle>
-            <a:lvl1pPr>
-              <a:defRPr sz="3200"/>
+            <a:lvl1pPr algn="l">
+              <a:defRPr sz="4000" b="0" cap="none"/>
             </a:lvl1pPr>
           </a:lstStyle>
           <a:p>
@@ -1517,28 +1234,114 @@
       </p:sp>
       <p:sp>
         <p:nvSpPr>
-          <p:cNvPr id="6" name="Text Placeholder 5"/>
-          <p:cNvSpPr>
-            <a:spLocks noGrp="1"/>
-          </p:cNvSpPr>
-          <p:nvPr>
-            <p:ph type="body" sz="quarter" idx="16"/>
-          </p:nvPr>
-        </p:nvSpPr>
-        <p:spPr>
-          <a:xfrm>
-            <a:off x="6156000" y="2286000"/>
-            <a:ext cx="4880300" cy="2295525"/>
+          <p:cNvPr id="3" name="Text Placeholder 2"/>
+          <p:cNvSpPr>
+            <a:spLocks noGrp="1"/>
+          </p:cNvSpPr>
+          <p:nvPr>
+            <p:ph type="body" idx="1"/>
+          </p:nvPr>
+        </p:nvSpPr>
+        <p:spPr>
+          <a:xfrm>
+            <a:off x="1154954" y="4777381"/>
+            <a:ext cx="8825659" cy="860400"/>
           </a:xfrm>
         </p:spPr>
         <p:txBody>
           <a:bodyPr anchor="t"/>
           <a:lstStyle>
-            <a:lvl1pPr marL="0" indent="0">
-              <a:buFontTx/>
-              <a:buNone/>
-              <a:defRPr/>
+            <a:lvl1pPr marL="0" indent="0" algn="l">
+              <a:buNone/>
+              <a:defRPr sz="2000" cap="none">
+                <a:solidFill>
+                  <a:schemeClr val="bg2">
+                    <a:lumMod val="40000"/>
+                    <a:lumOff val="60000"/>
+                  </a:schemeClr>
+                </a:solidFill>
+              </a:defRPr>
             </a:lvl1pPr>
+            <a:lvl2pPr marL="457200" indent="0">
+              <a:buNone/>
+              <a:defRPr sz="1800">
+                <a:solidFill>
+                  <a:schemeClr val="tx1">
+                    <a:tint val="75000"/>
+                  </a:schemeClr>
+                </a:solidFill>
+              </a:defRPr>
+            </a:lvl2pPr>
+            <a:lvl3pPr marL="914400" indent="0">
+              <a:buNone/>
+              <a:defRPr sz="1600">
+                <a:solidFill>
+                  <a:schemeClr val="tx1">
+                    <a:tint val="75000"/>
+                  </a:schemeClr>
+                </a:solidFill>
+              </a:defRPr>
+            </a:lvl3pPr>
+            <a:lvl4pPr marL="1371600" indent="0">
+              <a:buNone/>
+              <a:defRPr sz="1400">
+                <a:solidFill>
+                  <a:schemeClr val="tx1">
+                    <a:tint val="75000"/>
+                  </a:schemeClr>
+                </a:solidFill>
+              </a:defRPr>
+            </a:lvl4pPr>
+            <a:lvl5pPr marL="1828800" indent="0">
+              <a:buNone/>
+              <a:defRPr sz="1400">
+                <a:solidFill>
+                  <a:schemeClr val="tx1">
+                    <a:tint val="75000"/>
+                  </a:schemeClr>
+                </a:solidFill>
+              </a:defRPr>
+            </a:lvl5pPr>
+            <a:lvl6pPr marL="2286000" indent="0">
+              <a:buNone/>
+              <a:defRPr sz="1400">
+                <a:solidFill>
+                  <a:schemeClr val="tx1">
+                    <a:tint val="75000"/>
+                  </a:schemeClr>
+                </a:solidFill>
+              </a:defRPr>
+            </a:lvl6pPr>
+            <a:lvl7pPr marL="2743200" indent="0">
+              <a:buNone/>
+              <a:defRPr sz="1400">
+                <a:solidFill>
+                  <a:schemeClr val="tx1">
+                    <a:tint val="75000"/>
+                  </a:schemeClr>
+                </a:solidFill>
+              </a:defRPr>
+            </a:lvl7pPr>
+            <a:lvl8pPr marL="3200400" indent="0">
+              <a:buNone/>
+              <a:defRPr sz="1400">
+                <a:solidFill>
+                  <a:schemeClr val="tx1">
+                    <a:tint val="75000"/>
+                  </a:schemeClr>
+                </a:solidFill>
+              </a:defRPr>
+            </a:lvl8pPr>
+            <a:lvl9pPr marL="3657600" indent="0">
+              <a:buNone/>
+              <a:defRPr sz="1400">
+                <a:solidFill>
+                  <a:schemeClr val="tx1">
+                    <a:tint val="75000"/>
+                  </a:schemeClr>
+                </a:solidFill>
+              </a:defRPr>
+            </a:lvl9pPr>
           </a:lstStyle>
           <a:p>
             <a:pPr lvl="0"/>
@@ -1551,7 +1354,7 @@
       </p:sp>
       <p:sp>
         <p:nvSpPr>
-          <p:cNvPr id="2" name="Date Placeholder 1"/>
+          <p:cNvPr id="4" name="Date Placeholder 3"/>
           <p:cNvSpPr>
             <a:spLocks noGrp="1"/>
           </p:cNvSpPr>
@@ -1564,10 +1367,9 @@
           <a:bodyPr/>
           <a:lstStyle/>
           <a:p>
-            <a:fld id="{FBF54567-0DE4-3F47-BF90-CB84690072F9}" type="datetimeFigureOut">
+            <a:fld id="{4509A250-FF31-4206-8172-F9D3106AACB1}" type="datetimeFigureOut">
               <a:rPr lang="en-US" dirty="0"/>
-              <a:pPr/>
-              <a:t>10/7/19</a:t>
+              <a:t>10/8/19</a:t>
             </a:fld>
             <a:endParaRPr lang="en-US" dirty="0"/>
           </a:p>
@@ -1575,7 +1377,7 @@
       </p:sp>
       <p:sp>
         <p:nvSpPr>
-          <p:cNvPr id="3" name="Footer Placeholder 2"/>
+          <p:cNvPr id="5" name="Footer Placeholder 4"/>
           <p:cNvSpPr>
             <a:spLocks noGrp="1"/>
           </p:cNvSpPr>
@@ -1594,7 +1396,7 @@
       </p:sp>
       <p:sp>
         <p:nvSpPr>
-          <p:cNvPr id="4" name="Slide Number Placeholder 3"/>
+          <p:cNvPr id="6" name="Slide Number Placeholder 5"/>
           <p:cNvSpPr>
             <a:spLocks noGrp="1"/>
           </p:cNvSpPr>
@@ -1607,9 +1409,8 @@
           <a:bodyPr/>
           <a:lstStyle/>
           <a:p>
-            <a:fld id="{D57F1E4F-1CFF-5643-939E-217C01CDF565}" type="slidenum">
+            <a:fld id="{D57F1E4F-1CFF-5643-939E-02111984F565}" type="slidenum">
               <a:rPr lang="en-US" dirty="0"/>
-              <a:pPr/>
               <a:t>‹#›</a:t>
             </a:fld>
             <a:endParaRPr lang="en-US" dirty="0"/>
@@ -1624,7 +1425,1480 @@
 </p:sldLayout>
 </file>
 
-<file path=ppt/slideLayouts/slideLayout13.xml><?xml version="1.0" encoding="utf-8"?>
+<file path=ppt/slideLayouts/slideLayout14.xml><?xml version="1.0" encoding="utf-8"?>
+<p:sldLayout xmlns:a="http://schemas.openxmlformats.org/drawingml/2006/main" xmlns:r="http://schemas.openxmlformats.org/officeDocument/2006/relationships" xmlns:p="http://schemas.openxmlformats.org/presentationml/2006/main" preserve="1">
+  <p:cSld name="3 Column">
+    <p:spTree>
+      <p:nvGrpSpPr>
+        <p:cNvPr id="1" name=""/>
+        <p:cNvGrpSpPr/>
+        <p:nvPr/>
+      </p:nvGrpSpPr>
+      <p:grpSpPr>
+        <a:xfrm>
+          <a:off x="0" y="0"/>
+          <a:ext cx="0" cy="0"/>
+          <a:chOff x="0" y="0"/>
+          <a:chExt cx="0" cy="0"/>
+        </a:xfrm>
+      </p:grpSpPr>
+      <p:sp>
+        <p:nvSpPr>
+          <p:cNvPr id="2" name="Title 1"/>
+          <p:cNvSpPr>
+            <a:spLocks noGrp="1"/>
+          </p:cNvSpPr>
+          <p:nvPr>
+            <p:ph type="title"/>
+          </p:nvPr>
+        </p:nvSpPr>
+        <p:spPr/>
+        <p:txBody>
+          <a:bodyPr/>
+          <a:lstStyle>
+            <a:lvl1pPr>
+              <a:defRPr sz="4200"/>
+            </a:lvl1pPr>
+          </a:lstStyle>
+          <a:p>
+            <a:r>
+              <a:rPr lang="en-US"/>
+              <a:t>Click to edit Master title style</a:t>
+            </a:r>
+            <a:endParaRPr lang="en-US" dirty="0"/>
+          </a:p>
+        </p:txBody>
+      </p:sp>
+      <p:sp>
+        <p:nvSpPr>
+          <p:cNvPr id="3" name="Text Placeholder 2"/>
+          <p:cNvSpPr>
+            <a:spLocks noGrp="1"/>
+          </p:cNvSpPr>
+          <p:nvPr>
+            <p:ph type="body" idx="1"/>
+          </p:nvPr>
+        </p:nvSpPr>
+        <p:spPr>
+          <a:xfrm>
+            <a:off x="632947" y="1981200"/>
+            <a:ext cx="2946866" cy="576262"/>
+          </a:xfrm>
+        </p:spPr>
+        <p:txBody>
+          <a:bodyPr anchor="b">
+            <a:noAutofit/>
+          </a:bodyPr>
+          <a:lstStyle>
+            <a:lvl1pPr marL="0" indent="0">
+              <a:buNone/>
+              <a:defRPr sz="2400" b="0">
+                <a:solidFill>
+                  <a:schemeClr val="bg2">
+                    <a:lumMod val="40000"/>
+                    <a:lumOff val="60000"/>
+                  </a:schemeClr>
+                </a:solidFill>
+              </a:defRPr>
+            </a:lvl1pPr>
+            <a:lvl2pPr marL="457200" indent="0">
+              <a:buNone/>
+              <a:defRPr sz="2000" b="1"/>
+            </a:lvl2pPr>
+            <a:lvl3pPr marL="914400" indent="0">
+              <a:buNone/>
+              <a:defRPr sz="1800" b="1"/>
+            </a:lvl3pPr>
+            <a:lvl4pPr marL="1371600" indent="0">
+              <a:buNone/>
+              <a:defRPr sz="1600" b="1"/>
+            </a:lvl4pPr>
+            <a:lvl5pPr marL="1828800" indent="0">
+              <a:buNone/>
+              <a:defRPr sz="1600" b="1"/>
+            </a:lvl5pPr>
+            <a:lvl6pPr marL="2286000" indent="0">
+              <a:buNone/>
+              <a:defRPr sz="1600" b="1"/>
+            </a:lvl6pPr>
+            <a:lvl7pPr marL="2743200" indent="0">
+              <a:buNone/>
+              <a:defRPr sz="1600" b="1"/>
+            </a:lvl7pPr>
+            <a:lvl8pPr marL="3200400" indent="0">
+              <a:buNone/>
+              <a:defRPr sz="1600" b="1"/>
+            </a:lvl8pPr>
+            <a:lvl9pPr marL="3657600" indent="0">
+              <a:buNone/>
+              <a:defRPr sz="1600" b="1"/>
+            </a:lvl9pPr>
+          </a:lstStyle>
+          <a:p>
+            <a:pPr lvl="0"/>
+            <a:r>
+              <a:rPr lang="en-US"/>
+              <a:t>Click to edit Master text styles</a:t>
+            </a:r>
+          </a:p>
+        </p:txBody>
+      </p:sp>
+      <p:sp>
+        <p:nvSpPr>
+          <p:cNvPr id="16" name="Text Placeholder 3"/>
+          <p:cNvSpPr>
+            <a:spLocks noGrp="1"/>
+          </p:cNvSpPr>
+          <p:nvPr>
+            <p:ph type="body" sz="half" idx="15"/>
+          </p:nvPr>
+        </p:nvSpPr>
+        <p:spPr>
+          <a:xfrm>
+            <a:off x="652463" y="2667000"/>
+            <a:ext cx="2927350" cy="3589338"/>
+          </a:xfrm>
+        </p:spPr>
+        <p:txBody>
+          <a:bodyPr anchor="t">
+            <a:normAutofit/>
+          </a:bodyPr>
+          <a:lstStyle>
+            <a:lvl1pPr marL="0" indent="0">
+              <a:buNone/>
+              <a:defRPr sz="1400"/>
+            </a:lvl1pPr>
+            <a:lvl2pPr marL="457200" indent="0">
+              <a:buNone/>
+              <a:defRPr sz="1200"/>
+            </a:lvl2pPr>
+            <a:lvl3pPr marL="914400" indent="0">
+              <a:buNone/>
+              <a:defRPr sz="1000"/>
+            </a:lvl3pPr>
+            <a:lvl4pPr marL="1371600" indent="0">
+              <a:buNone/>
+              <a:defRPr sz="900"/>
+            </a:lvl4pPr>
+            <a:lvl5pPr marL="1828800" indent="0">
+              <a:buNone/>
+              <a:defRPr sz="900"/>
+            </a:lvl5pPr>
+            <a:lvl6pPr marL="2286000" indent="0">
+              <a:buNone/>
+              <a:defRPr sz="900"/>
+            </a:lvl6pPr>
+            <a:lvl7pPr marL="2743200" indent="0">
+              <a:buNone/>
+              <a:defRPr sz="900"/>
+            </a:lvl7pPr>
+            <a:lvl8pPr marL="3200400" indent="0">
+              <a:buNone/>
+              <a:defRPr sz="900"/>
+            </a:lvl8pPr>
+            <a:lvl9pPr marL="3657600" indent="0">
+              <a:buNone/>
+              <a:defRPr sz="900"/>
+            </a:lvl9pPr>
+          </a:lstStyle>
+          <a:p>
+            <a:pPr lvl="0"/>
+            <a:r>
+              <a:rPr lang="en-US"/>
+              <a:t>Click to edit Master text styles</a:t>
+            </a:r>
+          </a:p>
+        </p:txBody>
+      </p:sp>
+      <p:sp>
+        <p:nvSpPr>
+          <p:cNvPr id="5" name="Text Placeholder 4"/>
+          <p:cNvSpPr>
+            <a:spLocks noGrp="1"/>
+          </p:cNvSpPr>
+          <p:nvPr>
+            <p:ph type="body" sz="quarter" idx="3"/>
+          </p:nvPr>
+        </p:nvSpPr>
+        <p:spPr>
+          <a:xfrm>
+            <a:off x="3883659" y="1981200"/>
+            <a:ext cx="2936241" cy="576262"/>
+          </a:xfrm>
+        </p:spPr>
+        <p:txBody>
+          <a:bodyPr anchor="b">
+            <a:noAutofit/>
+          </a:bodyPr>
+          <a:lstStyle>
+            <a:lvl1pPr marL="0" indent="0">
+              <a:buNone/>
+              <a:defRPr sz="2400" b="0">
+                <a:solidFill>
+                  <a:schemeClr val="bg2">
+                    <a:lumMod val="40000"/>
+                    <a:lumOff val="60000"/>
+                  </a:schemeClr>
+                </a:solidFill>
+              </a:defRPr>
+            </a:lvl1pPr>
+            <a:lvl2pPr marL="457200" indent="0">
+              <a:buNone/>
+              <a:defRPr sz="2000" b="1"/>
+            </a:lvl2pPr>
+            <a:lvl3pPr marL="914400" indent="0">
+              <a:buNone/>
+              <a:defRPr sz="1800" b="1"/>
+            </a:lvl3pPr>
+            <a:lvl4pPr marL="1371600" indent="0">
+              <a:buNone/>
+              <a:defRPr sz="1600" b="1"/>
+            </a:lvl4pPr>
+            <a:lvl5pPr marL="1828800" indent="0">
+              <a:buNone/>
+              <a:defRPr sz="1600" b="1"/>
+            </a:lvl5pPr>
+            <a:lvl6pPr marL="2286000" indent="0">
+              <a:buNone/>
+              <a:defRPr sz="1600" b="1"/>
+            </a:lvl6pPr>
+            <a:lvl7pPr marL="2743200" indent="0">
+              <a:buNone/>
+              <a:defRPr sz="1600" b="1"/>
+            </a:lvl7pPr>
+            <a:lvl8pPr marL="3200400" indent="0">
+              <a:buNone/>
+              <a:defRPr sz="1600" b="1"/>
+            </a:lvl8pPr>
+            <a:lvl9pPr marL="3657600" indent="0">
+              <a:buNone/>
+              <a:defRPr sz="1600" b="1"/>
+            </a:lvl9pPr>
+          </a:lstStyle>
+          <a:p>
+            <a:pPr lvl="0"/>
+            <a:r>
+              <a:rPr lang="en-US"/>
+              <a:t>Click to edit Master text styles</a:t>
+            </a:r>
+          </a:p>
+        </p:txBody>
+      </p:sp>
+      <p:sp>
+        <p:nvSpPr>
+          <p:cNvPr id="19" name="Text Placeholder 3"/>
+          <p:cNvSpPr>
+            <a:spLocks noGrp="1"/>
+          </p:cNvSpPr>
+          <p:nvPr>
+            <p:ph type="body" sz="half" idx="16"/>
+          </p:nvPr>
+        </p:nvSpPr>
+        <p:spPr>
+          <a:xfrm>
+            <a:off x="3873106" y="2667000"/>
+            <a:ext cx="2946794" cy="3589338"/>
+          </a:xfrm>
+        </p:spPr>
+        <p:txBody>
+          <a:bodyPr anchor="t">
+            <a:normAutofit/>
+          </a:bodyPr>
+          <a:lstStyle>
+            <a:lvl1pPr marL="0" indent="0">
+              <a:buNone/>
+              <a:defRPr sz="1400"/>
+            </a:lvl1pPr>
+            <a:lvl2pPr marL="457200" indent="0">
+              <a:buNone/>
+              <a:defRPr sz="1200"/>
+            </a:lvl2pPr>
+            <a:lvl3pPr marL="914400" indent="0">
+              <a:buNone/>
+              <a:defRPr sz="1000"/>
+            </a:lvl3pPr>
+            <a:lvl4pPr marL="1371600" indent="0">
+              <a:buNone/>
+              <a:defRPr sz="900"/>
+            </a:lvl4pPr>
+            <a:lvl5pPr marL="1828800" indent="0">
+              <a:buNone/>
+              <a:defRPr sz="900"/>
+            </a:lvl5pPr>
+            <a:lvl6pPr marL="2286000" indent="0">
+              <a:buNone/>
+              <a:defRPr sz="900"/>
+            </a:lvl6pPr>
+            <a:lvl7pPr marL="2743200" indent="0">
+              <a:buNone/>
+              <a:defRPr sz="900"/>
+            </a:lvl7pPr>
+            <a:lvl8pPr marL="3200400" indent="0">
+              <a:buNone/>
+              <a:defRPr sz="900"/>
+            </a:lvl8pPr>
+            <a:lvl9pPr marL="3657600" indent="0">
+              <a:buNone/>
+              <a:defRPr sz="900"/>
+            </a:lvl9pPr>
+          </a:lstStyle>
+          <a:p>
+            <a:pPr lvl="0"/>
+            <a:r>
+              <a:rPr lang="en-US"/>
+              <a:t>Click to edit Master text styles</a:t>
+            </a:r>
+          </a:p>
+        </p:txBody>
+      </p:sp>
+      <p:sp>
+        <p:nvSpPr>
+          <p:cNvPr id="14" name="Text Placeholder 4"/>
+          <p:cNvSpPr>
+            <a:spLocks noGrp="1"/>
+          </p:cNvSpPr>
+          <p:nvPr>
+            <p:ph type="body" sz="quarter" idx="13"/>
+          </p:nvPr>
+        </p:nvSpPr>
+        <p:spPr>
+          <a:xfrm>
+            <a:off x="7124700" y="1981200"/>
+            <a:ext cx="2932113" cy="576262"/>
+          </a:xfrm>
+        </p:spPr>
+        <p:txBody>
+          <a:bodyPr anchor="b">
+            <a:noAutofit/>
+          </a:bodyPr>
+          <a:lstStyle>
+            <a:lvl1pPr marL="0" indent="0">
+              <a:buNone/>
+              <a:defRPr sz="2400" b="0">
+                <a:solidFill>
+                  <a:schemeClr val="bg2">
+                    <a:lumMod val="40000"/>
+                    <a:lumOff val="60000"/>
+                  </a:schemeClr>
+                </a:solidFill>
+              </a:defRPr>
+            </a:lvl1pPr>
+            <a:lvl2pPr marL="457200" indent="0">
+              <a:buNone/>
+              <a:defRPr sz="2000" b="1"/>
+            </a:lvl2pPr>
+            <a:lvl3pPr marL="914400" indent="0">
+              <a:buNone/>
+              <a:defRPr sz="1800" b="1"/>
+            </a:lvl3pPr>
+            <a:lvl4pPr marL="1371600" indent="0">
+              <a:buNone/>
+              <a:defRPr sz="1600" b="1"/>
+            </a:lvl4pPr>
+            <a:lvl5pPr marL="1828800" indent="0">
+              <a:buNone/>
+              <a:defRPr sz="1600" b="1"/>
+            </a:lvl5pPr>
+            <a:lvl6pPr marL="2286000" indent="0">
+              <a:buNone/>
+              <a:defRPr sz="1600" b="1"/>
+            </a:lvl6pPr>
+            <a:lvl7pPr marL="2743200" indent="0">
+              <a:buNone/>
+              <a:defRPr sz="1600" b="1"/>
+            </a:lvl7pPr>
+            <a:lvl8pPr marL="3200400" indent="0">
+              <a:buNone/>
+              <a:defRPr sz="1600" b="1"/>
+            </a:lvl8pPr>
+            <a:lvl9pPr marL="3657600" indent="0">
+              <a:buNone/>
+              <a:defRPr sz="1600" b="1"/>
+            </a:lvl9pPr>
+          </a:lstStyle>
+          <a:p>
+            <a:pPr lvl="0"/>
+            <a:r>
+              <a:rPr lang="en-US"/>
+              <a:t>Click to edit Master text styles</a:t>
+            </a:r>
+          </a:p>
+        </p:txBody>
+      </p:sp>
+      <p:sp>
+        <p:nvSpPr>
+          <p:cNvPr id="20" name="Text Placeholder 3"/>
+          <p:cNvSpPr>
+            <a:spLocks noGrp="1"/>
+          </p:cNvSpPr>
+          <p:nvPr>
+            <p:ph type="body" sz="half" idx="17"/>
+          </p:nvPr>
+        </p:nvSpPr>
+        <p:spPr>
+          <a:xfrm>
+            <a:off x="7124700" y="2667000"/>
+            <a:ext cx="2932113" cy="3589338"/>
+          </a:xfrm>
+        </p:spPr>
+        <p:txBody>
+          <a:bodyPr anchor="t">
+            <a:normAutofit/>
+          </a:bodyPr>
+          <a:lstStyle>
+            <a:lvl1pPr marL="0" indent="0">
+              <a:buNone/>
+              <a:defRPr sz="1400"/>
+            </a:lvl1pPr>
+            <a:lvl2pPr marL="457200" indent="0">
+              <a:buNone/>
+              <a:defRPr sz="1200"/>
+            </a:lvl2pPr>
+            <a:lvl3pPr marL="914400" indent="0">
+              <a:buNone/>
+              <a:defRPr sz="1000"/>
+            </a:lvl3pPr>
+            <a:lvl4pPr marL="1371600" indent="0">
+              <a:buNone/>
+              <a:defRPr sz="900"/>
+            </a:lvl4pPr>
+            <a:lvl5pPr marL="1828800" indent="0">
+              <a:buNone/>
+              <a:defRPr sz="900"/>
+            </a:lvl5pPr>
+            <a:lvl6pPr marL="2286000" indent="0">
+              <a:buNone/>
+              <a:defRPr sz="900"/>
+            </a:lvl6pPr>
+            <a:lvl7pPr marL="2743200" indent="0">
+              <a:buNone/>
+              <a:defRPr sz="900"/>
+            </a:lvl7pPr>
+            <a:lvl8pPr marL="3200400" indent="0">
+              <a:buNone/>
+              <a:defRPr sz="900"/>
+            </a:lvl8pPr>
+            <a:lvl9pPr marL="3657600" indent="0">
+              <a:buNone/>
+              <a:defRPr sz="900"/>
+            </a:lvl9pPr>
+          </a:lstStyle>
+          <a:p>
+            <a:pPr lvl="0"/>
+            <a:r>
+              <a:rPr lang="en-US"/>
+              <a:t>Click to edit Master text styles</a:t>
+            </a:r>
+          </a:p>
+        </p:txBody>
+      </p:sp>
+      <p:cxnSp>
+        <p:nvCxnSpPr>
+          <p:cNvPr id="17" name="Straight Connector 16"/>
+          <p:cNvCxnSpPr/>
+          <p:nvPr/>
+        </p:nvCxnSpPr>
+        <p:spPr>
+          <a:xfrm>
+            <a:off x="3726142" y="2133600"/>
+            <a:ext cx="0" cy="3962400"/>
+          </a:xfrm>
+          <a:prstGeom prst="line">
+            <a:avLst/>
+          </a:prstGeom>
+          <a:ln w="12700" cmpd="sng">
+            <a:solidFill>
+              <a:schemeClr val="bg2">
+                <a:lumMod val="40000"/>
+                <a:lumOff val="60000"/>
+                <a:alpha val="40000"/>
+              </a:schemeClr>
+            </a:solidFill>
+          </a:ln>
+        </p:spPr>
+        <p:style>
+          <a:lnRef idx="2">
+            <a:schemeClr val="accent1"/>
+          </a:lnRef>
+          <a:fillRef idx="0">
+            <a:schemeClr val="accent1"/>
+          </a:fillRef>
+          <a:effectRef idx="1">
+            <a:schemeClr val="accent1"/>
+          </a:effectRef>
+          <a:fontRef idx="minor">
+            <a:schemeClr val="tx1"/>
+          </a:fontRef>
+        </p:style>
+      </p:cxnSp>
+      <p:cxnSp>
+        <p:nvCxnSpPr>
+          <p:cNvPr id="18" name="Straight Connector 17"/>
+          <p:cNvCxnSpPr/>
+          <p:nvPr/>
+        </p:nvCxnSpPr>
+        <p:spPr>
+          <a:xfrm>
+            <a:off x="6962227" y="2133600"/>
+            <a:ext cx="0" cy="3966882"/>
+          </a:xfrm>
+          <a:prstGeom prst="line">
+            <a:avLst/>
+          </a:prstGeom>
+          <a:ln w="12700" cmpd="sng">
+            <a:solidFill>
+              <a:schemeClr val="bg2">
+                <a:lumMod val="40000"/>
+                <a:lumOff val="60000"/>
+                <a:alpha val="40000"/>
+              </a:schemeClr>
+            </a:solidFill>
+          </a:ln>
+        </p:spPr>
+        <p:style>
+          <a:lnRef idx="2">
+            <a:schemeClr val="accent1"/>
+          </a:lnRef>
+          <a:fillRef idx="0">
+            <a:schemeClr val="accent1"/>
+          </a:fillRef>
+          <a:effectRef idx="1">
+            <a:schemeClr val="accent1"/>
+          </a:effectRef>
+          <a:fontRef idx="minor">
+            <a:schemeClr val="tx1"/>
+          </a:fontRef>
+        </p:style>
+      </p:cxnSp>
+      <p:sp>
+        <p:nvSpPr>
+          <p:cNvPr id="7" name="Date Placeholder 3"/>
+          <p:cNvSpPr>
+            <a:spLocks noGrp="1"/>
+          </p:cNvSpPr>
+          <p:nvPr>
+            <p:ph type="dt" sz="half" idx="10"/>
+          </p:nvPr>
+        </p:nvSpPr>
+        <p:spPr/>
+        <p:txBody>
+          <a:bodyPr/>
+          <a:lstStyle/>
+          <a:p>
+            <a:fld id="{4509A250-FF31-4206-8172-F9D3106AACB1}" type="datetimeFigureOut">
+              <a:rPr lang="en-US" dirty="0"/>
+              <a:t>10/8/19</a:t>
+            </a:fld>
+            <a:endParaRPr lang="en-US" dirty="0"/>
+          </a:p>
+        </p:txBody>
+      </p:sp>
+      <p:sp>
+        <p:nvSpPr>
+          <p:cNvPr id="4" name="Footer Placeholder 4"/>
+          <p:cNvSpPr>
+            <a:spLocks noGrp="1"/>
+          </p:cNvSpPr>
+          <p:nvPr>
+            <p:ph type="ftr" sz="quarter" idx="11"/>
+          </p:nvPr>
+        </p:nvSpPr>
+        <p:spPr/>
+        <p:txBody>
+          <a:bodyPr/>
+          <a:lstStyle/>
+          <a:p>
+            <a:endParaRPr lang="en-US" dirty="0"/>
+          </a:p>
+        </p:txBody>
+      </p:sp>
+      <p:sp>
+        <p:nvSpPr>
+          <p:cNvPr id="6" name="Slide Number Placeholder 5"/>
+          <p:cNvSpPr>
+            <a:spLocks noGrp="1"/>
+          </p:cNvSpPr>
+          <p:nvPr>
+            <p:ph type="sldNum" sz="quarter" idx="12"/>
+          </p:nvPr>
+        </p:nvSpPr>
+        <p:spPr/>
+        <p:txBody>
+          <a:bodyPr/>
+          <a:lstStyle/>
+          <a:p>
+            <a:fld id="{D57F1E4F-1CFF-5643-939E-02111984F565}" type="slidenum">
+              <a:rPr lang="en-US" dirty="0"/>
+              <a:t>‹#›</a:t>
+            </a:fld>
+            <a:endParaRPr lang="en-US" dirty="0"/>
+          </a:p>
+        </p:txBody>
+      </p:sp>
+    </p:spTree>
+  </p:cSld>
+  <p:clrMapOvr>
+    <a:masterClrMapping/>
+  </p:clrMapOvr>
+</p:sldLayout>
+</file>
+
+<file path=ppt/slideLayouts/slideLayout15.xml><?xml version="1.0" encoding="utf-8"?>
+<p:sldLayout xmlns:a="http://schemas.openxmlformats.org/drawingml/2006/main" xmlns:r="http://schemas.openxmlformats.org/officeDocument/2006/relationships" xmlns:p="http://schemas.openxmlformats.org/presentationml/2006/main" preserve="1">
+  <p:cSld name="3 Picture Column">
+    <p:spTree>
+      <p:nvGrpSpPr>
+        <p:cNvPr id="1" name=""/>
+        <p:cNvGrpSpPr/>
+        <p:nvPr/>
+      </p:nvGrpSpPr>
+      <p:grpSpPr>
+        <a:xfrm>
+          <a:off x="0" y="0"/>
+          <a:ext cx="0" cy="0"/>
+          <a:chOff x="0" y="0"/>
+          <a:chExt cx="0" cy="0"/>
+        </a:xfrm>
+      </p:grpSpPr>
+      <p:sp>
+        <p:nvSpPr>
+          <p:cNvPr id="2" name="Title 1"/>
+          <p:cNvSpPr>
+            <a:spLocks noGrp="1"/>
+          </p:cNvSpPr>
+          <p:nvPr>
+            <p:ph type="title"/>
+          </p:nvPr>
+        </p:nvSpPr>
+        <p:spPr/>
+        <p:txBody>
+          <a:bodyPr/>
+          <a:lstStyle>
+            <a:lvl1pPr>
+              <a:defRPr sz="4200"/>
+            </a:lvl1pPr>
+          </a:lstStyle>
+          <a:p>
+            <a:r>
+              <a:rPr lang="en-US"/>
+              <a:t>Click to edit Master title style</a:t>
+            </a:r>
+            <a:endParaRPr lang="en-US" dirty="0"/>
+          </a:p>
+        </p:txBody>
+      </p:sp>
+      <p:sp>
+        <p:nvSpPr>
+          <p:cNvPr id="3" name="Text Placeholder 2"/>
+          <p:cNvSpPr>
+            <a:spLocks noGrp="1"/>
+          </p:cNvSpPr>
+          <p:nvPr>
+            <p:ph type="body" idx="1"/>
+          </p:nvPr>
+        </p:nvSpPr>
+        <p:spPr>
+          <a:xfrm>
+            <a:off x="652463" y="4250949"/>
+            <a:ext cx="2940050" cy="576262"/>
+          </a:xfrm>
+        </p:spPr>
+        <p:txBody>
+          <a:bodyPr anchor="b">
+            <a:noAutofit/>
+          </a:bodyPr>
+          <a:lstStyle>
+            <a:lvl1pPr marL="0" indent="0">
+              <a:buNone/>
+              <a:defRPr sz="2400" b="0">
+                <a:solidFill>
+                  <a:schemeClr val="bg2">
+                    <a:lumMod val="40000"/>
+                    <a:lumOff val="60000"/>
+                  </a:schemeClr>
+                </a:solidFill>
+              </a:defRPr>
+            </a:lvl1pPr>
+            <a:lvl2pPr marL="457200" indent="0">
+              <a:buNone/>
+              <a:defRPr sz="2000" b="1"/>
+            </a:lvl2pPr>
+            <a:lvl3pPr marL="914400" indent="0">
+              <a:buNone/>
+              <a:defRPr sz="1800" b="1"/>
+            </a:lvl3pPr>
+            <a:lvl4pPr marL="1371600" indent="0">
+              <a:buNone/>
+              <a:defRPr sz="1600" b="1"/>
+            </a:lvl4pPr>
+            <a:lvl5pPr marL="1828800" indent="0">
+              <a:buNone/>
+              <a:defRPr sz="1600" b="1"/>
+            </a:lvl5pPr>
+            <a:lvl6pPr marL="2286000" indent="0">
+              <a:buNone/>
+              <a:defRPr sz="1600" b="1"/>
+            </a:lvl6pPr>
+            <a:lvl7pPr marL="2743200" indent="0">
+              <a:buNone/>
+              <a:defRPr sz="1600" b="1"/>
+            </a:lvl7pPr>
+            <a:lvl8pPr marL="3200400" indent="0">
+              <a:buNone/>
+              <a:defRPr sz="1600" b="1"/>
+            </a:lvl8pPr>
+            <a:lvl9pPr marL="3657600" indent="0">
+              <a:buNone/>
+              <a:defRPr sz="1600" b="1"/>
+            </a:lvl9pPr>
+          </a:lstStyle>
+          <a:p>
+            <a:pPr lvl="0"/>
+            <a:r>
+              <a:rPr lang="en-US"/>
+              <a:t>Click to edit Master text styles</a:t>
+            </a:r>
+          </a:p>
+        </p:txBody>
+      </p:sp>
+      <p:sp>
+        <p:nvSpPr>
+          <p:cNvPr id="29" name="Picture Placeholder 2"/>
+          <p:cNvSpPr>
+            <a:spLocks noGrp="1" noChangeAspect="1"/>
+          </p:cNvSpPr>
+          <p:nvPr>
+            <p:ph type="pic" idx="15"/>
+          </p:nvPr>
+        </p:nvSpPr>
+        <p:spPr>
+          <a:xfrm>
+            <a:off x="652463" y="2209800"/>
+            <a:ext cx="2940050" cy="1524000"/>
+          </a:xfrm>
+          <a:prstGeom prst="roundRect">
+            <a:avLst>
+              <a:gd name="adj" fmla="val 1858"/>
+            </a:avLst>
+          </a:prstGeom>
+          <a:effectLst>
+            <a:outerShdw blurRad="50800" dist="50800" dir="5400000" algn="tl" rotWithShape="0">
+              <a:srgbClr val="000000">
+                <a:alpha val="43000"/>
+              </a:srgbClr>
+            </a:outerShdw>
+          </a:effectLst>
+        </p:spPr>
+        <p:txBody>
+          <a:bodyPr anchor="t">
+            <a:normAutofit/>
+          </a:bodyPr>
+          <a:lstStyle>
+            <a:lvl1pPr marL="0" indent="0" algn="ctr">
+              <a:buNone/>
+              <a:defRPr sz="1600"/>
+            </a:lvl1pPr>
+            <a:lvl2pPr marL="457200" indent="0">
+              <a:buNone/>
+              <a:defRPr sz="1600"/>
+            </a:lvl2pPr>
+            <a:lvl3pPr marL="914400" indent="0">
+              <a:buNone/>
+              <a:defRPr sz="1600"/>
+            </a:lvl3pPr>
+            <a:lvl4pPr marL="1371600" indent="0">
+              <a:buNone/>
+              <a:defRPr sz="1600"/>
+            </a:lvl4pPr>
+            <a:lvl5pPr marL="1828800" indent="0">
+              <a:buNone/>
+              <a:defRPr sz="1600"/>
+            </a:lvl5pPr>
+            <a:lvl6pPr marL="2286000" indent="0">
+              <a:buNone/>
+              <a:defRPr sz="1600"/>
+            </a:lvl6pPr>
+            <a:lvl7pPr marL="2743200" indent="0">
+              <a:buNone/>
+              <a:defRPr sz="1600"/>
+            </a:lvl7pPr>
+            <a:lvl8pPr marL="3200400" indent="0">
+              <a:buNone/>
+              <a:defRPr sz="1600"/>
+            </a:lvl8pPr>
+            <a:lvl9pPr marL="3657600" indent="0">
+              <a:buNone/>
+              <a:defRPr sz="1600"/>
+            </a:lvl9pPr>
+          </a:lstStyle>
+          <a:p>
+            <a:r>
+              <a:rPr lang="en-US"/>
+              <a:t>Click icon to add picture</a:t>
+            </a:r>
+            <a:endParaRPr lang="en-US" dirty="0"/>
+          </a:p>
+        </p:txBody>
+      </p:sp>
+      <p:sp>
+        <p:nvSpPr>
+          <p:cNvPr id="22" name="Text Placeholder 3"/>
+          <p:cNvSpPr>
+            <a:spLocks noGrp="1"/>
+          </p:cNvSpPr>
+          <p:nvPr>
+            <p:ph type="body" sz="half" idx="18"/>
+          </p:nvPr>
+        </p:nvSpPr>
+        <p:spPr>
+          <a:xfrm>
+            <a:off x="652463" y="4827211"/>
+            <a:ext cx="2940050" cy="659189"/>
+          </a:xfrm>
+        </p:spPr>
+        <p:txBody>
+          <a:bodyPr anchor="t">
+            <a:normAutofit/>
+          </a:bodyPr>
+          <a:lstStyle>
+            <a:lvl1pPr marL="0" indent="0">
+              <a:buNone/>
+              <a:defRPr sz="1400"/>
+            </a:lvl1pPr>
+            <a:lvl2pPr marL="457200" indent="0">
+              <a:buNone/>
+              <a:defRPr sz="1200"/>
+            </a:lvl2pPr>
+            <a:lvl3pPr marL="914400" indent="0">
+              <a:buNone/>
+              <a:defRPr sz="1000"/>
+            </a:lvl3pPr>
+            <a:lvl4pPr marL="1371600" indent="0">
+              <a:buNone/>
+              <a:defRPr sz="900"/>
+            </a:lvl4pPr>
+            <a:lvl5pPr marL="1828800" indent="0">
+              <a:buNone/>
+              <a:defRPr sz="900"/>
+            </a:lvl5pPr>
+            <a:lvl6pPr marL="2286000" indent="0">
+              <a:buNone/>
+              <a:defRPr sz="900"/>
+            </a:lvl6pPr>
+            <a:lvl7pPr marL="2743200" indent="0">
+              <a:buNone/>
+              <a:defRPr sz="900"/>
+            </a:lvl7pPr>
+            <a:lvl8pPr marL="3200400" indent="0">
+              <a:buNone/>
+              <a:defRPr sz="900"/>
+            </a:lvl8pPr>
+            <a:lvl9pPr marL="3657600" indent="0">
+              <a:buNone/>
+              <a:defRPr sz="900"/>
+            </a:lvl9pPr>
+          </a:lstStyle>
+          <a:p>
+            <a:pPr lvl="0"/>
+            <a:r>
+              <a:rPr lang="en-US"/>
+              <a:t>Click to edit Master text styles</a:t>
+            </a:r>
+          </a:p>
+        </p:txBody>
+      </p:sp>
+      <p:sp>
+        <p:nvSpPr>
+          <p:cNvPr id="5" name="Text Placeholder 4"/>
+          <p:cNvSpPr>
+            <a:spLocks noGrp="1"/>
+          </p:cNvSpPr>
+          <p:nvPr>
+            <p:ph type="body" sz="quarter" idx="3"/>
+          </p:nvPr>
+        </p:nvSpPr>
+        <p:spPr>
+          <a:xfrm>
+            <a:off x="3889375" y="4250949"/>
+            <a:ext cx="2930525" cy="576262"/>
+          </a:xfrm>
+        </p:spPr>
+        <p:txBody>
+          <a:bodyPr anchor="b">
+            <a:noAutofit/>
+          </a:bodyPr>
+          <a:lstStyle>
+            <a:lvl1pPr marL="0" indent="0">
+              <a:buNone/>
+              <a:defRPr sz="2400" b="0">
+                <a:solidFill>
+                  <a:schemeClr val="bg2">
+                    <a:lumMod val="40000"/>
+                    <a:lumOff val="60000"/>
+                  </a:schemeClr>
+                </a:solidFill>
+              </a:defRPr>
+            </a:lvl1pPr>
+            <a:lvl2pPr marL="457200" indent="0">
+              <a:buNone/>
+              <a:defRPr sz="2000" b="1"/>
+            </a:lvl2pPr>
+            <a:lvl3pPr marL="914400" indent="0">
+              <a:buNone/>
+              <a:defRPr sz="1800" b="1"/>
+            </a:lvl3pPr>
+            <a:lvl4pPr marL="1371600" indent="0">
+              <a:buNone/>
+              <a:defRPr sz="1600" b="1"/>
+            </a:lvl4pPr>
+            <a:lvl5pPr marL="1828800" indent="0">
+              <a:buNone/>
+              <a:defRPr sz="1600" b="1"/>
+            </a:lvl5pPr>
+            <a:lvl6pPr marL="2286000" indent="0">
+              <a:buNone/>
+              <a:defRPr sz="1600" b="1"/>
+            </a:lvl6pPr>
+            <a:lvl7pPr marL="2743200" indent="0">
+              <a:buNone/>
+              <a:defRPr sz="1600" b="1"/>
+            </a:lvl7pPr>
+            <a:lvl8pPr marL="3200400" indent="0">
+              <a:buNone/>
+              <a:defRPr sz="1600" b="1"/>
+            </a:lvl8pPr>
+            <a:lvl9pPr marL="3657600" indent="0">
+              <a:buNone/>
+              <a:defRPr sz="1600" b="1"/>
+            </a:lvl9pPr>
+          </a:lstStyle>
+          <a:p>
+            <a:pPr lvl="0"/>
+            <a:r>
+              <a:rPr lang="en-US"/>
+              <a:t>Click to edit Master text styles</a:t>
+            </a:r>
+          </a:p>
+        </p:txBody>
+      </p:sp>
+      <p:sp>
+        <p:nvSpPr>
+          <p:cNvPr id="30" name="Picture Placeholder 2"/>
+          <p:cNvSpPr>
+            <a:spLocks noGrp="1" noChangeAspect="1"/>
+          </p:cNvSpPr>
+          <p:nvPr>
+            <p:ph type="pic" idx="21"/>
+          </p:nvPr>
+        </p:nvSpPr>
+        <p:spPr>
+          <a:xfrm>
+            <a:off x="3889374" y="2209800"/>
+            <a:ext cx="2930525" cy="1524000"/>
+          </a:xfrm>
+          <a:prstGeom prst="roundRect">
+            <a:avLst>
+              <a:gd name="adj" fmla="val 1858"/>
+            </a:avLst>
+          </a:prstGeom>
+          <a:effectLst>
+            <a:outerShdw blurRad="50800" dist="50800" dir="5400000" algn="tl" rotWithShape="0">
+              <a:srgbClr val="000000">
+                <a:alpha val="43000"/>
+              </a:srgbClr>
+            </a:outerShdw>
+          </a:effectLst>
+        </p:spPr>
+        <p:txBody>
+          <a:bodyPr anchor="t">
+            <a:normAutofit/>
+          </a:bodyPr>
+          <a:lstStyle>
+            <a:lvl1pPr marL="0" indent="0" algn="ctr">
+              <a:buNone/>
+              <a:defRPr sz="1600"/>
+            </a:lvl1pPr>
+            <a:lvl2pPr marL="457200" indent="0">
+              <a:buNone/>
+              <a:defRPr sz="1600"/>
+            </a:lvl2pPr>
+            <a:lvl3pPr marL="914400" indent="0">
+              <a:buNone/>
+              <a:defRPr sz="1600"/>
+            </a:lvl3pPr>
+            <a:lvl4pPr marL="1371600" indent="0">
+              <a:buNone/>
+              <a:defRPr sz="1600"/>
+            </a:lvl4pPr>
+            <a:lvl5pPr marL="1828800" indent="0">
+              <a:buNone/>
+              <a:defRPr sz="1600"/>
+            </a:lvl5pPr>
+            <a:lvl6pPr marL="2286000" indent="0">
+              <a:buNone/>
+              <a:defRPr sz="1600"/>
+            </a:lvl6pPr>
+            <a:lvl7pPr marL="2743200" indent="0">
+              <a:buNone/>
+              <a:defRPr sz="1600"/>
+            </a:lvl7pPr>
+            <a:lvl8pPr marL="3200400" indent="0">
+              <a:buNone/>
+              <a:defRPr sz="1600"/>
+            </a:lvl8pPr>
+            <a:lvl9pPr marL="3657600" indent="0">
+              <a:buNone/>
+              <a:defRPr sz="1600"/>
+            </a:lvl9pPr>
+          </a:lstStyle>
+          <a:p>
+            <a:r>
+              <a:rPr lang="en-US"/>
+              <a:t>Click icon to add picture</a:t>
+            </a:r>
+            <a:endParaRPr lang="en-US" dirty="0"/>
+          </a:p>
+        </p:txBody>
+      </p:sp>
+      <p:sp>
+        <p:nvSpPr>
+          <p:cNvPr id="23" name="Text Placeholder 3"/>
+          <p:cNvSpPr>
+            <a:spLocks noGrp="1"/>
+          </p:cNvSpPr>
+          <p:nvPr>
+            <p:ph type="body" sz="half" idx="19"/>
+          </p:nvPr>
+        </p:nvSpPr>
+        <p:spPr>
+          <a:xfrm>
+            <a:off x="3888022" y="4827210"/>
+            <a:ext cx="2934406" cy="659189"/>
+          </a:xfrm>
+        </p:spPr>
+        <p:txBody>
+          <a:bodyPr anchor="t">
+            <a:normAutofit/>
+          </a:bodyPr>
+          <a:lstStyle>
+            <a:lvl1pPr marL="0" indent="0">
+              <a:buNone/>
+              <a:defRPr sz="1400"/>
+            </a:lvl1pPr>
+            <a:lvl2pPr marL="457200" indent="0">
+              <a:buNone/>
+              <a:defRPr sz="1200"/>
+            </a:lvl2pPr>
+            <a:lvl3pPr marL="914400" indent="0">
+              <a:buNone/>
+              <a:defRPr sz="1000"/>
+            </a:lvl3pPr>
+            <a:lvl4pPr marL="1371600" indent="0">
+              <a:buNone/>
+              <a:defRPr sz="900"/>
+            </a:lvl4pPr>
+            <a:lvl5pPr marL="1828800" indent="0">
+              <a:buNone/>
+              <a:defRPr sz="900"/>
+            </a:lvl5pPr>
+            <a:lvl6pPr marL="2286000" indent="0">
+              <a:buNone/>
+              <a:defRPr sz="900"/>
+            </a:lvl6pPr>
+            <a:lvl7pPr marL="2743200" indent="0">
+              <a:buNone/>
+              <a:defRPr sz="900"/>
+            </a:lvl7pPr>
+            <a:lvl8pPr marL="3200400" indent="0">
+              <a:buNone/>
+              <a:defRPr sz="900"/>
+            </a:lvl8pPr>
+            <a:lvl9pPr marL="3657600" indent="0">
+              <a:buNone/>
+              <a:defRPr sz="900"/>
+            </a:lvl9pPr>
+          </a:lstStyle>
+          <a:p>
+            <a:pPr lvl="0"/>
+            <a:r>
+              <a:rPr lang="en-US"/>
+              <a:t>Click to edit Master text styles</a:t>
+            </a:r>
+          </a:p>
+        </p:txBody>
+      </p:sp>
+      <p:sp>
+        <p:nvSpPr>
+          <p:cNvPr id="14" name="Text Placeholder 4"/>
+          <p:cNvSpPr>
+            <a:spLocks noGrp="1"/>
+          </p:cNvSpPr>
+          <p:nvPr>
+            <p:ph type="body" sz="quarter" idx="13"/>
+          </p:nvPr>
+        </p:nvSpPr>
+        <p:spPr>
+          <a:xfrm>
+            <a:off x="7124700" y="4250949"/>
+            <a:ext cx="2932113" cy="576262"/>
+          </a:xfrm>
+        </p:spPr>
+        <p:txBody>
+          <a:bodyPr anchor="b">
+            <a:noAutofit/>
+          </a:bodyPr>
+          <a:lstStyle>
+            <a:lvl1pPr marL="0" indent="0">
+              <a:buNone/>
+              <a:defRPr sz="2400" b="0">
+                <a:solidFill>
+                  <a:schemeClr val="bg2">
+                    <a:lumMod val="40000"/>
+                    <a:lumOff val="60000"/>
+                  </a:schemeClr>
+                </a:solidFill>
+              </a:defRPr>
+            </a:lvl1pPr>
+            <a:lvl2pPr marL="457200" indent="0">
+              <a:buNone/>
+              <a:defRPr sz="2000" b="1"/>
+            </a:lvl2pPr>
+            <a:lvl3pPr marL="914400" indent="0">
+              <a:buNone/>
+              <a:defRPr sz="1800" b="1"/>
+            </a:lvl3pPr>
+            <a:lvl4pPr marL="1371600" indent="0">
+              <a:buNone/>
+              <a:defRPr sz="1600" b="1"/>
+            </a:lvl4pPr>
+            <a:lvl5pPr marL="1828800" indent="0">
+              <a:buNone/>
+              <a:defRPr sz="1600" b="1"/>
+            </a:lvl5pPr>
+            <a:lvl6pPr marL="2286000" indent="0">
+              <a:buNone/>
+              <a:defRPr sz="1600" b="1"/>
+            </a:lvl6pPr>
+            <a:lvl7pPr marL="2743200" indent="0">
+              <a:buNone/>
+              <a:defRPr sz="1600" b="1"/>
+            </a:lvl7pPr>
+            <a:lvl8pPr marL="3200400" indent="0">
+              <a:buNone/>
+              <a:defRPr sz="1600" b="1"/>
+            </a:lvl8pPr>
+            <a:lvl9pPr marL="3657600" indent="0">
+              <a:buNone/>
+              <a:defRPr sz="1600" b="1"/>
+            </a:lvl9pPr>
+          </a:lstStyle>
+          <a:p>
+            <a:pPr lvl="0"/>
+            <a:r>
+              <a:rPr lang="en-US"/>
+              <a:t>Click to edit Master text styles</a:t>
+            </a:r>
+          </a:p>
+        </p:txBody>
+      </p:sp>
+      <p:sp>
+        <p:nvSpPr>
+          <p:cNvPr id="31" name="Picture Placeholder 2"/>
+          <p:cNvSpPr>
+            <a:spLocks noGrp="1" noChangeAspect="1"/>
+          </p:cNvSpPr>
+          <p:nvPr>
+            <p:ph type="pic" idx="22"/>
+          </p:nvPr>
+        </p:nvSpPr>
+        <p:spPr>
+          <a:xfrm>
+            <a:off x="7124699" y="2209800"/>
+            <a:ext cx="2932113" cy="1524000"/>
+          </a:xfrm>
+          <a:prstGeom prst="roundRect">
+            <a:avLst>
+              <a:gd name="adj" fmla="val 1858"/>
+            </a:avLst>
+          </a:prstGeom>
+          <a:effectLst>
+            <a:outerShdw blurRad="50800" dist="50800" dir="5400000" algn="tl" rotWithShape="0">
+              <a:srgbClr val="000000">
+                <a:alpha val="43000"/>
+              </a:srgbClr>
+            </a:outerShdw>
+          </a:effectLst>
+        </p:spPr>
+        <p:txBody>
+          <a:bodyPr anchor="t">
+            <a:normAutofit/>
+          </a:bodyPr>
+          <a:lstStyle>
+            <a:lvl1pPr marL="0" indent="0" algn="ctr">
+              <a:buNone/>
+              <a:defRPr sz="1600"/>
+            </a:lvl1pPr>
+            <a:lvl2pPr marL="457200" indent="0">
+              <a:buNone/>
+              <a:defRPr sz="1600"/>
+            </a:lvl2pPr>
+            <a:lvl3pPr marL="914400" indent="0">
+              <a:buNone/>
+              <a:defRPr sz="1600"/>
+            </a:lvl3pPr>
+            <a:lvl4pPr marL="1371600" indent="0">
+              <a:buNone/>
+              <a:defRPr sz="1600"/>
+            </a:lvl4pPr>
+            <a:lvl5pPr marL="1828800" indent="0">
+              <a:buNone/>
+              <a:defRPr sz="1600"/>
+            </a:lvl5pPr>
+            <a:lvl6pPr marL="2286000" indent="0">
+              <a:buNone/>
+              <a:defRPr sz="1600"/>
+            </a:lvl6pPr>
+            <a:lvl7pPr marL="2743200" indent="0">
+              <a:buNone/>
+              <a:defRPr sz="1600"/>
+            </a:lvl7pPr>
+            <a:lvl8pPr marL="3200400" indent="0">
+              <a:buNone/>
+              <a:defRPr sz="1600"/>
+            </a:lvl8pPr>
+            <a:lvl9pPr marL="3657600" indent="0">
+              <a:buNone/>
+              <a:defRPr sz="1600"/>
+            </a:lvl9pPr>
+          </a:lstStyle>
+          <a:p>
+            <a:r>
+              <a:rPr lang="en-US"/>
+              <a:t>Click icon to add picture</a:t>
+            </a:r>
+            <a:endParaRPr lang="en-US" dirty="0"/>
+          </a:p>
+        </p:txBody>
+      </p:sp>
+      <p:sp>
+        <p:nvSpPr>
+          <p:cNvPr id="24" name="Text Placeholder 3"/>
+          <p:cNvSpPr>
+            <a:spLocks noGrp="1"/>
+          </p:cNvSpPr>
+          <p:nvPr>
+            <p:ph type="body" sz="half" idx="20"/>
+          </p:nvPr>
+        </p:nvSpPr>
+        <p:spPr>
+          <a:xfrm>
+            <a:off x="7124575" y="4827208"/>
+            <a:ext cx="2935997" cy="659189"/>
+          </a:xfrm>
+        </p:spPr>
+        <p:txBody>
+          <a:bodyPr anchor="t">
+            <a:normAutofit/>
+          </a:bodyPr>
+          <a:lstStyle>
+            <a:lvl1pPr marL="0" indent="0">
+              <a:buNone/>
+              <a:defRPr sz="1400"/>
+            </a:lvl1pPr>
+            <a:lvl2pPr marL="457200" indent="0">
+              <a:buNone/>
+              <a:defRPr sz="1200"/>
+            </a:lvl2pPr>
+            <a:lvl3pPr marL="914400" indent="0">
+              <a:buNone/>
+              <a:defRPr sz="1000"/>
+            </a:lvl3pPr>
+            <a:lvl4pPr marL="1371600" indent="0">
+              <a:buNone/>
+              <a:defRPr sz="900"/>
+            </a:lvl4pPr>
+            <a:lvl5pPr marL="1828800" indent="0">
+              <a:buNone/>
+              <a:defRPr sz="900"/>
+            </a:lvl5pPr>
+            <a:lvl6pPr marL="2286000" indent="0">
+              <a:buNone/>
+              <a:defRPr sz="900"/>
+            </a:lvl6pPr>
+            <a:lvl7pPr marL="2743200" indent="0">
+              <a:buNone/>
+              <a:defRPr sz="900"/>
+            </a:lvl7pPr>
+            <a:lvl8pPr marL="3200400" indent="0">
+              <a:buNone/>
+              <a:defRPr sz="900"/>
+            </a:lvl8pPr>
+            <a:lvl9pPr marL="3657600" indent="0">
+              <a:buNone/>
+              <a:defRPr sz="900"/>
+            </a:lvl9pPr>
+          </a:lstStyle>
+          <a:p>
+            <a:pPr lvl="0"/>
+            <a:r>
+              <a:rPr lang="en-US"/>
+              <a:t>Click to edit Master text styles</a:t>
+            </a:r>
+          </a:p>
+        </p:txBody>
+      </p:sp>
+      <p:cxnSp>
+        <p:nvCxnSpPr>
+          <p:cNvPr id="19" name="Straight Connector 18"/>
+          <p:cNvCxnSpPr/>
+          <p:nvPr/>
+        </p:nvCxnSpPr>
+        <p:spPr>
+          <a:xfrm>
+            <a:off x="3726142" y="2133600"/>
+            <a:ext cx="0" cy="3962400"/>
+          </a:xfrm>
+          <a:prstGeom prst="line">
+            <a:avLst/>
+          </a:prstGeom>
+          <a:ln w="12700" cmpd="sng">
+            <a:solidFill>
+              <a:schemeClr val="bg2">
+                <a:lumMod val="40000"/>
+                <a:lumOff val="60000"/>
+                <a:alpha val="40000"/>
+              </a:schemeClr>
+            </a:solidFill>
+          </a:ln>
+        </p:spPr>
+        <p:style>
+          <a:lnRef idx="2">
+            <a:schemeClr val="accent1"/>
+          </a:lnRef>
+          <a:fillRef idx="0">
+            <a:schemeClr val="accent1"/>
+          </a:fillRef>
+          <a:effectRef idx="1">
+            <a:schemeClr val="accent1"/>
+          </a:effectRef>
+          <a:fontRef idx="minor">
+            <a:schemeClr val="tx1"/>
+          </a:fontRef>
+        </p:style>
+      </p:cxnSp>
+      <p:cxnSp>
+        <p:nvCxnSpPr>
+          <p:cNvPr id="20" name="Straight Connector 19"/>
+          <p:cNvCxnSpPr/>
+          <p:nvPr/>
+        </p:nvCxnSpPr>
+        <p:spPr>
+          <a:xfrm>
+            <a:off x="6962227" y="2133600"/>
+            <a:ext cx="0" cy="3966882"/>
+          </a:xfrm>
+          <a:prstGeom prst="line">
+            <a:avLst/>
+          </a:prstGeom>
+          <a:ln w="12700" cmpd="sng">
+            <a:solidFill>
+              <a:schemeClr val="bg2">
+                <a:lumMod val="40000"/>
+                <a:lumOff val="60000"/>
+                <a:alpha val="40000"/>
+              </a:schemeClr>
+            </a:solidFill>
+          </a:ln>
+        </p:spPr>
+        <p:style>
+          <a:lnRef idx="2">
+            <a:schemeClr val="accent1"/>
+          </a:lnRef>
+          <a:fillRef idx="0">
+            <a:schemeClr val="accent1"/>
+          </a:fillRef>
+          <a:effectRef idx="1">
+            <a:schemeClr val="accent1"/>
+          </a:effectRef>
+          <a:fontRef idx="minor">
+            <a:schemeClr val="tx1"/>
+          </a:fontRef>
+        </p:style>
+      </p:cxnSp>
+      <p:sp>
+        <p:nvSpPr>
+          <p:cNvPr id="7" name="Date Placeholder 3"/>
+          <p:cNvSpPr>
+            <a:spLocks noGrp="1"/>
+          </p:cNvSpPr>
+          <p:nvPr>
+            <p:ph type="dt" sz="half" idx="10"/>
+          </p:nvPr>
+        </p:nvSpPr>
+        <p:spPr/>
+        <p:txBody>
+          <a:bodyPr/>
+          <a:lstStyle/>
+          <a:p>
+            <a:fld id="{4509A250-FF31-4206-8172-F9D3106AACB1}" type="datetimeFigureOut">
+              <a:rPr lang="en-US" dirty="0"/>
+              <a:t>10/8/19</a:t>
+            </a:fld>
+            <a:endParaRPr lang="en-US" dirty="0"/>
+          </a:p>
+        </p:txBody>
+      </p:sp>
+      <p:sp>
+        <p:nvSpPr>
+          <p:cNvPr id="4" name="Footer Placeholder 4"/>
+          <p:cNvSpPr>
+            <a:spLocks noGrp="1"/>
+          </p:cNvSpPr>
+          <p:nvPr>
+            <p:ph type="ftr" sz="quarter" idx="11"/>
+          </p:nvPr>
+        </p:nvSpPr>
+        <p:spPr/>
+        <p:txBody>
+          <a:bodyPr/>
+          <a:lstStyle/>
+          <a:p>
+            <a:endParaRPr lang="en-US" dirty="0"/>
+          </a:p>
+        </p:txBody>
+      </p:sp>
+      <p:sp>
+        <p:nvSpPr>
+          <p:cNvPr id="6" name="Slide Number Placeholder 5"/>
+          <p:cNvSpPr>
+            <a:spLocks noGrp="1"/>
+          </p:cNvSpPr>
+          <p:nvPr>
+            <p:ph type="sldNum" sz="quarter" idx="12"/>
+          </p:nvPr>
+        </p:nvSpPr>
+        <p:spPr/>
+        <p:txBody>
+          <a:bodyPr/>
+          <a:lstStyle/>
+          <a:p>
+            <a:fld id="{D57F1E4F-1CFF-5643-939E-02111984F565}" type="slidenum">
+              <a:rPr lang="en-US" dirty="0"/>
+              <a:t>‹#›</a:t>
+            </a:fld>
+            <a:endParaRPr lang="en-US" dirty="0"/>
+          </a:p>
+        </p:txBody>
+      </p:sp>
+    </p:spTree>
+  </p:cSld>
+  <p:clrMapOvr>
+    <a:masterClrMapping/>
+  </p:clrMapOvr>
+</p:sldLayout>
+</file>
+
+<file path=ppt/slideLayouts/slideLayout16.xml><?xml version="1.0" encoding="utf-8"?>
 <p:sldLayout xmlns:a="http://schemas.openxmlformats.org/drawingml/2006/main" xmlns:r="http://schemas.openxmlformats.org/officeDocument/2006/relationships" xmlns:p="http://schemas.openxmlformats.org/presentationml/2006/main" type="vertTx" preserve="1">
   <p:cSld name="Title and Vertical Text">
     <p:spTree>
@@ -1643,109 +2917,6 @@
       </p:grpSpPr>
       <p:sp>
         <p:nvSpPr>
-          <p:cNvPr id="7" name="Freeform 6"/>
-          <p:cNvSpPr/>
-          <p:nvPr/>
-        </p:nvSpPr>
-        <p:spPr bwMode="auto">
-          <a:xfrm>
-            <a:off x="0" y="0"/>
-            <a:ext cx="12192000" cy="2185988"/>
-          </a:xfrm>
-          <a:custGeom>
-            <a:avLst/>
-            <a:gdLst/>
-            <a:ahLst/>
-            <a:cxnLst/>
-            <a:rect l="0" t="0" r="r" b="b"/>
-            <a:pathLst>
-              <a:path w="5760" h="1377">
-                <a:moveTo>
-                  <a:pt x="5760" y="0"/>
-                </a:moveTo>
-                <a:lnTo>
-                  <a:pt x="0" y="0"/>
-                </a:lnTo>
-                <a:lnTo>
-                  <a:pt x="0" y="1189"/>
-                </a:lnTo>
-                <a:lnTo>
-                  <a:pt x="943" y="1189"/>
-                </a:lnTo>
-                <a:lnTo>
-                  <a:pt x="1123" y="1369"/>
-                </a:lnTo>
-                <a:lnTo>
-                  <a:pt x="1123" y="1369"/>
-                </a:lnTo>
-                <a:lnTo>
-                  <a:pt x="1127" y="1371"/>
-                </a:lnTo>
-                <a:lnTo>
-                  <a:pt x="1133" y="1374"/>
-                </a:lnTo>
-                <a:lnTo>
-                  <a:pt x="1139" y="1377"/>
-                </a:lnTo>
-                <a:lnTo>
-                  <a:pt x="1144" y="1377"/>
-                </a:lnTo>
-                <a:lnTo>
-                  <a:pt x="1150" y="1377"/>
-                </a:lnTo>
-                <a:lnTo>
-                  <a:pt x="1155" y="1374"/>
-                </a:lnTo>
-                <a:lnTo>
-                  <a:pt x="1161" y="1371"/>
-                </a:lnTo>
-                <a:lnTo>
-                  <a:pt x="1165" y="1369"/>
-                </a:lnTo>
-                <a:lnTo>
-                  <a:pt x="1345" y="1189"/>
-                </a:lnTo>
-                <a:lnTo>
-                  <a:pt x="5760" y="1189"/>
-                </a:lnTo>
-                <a:lnTo>
-                  <a:pt x="5760" y="0"/>
-                </a:lnTo>
-                <a:close/>
-              </a:path>
-            </a:pathLst>
-          </a:custGeom>
-          <a:ln/>
-          <a:extLst>
-            <a:ext uri="{91240B29-F687-4f45-9708-019B960494DF}">
-              <a14:hiddenLine xmlns="" xmlns:a14="http://schemas.microsoft.com/office/drawing/2010/main" w="9525">
-                <a:solidFill>
-                  <a:srgbClr val="000000"/>
-                </a:solidFill>
-                <a:round/>
-                <a:headEnd/>
-                <a:tailEnd/>
-              </a14:hiddenLine>
-            </a:ext>
-          </a:extLst>
-        </p:spPr>
-        <p:style>
-          <a:lnRef idx="1">
-            <a:schemeClr val="accent1"/>
-          </a:lnRef>
-          <a:fillRef idx="3">
-            <a:schemeClr val="accent1"/>
-          </a:fillRef>
-          <a:effectRef idx="2">
-            <a:schemeClr val="accent1"/>
-          </a:effectRef>
-          <a:fontRef idx="minor">
-            <a:schemeClr val="lt1"/>
-          </a:fontRef>
-        </p:style>
-      </p:sp>
-      <p:sp>
-        <p:nvSpPr>
           <p:cNvPr id="2" name="Title 1"/>
           <p:cNvSpPr>
             <a:spLocks noGrp="1"/>
@@ -1779,7 +2950,7 @@
         </p:nvSpPr>
         <p:spPr/>
         <p:txBody>
-          <a:bodyPr vert="eaVert" anchor="t"/>
+          <a:bodyPr vert="eaVert" anchor="t" anchorCtr="0"/>
           <a:lstStyle/>
           <a:p>
             <a:pPr lvl="0"/>
@@ -1834,10 +3005,9 @@
           <a:bodyPr/>
           <a:lstStyle/>
           <a:p>
-            <a:fld id="{C6C52C72-DE31-F449-A4ED-4C594FD91407}" type="datetimeFigureOut">
+            <a:fld id="{4509A250-FF31-4206-8172-F9D3106AACB1}" type="datetimeFigureOut">
               <a:rPr lang="en-US" dirty="0"/>
-              <a:pPr/>
-              <a:t>10/7/19</a:t>
+              <a:t>10/8/19</a:t>
             </a:fld>
             <a:endParaRPr lang="en-US" dirty="0"/>
           </a:p>
@@ -1877,9 +3047,8 @@
           <a:bodyPr/>
           <a:lstStyle/>
           <a:p>
-            <a:fld id="{D57F1E4F-1CFF-5643-939E-217C01CDF565}" type="slidenum">
+            <a:fld id="{D57F1E4F-1CFF-5643-939E-02111984F565}" type="slidenum">
               <a:rPr lang="en-US" dirty="0"/>
-              <a:pPr/>
               <a:t>‹#›</a:t>
             </a:fld>
             <a:endParaRPr lang="en-US" dirty="0"/>
@@ -1894,7 +3063,7 @@
 </p:sldLayout>
 </file>
 
-<file path=ppt/slideLayouts/slideLayout14.xml><?xml version="1.0" encoding="utf-8"?>
+<file path=ppt/slideLayouts/slideLayout17.xml><?xml version="1.0" encoding="utf-8"?>
 <p:sldLayout xmlns:a="http://schemas.openxmlformats.org/drawingml/2006/main" xmlns:r="http://schemas.openxmlformats.org/officeDocument/2006/relationships" xmlns:p="http://schemas.openxmlformats.org/presentationml/2006/main" type="vertTitleAndTx" preserve="1">
   <p:cSld name="Vertical Title and Text">
     <p:spTree>
@@ -1913,111 +3082,6 @@
       </p:grpSpPr>
       <p:sp>
         <p:nvSpPr>
-          <p:cNvPr id="12" name="Freeform 6"/>
-          <p:cNvSpPr>
-            <a:spLocks noChangeAspect="1"/>
-          </p:cNvSpPr>
-          <p:nvPr/>
-        </p:nvSpPr>
-        <p:spPr bwMode="auto">
-          <a:xfrm>
-            <a:off x="7669651" y="446089"/>
-            <a:ext cx="4522349" cy="5414962"/>
-          </a:xfrm>
-          <a:custGeom>
-            <a:avLst/>
-            <a:gdLst/>
-            <a:ahLst/>
-            <a:cxnLst/>
-            <a:rect l="0" t="0" r="r" b="b"/>
-            <a:pathLst>
-              <a:path w="2879" h="4320">
-                <a:moveTo>
-                  <a:pt x="183" y="0"/>
-                </a:moveTo>
-                <a:lnTo>
-                  <a:pt x="183" y="1197"/>
-                </a:lnTo>
-                <a:lnTo>
-                  <a:pt x="8" y="1372"/>
-                </a:lnTo>
-                <a:lnTo>
-                  <a:pt x="8" y="1372"/>
-                </a:lnTo>
-                <a:lnTo>
-                  <a:pt x="6" y="1376"/>
-                </a:lnTo>
-                <a:lnTo>
-                  <a:pt x="3" y="1382"/>
-                </a:lnTo>
-                <a:lnTo>
-                  <a:pt x="0" y="1387"/>
-                </a:lnTo>
-                <a:lnTo>
-                  <a:pt x="0" y="1393"/>
-                </a:lnTo>
-                <a:lnTo>
-                  <a:pt x="0" y="1399"/>
-                </a:lnTo>
-                <a:lnTo>
-                  <a:pt x="3" y="1404"/>
-                </a:lnTo>
-                <a:lnTo>
-                  <a:pt x="6" y="1410"/>
-                </a:lnTo>
-                <a:lnTo>
-                  <a:pt x="8" y="1414"/>
-                </a:lnTo>
-                <a:lnTo>
-                  <a:pt x="183" y="1589"/>
-                </a:lnTo>
-                <a:lnTo>
-                  <a:pt x="183" y="4320"/>
-                </a:lnTo>
-                <a:lnTo>
-                  <a:pt x="2879" y="4320"/>
-                </a:lnTo>
-                <a:lnTo>
-                  <a:pt x="2879" y="0"/>
-                </a:lnTo>
-                <a:lnTo>
-                  <a:pt x="183" y="0"/>
-                </a:lnTo>
-                <a:close/>
-              </a:path>
-            </a:pathLst>
-          </a:custGeom>
-          <a:ln/>
-          <a:extLst>
-            <a:ext uri="{91240B29-F687-4f45-9708-019B960494DF}">
-              <a14:hiddenLine xmlns="" xmlns:a14="http://schemas.microsoft.com/office/drawing/2010/main" w="9525">
-                <a:solidFill>
-                  <a:srgbClr val="000000"/>
-                </a:solidFill>
-                <a:round/>
-                <a:headEnd/>
-                <a:tailEnd/>
-              </a14:hiddenLine>
-            </a:ext>
-          </a:extLst>
-        </p:spPr>
-        <p:style>
-          <a:lnRef idx="1">
-            <a:schemeClr val="accent1"/>
-          </a:lnRef>
-          <a:fillRef idx="3">
-            <a:schemeClr val="accent1"/>
-          </a:fillRef>
-          <a:effectRef idx="2">
-            <a:schemeClr val="accent1"/>
-          </a:effectRef>
-          <a:fontRef idx="minor">
-            <a:schemeClr val="lt1"/>
-          </a:fontRef>
-        </p:style>
-      </p:sp>
-      <p:sp>
-        <p:nvSpPr>
           <p:cNvPr id="2" name="Vertical Title 1"/>
           <p:cNvSpPr>
             <a:spLocks noGrp="1"/>
@@ -2028,42 +3092,42 @@
         </p:nvSpPr>
         <p:spPr>
           <a:xfrm>
-            <a:off x="8183540" y="586171"/>
-            <a:ext cx="2494791" cy="5134798"/>
+            <a:off x="8304212" y="430213"/>
+            <a:ext cx="1752601" cy="5826125"/>
+          </a:xfrm>
+        </p:spPr>
+        <p:txBody>
+          <a:bodyPr vert="eaVert" anchor="b" anchorCtr="0"/>
+          <a:lstStyle/>
+          <a:p>
+            <a:r>
+              <a:rPr lang="en-US"/>
+              <a:t>Click to edit Master title style</a:t>
+            </a:r>
+            <a:endParaRPr lang="en-US" dirty="0"/>
+          </a:p>
+        </p:txBody>
+      </p:sp>
+      <p:sp>
+        <p:nvSpPr>
+          <p:cNvPr id="3" name="Vertical Text Placeholder 2"/>
+          <p:cNvSpPr>
+            <a:spLocks noGrp="1"/>
+          </p:cNvSpPr>
+          <p:nvPr>
+            <p:ph type="body" orient="vert" idx="1"/>
+          </p:nvPr>
+        </p:nvSpPr>
+        <p:spPr>
+          <a:xfrm>
+            <a:off x="652463" y="887414"/>
+            <a:ext cx="7423149" cy="5368924"/>
           </a:xfrm>
         </p:spPr>
         <p:txBody>
           <a:bodyPr vert="eaVert"/>
           <a:lstStyle/>
           <a:p>
-            <a:r>
-              <a:rPr lang="en-US"/>
-              <a:t>Click to edit Master title style</a:t>
-            </a:r>
-            <a:endParaRPr lang="en-US" dirty="0"/>
-          </a:p>
-        </p:txBody>
-      </p:sp>
-      <p:sp>
-        <p:nvSpPr>
-          <p:cNvPr id="3" name="Vertical Text Placeholder 2"/>
-          <p:cNvSpPr>
-            <a:spLocks noGrp="1"/>
-          </p:cNvSpPr>
-          <p:nvPr>
-            <p:ph type="body" orient="vert" idx="1"/>
-          </p:nvPr>
-        </p:nvSpPr>
-        <p:spPr>
-          <a:xfrm>
-            <a:off x="810001" y="446089"/>
-            <a:ext cx="6611540" cy="5414962"/>
-          </a:xfrm>
-        </p:spPr>
-        <p:txBody>
-          <a:bodyPr vert="eaVert" anchor="t"/>
-          <a:lstStyle/>
-          <a:p>
             <a:pPr lvl="0"/>
             <a:r>
               <a:rPr lang="en-US"/>
@@ -2116,10 +3180,9 @@
           <a:bodyPr/>
           <a:lstStyle/>
           <a:p>
-            <a:fld id="{ED62726E-379B-B349-9EED-81ED093FA806}" type="datetimeFigureOut">
+            <a:fld id="{4509A250-FF31-4206-8172-F9D3106AACB1}" type="datetimeFigureOut">
               <a:rPr lang="en-US" dirty="0"/>
-              <a:pPr/>
-              <a:t>10/7/19</a:t>
+              <a:t>10/8/19</a:t>
             </a:fld>
             <a:endParaRPr lang="en-US" dirty="0"/>
           </a:p>
@@ -2159,9 +3222,8 @@
           <a:bodyPr/>
           <a:lstStyle/>
           <a:p>
-            <a:fld id="{D57F1E4F-1CFF-5643-939E-217C01CDF565}" type="slidenum">
+            <a:fld id="{D57F1E4F-1CFF-5643-939E-02111984F565}" type="slidenum">
               <a:rPr lang="en-US" dirty="0"/>
-              <a:pPr/>
               <a:t>‹#›</a:t>
             </a:fld>
             <a:endParaRPr lang="en-US" dirty="0"/>
@@ -2195,109 +3257,6 @@
       </p:grpSpPr>
       <p:sp>
         <p:nvSpPr>
-          <p:cNvPr id="11" name="Freeform 6"/>
-          <p:cNvSpPr/>
-          <p:nvPr/>
-        </p:nvSpPr>
-        <p:spPr bwMode="auto">
-          <a:xfrm>
-            <a:off x="0" y="0"/>
-            <a:ext cx="12192000" cy="2185988"/>
-          </a:xfrm>
-          <a:custGeom>
-            <a:avLst/>
-            <a:gdLst/>
-            <a:ahLst/>
-            <a:cxnLst/>
-            <a:rect l="0" t="0" r="r" b="b"/>
-            <a:pathLst>
-              <a:path w="5760" h="1377">
-                <a:moveTo>
-                  <a:pt x="5760" y="0"/>
-                </a:moveTo>
-                <a:lnTo>
-                  <a:pt x="0" y="0"/>
-                </a:lnTo>
-                <a:lnTo>
-                  <a:pt x="0" y="1189"/>
-                </a:lnTo>
-                <a:lnTo>
-                  <a:pt x="943" y="1189"/>
-                </a:lnTo>
-                <a:lnTo>
-                  <a:pt x="1123" y="1369"/>
-                </a:lnTo>
-                <a:lnTo>
-                  <a:pt x="1123" y="1369"/>
-                </a:lnTo>
-                <a:lnTo>
-                  <a:pt x="1127" y="1371"/>
-                </a:lnTo>
-                <a:lnTo>
-                  <a:pt x="1133" y="1374"/>
-                </a:lnTo>
-                <a:lnTo>
-                  <a:pt x="1139" y="1377"/>
-                </a:lnTo>
-                <a:lnTo>
-                  <a:pt x="1144" y="1377"/>
-                </a:lnTo>
-                <a:lnTo>
-                  <a:pt x="1150" y="1377"/>
-                </a:lnTo>
-                <a:lnTo>
-                  <a:pt x="1155" y="1374"/>
-                </a:lnTo>
-                <a:lnTo>
-                  <a:pt x="1161" y="1371"/>
-                </a:lnTo>
-                <a:lnTo>
-                  <a:pt x="1165" y="1369"/>
-                </a:lnTo>
-                <a:lnTo>
-                  <a:pt x="1345" y="1189"/>
-                </a:lnTo>
-                <a:lnTo>
-                  <a:pt x="5760" y="1189"/>
-                </a:lnTo>
-                <a:lnTo>
-                  <a:pt x="5760" y="0"/>
-                </a:lnTo>
-                <a:close/>
-              </a:path>
-            </a:pathLst>
-          </a:custGeom>
-          <a:ln/>
-          <a:extLst>
-            <a:ext uri="{91240B29-F687-4f45-9708-019B960494DF}">
-              <a14:hiddenLine xmlns="" xmlns:a14="http://schemas.microsoft.com/office/drawing/2010/main" w="9525">
-                <a:solidFill>
-                  <a:srgbClr val="000000"/>
-                </a:solidFill>
-                <a:round/>
-                <a:headEnd/>
-                <a:tailEnd/>
-              </a14:hiddenLine>
-            </a:ext>
-          </a:extLst>
-        </p:spPr>
-        <p:style>
-          <a:lnRef idx="1">
-            <a:schemeClr val="accent1"/>
-          </a:lnRef>
-          <a:fillRef idx="3">
-            <a:schemeClr val="accent1"/>
-          </a:fillRef>
-          <a:effectRef idx="2">
-            <a:schemeClr val="accent1"/>
-          </a:effectRef>
-          <a:fontRef idx="minor">
-            <a:schemeClr val="lt1"/>
-          </a:fontRef>
-        </p:style>
-      </p:sp>
-      <p:sp>
-        <p:nvSpPr>
           <p:cNvPr id="2" name="Title 1"/>
           <p:cNvSpPr>
             <a:spLocks noGrp="1"/>
@@ -2306,12 +3265,7 @@
             <p:ph type="title"/>
           </p:nvPr>
         </p:nvSpPr>
-        <p:spPr>
-          <a:xfrm>
-            <a:off x="810000" y="447188"/>
-            <a:ext cx="10571998" cy="970450"/>
-          </a:xfrm>
-        </p:spPr>
+        <p:spPr/>
         <p:txBody>
           <a:bodyPr/>
           <a:lstStyle/>
@@ -2334,12 +3288,7 @@
             <p:ph idx="1"/>
           </p:nvPr>
         </p:nvSpPr>
-        <p:spPr>
-          <a:xfrm>
-            <a:off x="818712" y="2222287"/>
-            <a:ext cx="10554574" cy="3636511"/>
-          </a:xfrm>
-        </p:spPr>
+        <p:spPr/>
         <p:txBody>
           <a:bodyPr/>
           <a:lstStyle/>
@@ -2383,7 +3332,7 @@
       </p:sp>
       <p:sp>
         <p:nvSpPr>
-          <p:cNvPr id="4" name="Date Placeholder 3"/>
+          <p:cNvPr id="7" name="Date Placeholder 3"/>
           <p:cNvSpPr>
             <a:spLocks noGrp="1"/>
           </p:cNvSpPr>
@@ -2396,10 +3345,9 @@
           <a:bodyPr/>
           <a:lstStyle/>
           <a:p>
-            <a:fld id="{9B3A1323-8D79-1946-B0D7-40001CF92E9D}" type="datetimeFigureOut">
+            <a:fld id="{4509A250-FF31-4206-8172-F9D3106AACB1}" type="datetimeFigureOut">
               <a:rPr lang="en-US" dirty="0"/>
-              <a:pPr/>
-              <a:t>10/7/19</a:t>
+              <a:t>10/8/19</a:t>
             </a:fld>
             <a:endParaRPr lang="en-US" dirty="0"/>
           </a:p>
@@ -2439,9 +3387,8 @@
           <a:bodyPr/>
           <a:lstStyle/>
           <a:p>
-            <a:fld id="{D57F1E4F-1CFF-5643-939E-217C01CDF565}" type="slidenum">
+            <a:fld id="{D57F1E4F-1CFF-5643-939E-02111984F565}" type="slidenum">
               <a:rPr lang="en-US" dirty="0"/>
-              <a:pPr/>
               <a:t>‹#›</a:t>
             </a:fld>
             <a:endParaRPr lang="en-US" dirty="0"/>
@@ -2475,103 +3422,6 @@
       </p:grpSpPr>
       <p:sp>
         <p:nvSpPr>
-          <p:cNvPr id="10" name="Freeform 7"/>
-          <p:cNvSpPr/>
-          <p:nvPr/>
-        </p:nvSpPr>
-        <p:spPr bwMode="auto">
-          <a:xfrm>
-            <a:off x="0" y="1"/>
-            <a:ext cx="12192000" cy="5203825"/>
-          </a:xfrm>
-          <a:custGeom>
-            <a:avLst/>
-            <a:gdLst/>
-            <a:ahLst/>
-            <a:cxnLst/>
-            <a:rect l="0" t="0" r="r" b="b"/>
-            <a:pathLst>
-              <a:path w="5760" h="3278">
-                <a:moveTo>
-                  <a:pt x="0" y="0"/>
-                </a:moveTo>
-                <a:lnTo>
-                  <a:pt x="5760" y="0"/>
-                </a:lnTo>
-                <a:lnTo>
-                  <a:pt x="5760" y="3090"/>
-                </a:lnTo>
-                <a:lnTo>
-                  <a:pt x="4817" y="3090"/>
-                </a:lnTo>
-                <a:lnTo>
-                  <a:pt x="4637" y="3270"/>
-                </a:lnTo>
-                <a:lnTo>
-                  <a:pt x="4637" y="3270"/>
-                </a:lnTo>
-                <a:lnTo>
-                  <a:pt x="4633" y="3272"/>
-                </a:lnTo>
-                <a:lnTo>
-                  <a:pt x="4627" y="3275"/>
-                </a:lnTo>
-                <a:lnTo>
-                  <a:pt x="4621" y="3278"/>
-                </a:lnTo>
-                <a:lnTo>
-                  <a:pt x="4616" y="3278"/>
-                </a:lnTo>
-                <a:lnTo>
-                  <a:pt x="4610" y="3278"/>
-                </a:lnTo>
-                <a:lnTo>
-                  <a:pt x="4605" y="3275"/>
-                </a:lnTo>
-                <a:lnTo>
-                  <a:pt x="4599" y="3272"/>
-                </a:lnTo>
-                <a:lnTo>
-                  <a:pt x="4595" y="3270"/>
-                </a:lnTo>
-                <a:lnTo>
-                  <a:pt x="4415" y="3090"/>
-                </a:lnTo>
-                <a:lnTo>
-                  <a:pt x="0" y="3090"/>
-                </a:lnTo>
-                <a:lnTo>
-                  <a:pt x="0" y="0"/>
-                </a:lnTo>
-                <a:lnTo>
-                  <a:pt x="0" y="0"/>
-                </a:lnTo>
-                <a:close/>
-              </a:path>
-            </a:pathLst>
-          </a:custGeom>
-          <a:ln>
-            <a:headEnd/>
-            <a:tailEnd/>
-          </a:ln>
-        </p:spPr>
-        <p:style>
-          <a:lnRef idx="1">
-            <a:schemeClr val="accent1"/>
-          </a:lnRef>
-          <a:fillRef idx="3">
-            <a:schemeClr val="accent1"/>
-          </a:fillRef>
-          <a:effectRef idx="2">
-            <a:schemeClr val="accent1"/>
-          </a:effectRef>
-          <a:fontRef idx="minor">
-            <a:schemeClr val="lt1"/>
-          </a:fontRef>
-        </p:style>
-      </p:sp>
-      <p:sp>
-        <p:nvSpPr>
           <p:cNvPr id="2" name="Title 1"/>
           <p:cNvSpPr>
             <a:spLocks noGrp="1"/>
@@ -2582,15 +3432,15 @@
         </p:nvSpPr>
         <p:spPr>
           <a:xfrm>
-            <a:off x="810000" y="2951396"/>
-            <a:ext cx="10561418" cy="1468800"/>
+            <a:off x="1154956" y="2861733"/>
+            <a:ext cx="8825657" cy="1915647"/>
           </a:xfrm>
         </p:spPr>
         <p:txBody>
           <a:bodyPr anchor="b"/>
           <a:lstStyle>
-            <a:lvl1pPr algn="r">
-              <a:defRPr sz="4800" b="1" cap="none"/>
+            <a:lvl1pPr algn="l">
+              <a:defRPr sz="4000" b="0" cap="none"/>
             </a:lvl1pPr>
           </a:lstStyle>
           <a:p>
@@ -2614,20 +3464,21 @@
         </p:nvSpPr>
         <p:spPr>
           <a:xfrm>
-            <a:off x="810000" y="5281201"/>
-            <a:ext cx="10561418" cy="433955"/>
-          </a:xfrm>
-        </p:spPr>
-        <p:txBody>
-          <a:bodyPr anchor="t">
-            <a:noAutofit/>
-          </a:bodyPr>
+            <a:off x="1154955" y="4777381"/>
+            <a:ext cx="8825658" cy="860400"/>
+          </a:xfrm>
+        </p:spPr>
+        <p:txBody>
+          <a:bodyPr anchor="t"/>
           <a:lstStyle>
-            <a:lvl1pPr marL="0" indent="0" algn="r">
-              <a:buNone/>
-              <a:defRPr sz="1800">
+            <a:lvl1pPr marL="0" indent="0" algn="l">
+              <a:buNone/>
+              <a:defRPr sz="2000" cap="all">
                 <a:solidFill>
-                  <a:schemeClr val="tx1"/>
+                  <a:schemeClr val="bg2">
+                    <a:lumMod val="40000"/>
+                    <a:lumOff val="60000"/>
+                  </a:schemeClr>
                 </a:solidFill>
               </a:defRPr>
             </a:lvl1pPr>
@@ -2736,10 +3587,9 @@
           <a:bodyPr/>
           <a:lstStyle/>
           <a:p>
-            <a:fld id="{8DFA1846-DA80-1C48-A609-854EA85C59AD}" type="datetimeFigureOut">
+            <a:fld id="{9796027F-7875-4030-9381-8BD8C4F21935}" type="datetimeFigureOut">
               <a:rPr lang="en-US" dirty="0"/>
-              <a:pPr/>
-              <a:t>10/7/19</a:t>
+              <a:t>10/8/19</a:t>
             </a:fld>
             <a:endParaRPr lang="en-US" dirty="0"/>
           </a:p>
@@ -2779,9 +3629,8 @@
           <a:bodyPr/>
           <a:lstStyle/>
           <a:p>
-            <a:fld id="{D57F1E4F-1CFF-5643-939E-217C01CDF565}" type="slidenum">
+            <a:fld id="{D57F1E4F-1CFF-5643-939E-02111984F565}" type="slidenum">
               <a:rPr lang="en-US" dirty="0"/>
-              <a:pPr/>
               <a:t>‹#›</a:t>
             </a:fld>
             <a:endParaRPr lang="en-US" dirty="0"/>
@@ -2815,109 +3664,6 @@
       </p:grpSpPr>
       <p:sp>
         <p:nvSpPr>
-          <p:cNvPr id="8" name="Freeform 6"/>
-          <p:cNvSpPr/>
-          <p:nvPr/>
-        </p:nvSpPr>
-        <p:spPr bwMode="auto">
-          <a:xfrm>
-            <a:off x="0" y="0"/>
-            <a:ext cx="12192000" cy="2185988"/>
-          </a:xfrm>
-          <a:custGeom>
-            <a:avLst/>
-            <a:gdLst/>
-            <a:ahLst/>
-            <a:cxnLst/>
-            <a:rect l="0" t="0" r="r" b="b"/>
-            <a:pathLst>
-              <a:path w="5760" h="1377">
-                <a:moveTo>
-                  <a:pt x="5760" y="0"/>
-                </a:moveTo>
-                <a:lnTo>
-                  <a:pt x="0" y="0"/>
-                </a:lnTo>
-                <a:lnTo>
-                  <a:pt x="0" y="1189"/>
-                </a:lnTo>
-                <a:lnTo>
-                  <a:pt x="943" y="1189"/>
-                </a:lnTo>
-                <a:lnTo>
-                  <a:pt x="1123" y="1369"/>
-                </a:lnTo>
-                <a:lnTo>
-                  <a:pt x="1123" y="1369"/>
-                </a:lnTo>
-                <a:lnTo>
-                  <a:pt x="1127" y="1371"/>
-                </a:lnTo>
-                <a:lnTo>
-                  <a:pt x="1133" y="1374"/>
-                </a:lnTo>
-                <a:lnTo>
-                  <a:pt x="1139" y="1377"/>
-                </a:lnTo>
-                <a:lnTo>
-                  <a:pt x="1144" y="1377"/>
-                </a:lnTo>
-                <a:lnTo>
-                  <a:pt x="1150" y="1377"/>
-                </a:lnTo>
-                <a:lnTo>
-                  <a:pt x="1155" y="1374"/>
-                </a:lnTo>
-                <a:lnTo>
-                  <a:pt x="1161" y="1371"/>
-                </a:lnTo>
-                <a:lnTo>
-                  <a:pt x="1165" y="1369"/>
-                </a:lnTo>
-                <a:lnTo>
-                  <a:pt x="1345" y="1189"/>
-                </a:lnTo>
-                <a:lnTo>
-                  <a:pt x="5760" y="1189"/>
-                </a:lnTo>
-                <a:lnTo>
-                  <a:pt x="5760" y="0"/>
-                </a:lnTo>
-                <a:close/>
-              </a:path>
-            </a:pathLst>
-          </a:custGeom>
-          <a:ln/>
-          <a:extLst>
-            <a:ext uri="{91240B29-F687-4f45-9708-019B960494DF}">
-              <a14:hiddenLine xmlns="" xmlns:a14="http://schemas.microsoft.com/office/drawing/2010/main" w="9525">
-                <a:solidFill>
-                  <a:srgbClr val="000000"/>
-                </a:solidFill>
-                <a:round/>
-                <a:headEnd/>
-                <a:tailEnd/>
-              </a14:hiddenLine>
-            </a:ext>
-          </a:extLst>
-        </p:spPr>
-        <p:style>
-          <a:lnRef idx="1">
-            <a:schemeClr val="accent1"/>
-          </a:lnRef>
-          <a:fillRef idx="3">
-            <a:schemeClr val="accent1"/>
-          </a:fillRef>
-          <a:effectRef idx="2">
-            <a:schemeClr val="accent1"/>
-          </a:effectRef>
-          <a:fontRef idx="minor">
-            <a:schemeClr val="lt1"/>
-          </a:fontRef>
-        </p:style>
-      </p:sp>
-      <p:sp>
-        <p:nvSpPr>
           <p:cNvPr id="2" name="Title 1"/>
           <p:cNvSpPr>
             <a:spLocks noGrp="1"/>
@@ -2951,15 +3697,43 @@
         </p:nvSpPr>
         <p:spPr>
           <a:xfrm>
-            <a:off x="818712" y="2222287"/>
-            <a:ext cx="5185873" cy="3638763"/>
+            <a:off x="1103312" y="2060575"/>
+            <a:ext cx="4396339" cy="4195763"/>
           </a:xfrm>
         </p:spPr>
         <p:txBody>
           <a:bodyPr>
             <a:normAutofit/>
           </a:bodyPr>
-          <a:lstStyle/>
+          <a:lstStyle>
+            <a:lvl1pPr>
+              <a:defRPr sz="1800"/>
+            </a:lvl1pPr>
+            <a:lvl2pPr>
+              <a:defRPr sz="1600"/>
+            </a:lvl2pPr>
+            <a:lvl3pPr>
+              <a:defRPr sz="1400"/>
+            </a:lvl3pPr>
+            <a:lvl4pPr>
+              <a:defRPr sz="1200"/>
+            </a:lvl4pPr>
+            <a:lvl5pPr>
+              <a:defRPr sz="1200"/>
+            </a:lvl5pPr>
+            <a:lvl6pPr>
+              <a:defRPr sz="1200"/>
+            </a:lvl6pPr>
+            <a:lvl7pPr>
+              <a:defRPr sz="1200"/>
+            </a:lvl7pPr>
+            <a:lvl8pPr>
+              <a:defRPr sz="1200"/>
+            </a:lvl8pPr>
+            <a:lvl9pPr>
+              <a:defRPr sz="1200"/>
+            </a:lvl9pPr>
+          </a:lstStyle>
           <a:p>
             <a:pPr lvl="0"/>
             <a:r>
@@ -3010,15 +3784,43 @@
         </p:nvSpPr>
         <p:spPr>
           <a:xfrm>
-            <a:off x="6187415" y="2222287"/>
-            <a:ext cx="5194583" cy="3638764"/>
+            <a:off x="5654493" y="2056092"/>
+            <a:ext cx="4396341" cy="4200245"/>
           </a:xfrm>
         </p:spPr>
         <p:txBody>
           <a:bodyPr>
             <a:normAutofit/>
           </a:bodyPr>
-          <a:lstStyle/>
+          <a:lstStyle>
+            <a:lvl1pPr>
+              <a:defRPr sz="1800"/>
+            </a:lvl1pPr>
+            <a:lvl2pPr>
+              <a:defRPr sz="1600"/>
+            </a:lvl2pPr>
+            <a:lvl3pPr>
+              <a:defRPr sz="1400"/>
+            </a:lvl3pPr>
+            <a:lvl4pPr>
+              <a:defRPr sz="1200"/>
+            </a:lvl4pPr>
+            <a:lvl5pPr>
+              <a:defRPr sz="1200"/>
+            </a:lvl5pPr>
+            <a:lvl6pPr>
+              <a:defRPr sz="1200"/>
+            </a:lvl6pPr>
+            <a:lvl7pPr>
+              <a:defRPr sz="1200"/>
+            </a:lvl7pPr>
+            <a:lvl8pPr>
+              <a:defRPr sz="1200"/>
+            </a:lvl8pPr>
+            <a:lvl9pPr>
+              <a:defRPr sz="1200"/>
+            </a:lvl9pPr>
+          </a:lstStyle>
           <a:p>
             <a:pPr lvl="0"/>
             <a:r>
@@ -3072,10 +3874,9 @@
           <a:bodyPr/>
           <a:lstStyle/>
           <a:p>
-            <a:fld id="{57302355-E14B-8545-A8F8-0FE83CC9D524}" type="datetimeFigureOut">
+            <a:fld id="{9796027F-7875-4030-9381-8BD8C4F21935}" type="datetimeFigureOut">
               <a:rPr lang="en-US" dirty="0"/>
-              <a:pPr/>
-              <a:t>10/7/19</a:t>
+              <a:t>10/8/19</a:t>
             </a:fld>
             <a:endParaRPr lang="en-US" dirty="0"/>
           </a:p>
@@ -3115,9 +3916,8 @@
           <a:bodyPr/>
           <a:lstStyle/>
           <a:p>
-            <a:fld id="{D57F1E4F-1CFF-5643-939E-217C01CDF565}" type="slidenum">
+            <a:fld id="{D57F1E4F-1CFF-5643-939E-02111984F565}" type="slidenum">
               <a:rPr lang="en-US" dirty="0"/>
-              <a:pPr/>
               <a:t>‹#›</a:t>
             </a:fld>
             <a:endParaRPr lang="en-US" dirty="0"/>
@@ -3151,109 +3951,6 @@
       </p:grpSpPr>
       <p:sp>
         <p:nvSpPr>
-          <p:cNvPr id="10" name="Freeform 6"/>
-          <p:cNvSpPr/>
-          <p:nvPr/>
-        </p:nvSpPr>
-        <p:spPr bwMode="auto">
-          <a:xfrm>
-            <a:off x="0" y="0"/>
-            <a:ext cx="12192000" cy="2185988"/>
-          </a:xfrm>
-          <a:custGeom>
-            <a:avLst/>
-            <a:gdLst/>
-            <a:ahLst/>
-            <a:cxnLst/>
-            <a:rect l="0" t="0" r="r" b="b"/>
-            <a:pathLst>
-              <a:path w="5760" h="1377">
-                <a:moveTo>
-                  <a:pt x="5760" y="0"/>
-                </a:moveTo>
-                <a:lnTo>
-                  <a:pt x="0" y="0"/>
-                </a:lnTo>
-                <a:lnTo>
-                  <a:pt x="0" y="1189"/>
-                </a:lnTo>
-                <a:lnTo>
-                  <a:pt x="943" y="1189"/>
-                </a:lnTo>
-                <a:lnTo>
-                  <a:pt x="1123" y="1369"/>
-                </a:lnTo>
-                <a:lnTo>
-                  <a:pt x="1123" y="1369"/>
-                </a:lnTo>
-                <a:lnTo>
-                  <a:pt x="1127" y="1371"/>
-                </a:lnTo>
-                <a:lnTo>
-                  <a:pt x="1133" y="1374"/>
-                </a:lnTo>
-                <a:lnTo>
-                  <a:pt x="1139" y="1377"/>
-                </a:lnTo>
-                <a:lnTo>
-                  <a:pt x="1144" y="1377"/>
-                </a:lnTo>
-                <a:lnTo>
-                  <a:pt x="1150" y="1377"/>
-                </a:lnTo>
-                <a:lnTo>
-                  <a:pt x="1155" y="1374"/>
-                </a:lnTo>
-                <a:lnTo>
-                  <a:pt x="1161" y="1371"/>
-                </a:lnTo>
-                <a:lnTo>
-                  <a:pt x="1165" y="1369"/>
-                </a:lnTo>
-                <a:lnTo>
-                  <a:pt x="1345" y="1189"/>
-                </a:lnTo>
-                <a:lnTo>
-                  <a:pt x="5760" y="1189"/>
-                </a:lnTo>
-                <a:lnTo>
-                  <a:pt x="5760" y="0"/>
-                </a:lnTo>
-                <a:close/>
-              </a:path>
-            </a:pathLst>
-          </a:custGeom>
-          <a:ln/>
-          <a:extLst>
-            <a:ext uri="{91240B29-F687-4f45-9708-019B960494DF}">
-              <a14:hiddenLine xmlns="" xmlns:a14="http://schemas.microsoft.com/office/drawing/2010/main" w="9525">
-                <a:solidFill>
-                  <a:srgbClr val="000000"/>
-                </a:solidFill>
-                <a:round/>
-                <a:headEnd/>
-                <a:tailEnd/>
-              </a14:hiddenLine>
-            </a:ext>
-          </a:extLst>
-        </p:spPr>
-        <p:style>
-          <a:lnRef idx="1">
-            <a:schemeClr val="accent1"/>
-          </a:lnRef>
-          <a:fillRef idx="3">
-            <a:schemeClr val="accent1"/>
-          </a:fillRef>
-          <a:effectRef idx="2">
-            <a:schemeClr val="accent1"/>
-          </a:effectRef>
-          <a:fontRef idx="minor">
-            <a:schemeClr val="lt1"/>
-          </a:fontRef>
-        </p:style>
-      </p:sp>
-      <p:sp>
-        <p:nvSpPr>
           <p:cNvPr id="2" name="Title 1"/>
           <p:cNvSpPr>
             <a:spLocks noGrp="1"/>
@@ -3291,8 +3988,8 @@
         </p:nvSpPr>
         <p:spPr>
           <a:xfrm>
-            <a:off x="814728" y="2174875"/>
-            <a:ext cx="5189857" cy="576262"/>
+            <a:off x="1103313" y="1905000"/>
+            <a:ext cx="4396338" cy="576262"/>
           </a:xfrm>
         </p:spPr>
         <p:txBody>
@@ -3300,9 +3997,16 @@
             <a:noAutofit/>
           </a:bodyPr>
           <a:lstStyle>
-            <a:lvl1pPr marL="0" indent="0" algn="ctr">
-              <a:buNone/>
-              <a:defRPr sz="2000" b="0"/>
+            <a:lvl1pPr marL="0" indent="0">
+              <a:buNone/>
+              <a:defRPr sz="2400" b="0">
+                <a:solidFill>
+                  <a:schemeClr val="bg2">
+                    <a:lumMod val="40000"/>
+                    <a:lumOff val="60000"/>
+                  </a:schemeClr>
+                </a:solidFill>
+              </a:defRPr>
             </a:lvl1pPr>
             <a:lvl2pPr marL="457200" indent="0">
               <a:buNone/>
@@ -3358,15 +4062,43 @@
         </p:nvSpPr>
         <p:spPr>
           <a:xfrm>
-            <a:off x="814729" y="2751138"/>
-            <a:ext cx="5189856" cy="3109913"/>
-          </a:xfrm>
-        </p:spPr>
-        <p:txBody>
-          <a:bodyPr anchor="t">
+            <a:off x="1103312" y="2514600"/>
+            <a:ext cx="4396339" cy="3741738"/>
+          </a:xfrm>
+        </p:spPr>
+        <p:txBody>
+          <a:bodyPr>
             <a:normAutofit/>
           </a:bodyPr>
-          <a:lstStyle/>
+          <a:lstStyle>
+            <a:lvl1pPr>
+              <a:defRPr sz="1800"/>
+            </a:lvl1pPr>
+            <a:lvl2pPr>
+              <a:defRPr sz="1600"/>
+            </a:lvl2pPr>
+            <a:lvl3pPr>
+              <a:defRPr sz="1400"/>
+            </a:lvl3pPr>
+            <a:lvl4pPr>
+              <a:defRPr sz="1200"/>
+            </a:lvl4pPr>
+            <a:lvl5pPr>
+              <a:defRPr sz="1200"/>
+            </a:lvl5pPr>
+            <a:lvl6pPr>
+              <a:defRPr sz="1200"/>
+            </a:lvl6pPr>
+            <a:lvl7pPr>
+              <a:defRPr sz="1200"/>
+            </a:lvl7pPr>
+            <a:lvl8pPr>
+              <a:defRPr sz="1200"/>
+            </a:lvl8pPr>
+            <a:lvl9pPr>
+              <a:defRPr sz="1200"/>
+            </a:lvl9pPr>
+          </a:lstStyle>
           <a:p>
             <a:pPr lvl="0"/>
             <a:r>
@@ -3417,8 +4149,8 @@
         </p:nvSpPr>
         <p:spPr>
           <a:xfrm>
-            <a:off x="6187415" y="2174875"/>
-            <a:ext cx="5194583" cy="576262"/>
+            <a:off x="5654495" y="1905000"/>
+            <a:ext cx="4396339" cy="576262"/>
           </a:xfrm>
         </p:spPr>
         <p:txBody>
@@ -3426,9 +4158,16 @@
             <a:noAutofit/>
           </a:bodyPr>
           <a:lstStyle>
-            <a:lvl1pPr marL="0" indent="0" algn="ctr">
-              <a:buNone/>
-              <a:defRPr sz="2000" b="0"/>
+            <a:lvl1pPr marL="0" indent="0">
+              <a:buNone/>
+              <a:defRPr sz="2400" b="0">
+                <a:solidFill>
+                  <a:schemeClr val="bg2">
+                    <a:lumMod val="40000"/>
+                    <a:lumOff val="60000"/>
+                  </a:schemeClr>
+                </a:solidFill>
+              </a:defRPr>
             </a:lvl1pPr>
             <a:lvl2pPr marL="457200" indent="0">
               <a:buNone/>
@@ -3484,15 +4223,43 @@
         </p:nvSpPr>
         <p:spPr>
           <a:xfrm>
-            <a:off x="6187415" y="2751138"/>
-            <a:ext cx="5194583" cy="3109913"/>
-          </a:xfrm>
-        </p:spPr>
-        <p:txBody>
-          <a:bodyPr anchor="t">
+            <a:off x="5654495" y="2514600"/>
+            <a:ext cx="4396339" cy="3741738"/>
+          </a:xfrm>
+        </p:spPr>
+        <p:txBody>
+          <a:bodyPr>
             <a:normAutofit/>
           </a:bodyPr>
-          <a:lstStyle/>
+          <a:lstStyle>
+            <a:lvl1pPr>
+              <a:defRPr sz="1800"/>
+            </a:lvl1pPr>
+            <a:lvl2pPr>
+              <a:defRPr sz="1600"/>
+            </a:lvl2pPr>
+            <a:lvl3pPr>
+              <a:defRPr sz="1400"/>
+            </a:lvl3pPr>
+            <a:lvl4pPr>
+              <a:defRPr sz="1200"/>
+            </a:lvl4pPr>
+            <a:lvl5pPr>
+              <a:defRPr sz="1200"/>
+            </a:lvl5pPr>
+            <a:lvl6pPr>
+              <a:defRPr sz="1200"/>
+            </a:lvl6pPr>
+            <a:lvl7pPr>
+              <a:defRPr sz="1200"/>
+            </a:lvl7pPr>
+            <a:lvl8pPr>
+              <a:defRPr sz="1200"/>
+            </a:lvl8pPr>
+            <a:lvl9pPr>
+              <a:defRPr sz="1200"/>
+            </a:lvl9pPr>
+          </a:lstStyle>
           <a:p>
             <a:pPr lvl="0"/>
             <a:r>
@@ -3546,10 +4313,9 @@
           <a:bodyPr/>
           <a:lstStyle/>
           <a:p>
-            <a:fld id="{02640F58-564D-2B4F-AE67-E407BA4FCF45}" type="datetimeFigureOut">
+            <a:fld id="{9796027F-7875-4030-9381-8BD8C4F21935}" type="datetimeFigureOut">
               <a:rPr lang="en-US" dirty="0"/>
-              <a:pPr/>
-              <a:t>10/7/19</a:t>
+              <a:t>10/8/19</a:t>
             </a:fld>
             <a:endParaRPr lang="en-US" dirty="0"/>
           </a:p>
@@ -3589,9 +4355,8 @@
           <a:bodyPr/>
           <a:lstStyle/>
           <a:p>
-            <a:fld id="{D57F1E4F-1CFF-5643-939E-217C01CDF565}" type="slidenum">
+            <a:fld id="{D57F1E4F-1CFF-5643-939E-02111984F565}" type="slidenum">
               <a:rPr lang="en-US" dirty="0"/>
-              <a:pPr/>
               <a:t>‹#›</a:t>
             </a:fld>
             <a:endParaRPr lang="en-US" dirty="0"/>
@@ -3625,109 +4390,6 @@
       </p:grpSpPr>
       <p:sp>
         <p:nvSpPr>
-          <p:cNvPr id="6" name="Freeform 6"/>
-          <p:cNvSpPr/>
-          <p:nvPr/>
-        </p:nvSpPr>
-        <p:spPr bwMode="auto">
-          <a:xfrm>
-            <a:off x="0" y="0"/>
-            <a:ext cx="12192000" cy="2185988"/>
-          </a:xfrm>
-          <a:custGeom>
-            <a:avLst/>
-            <a:gdLst/>
-            <a:ahLst/>
-            <a:cxnLst/>
-            <a:rect l="0" t="0" r="r" b="b"/>
-            <a:pathLst>
-              <a:path w="5760" h="1377">
-                <a:moveTo>
-                  <a:pt x="5760" y="0"/>
-                </a:moveTo>
-                <a:lnTo>
-                  <a:pt x="0" y="0"/>
-                </a:lnTo>
-                <a:lnTo>
-                  <a:pt x="0" y="1189"/>
-                </a:lnTo>
-                <a:lnTo>
-                  <a:pt x="943" y="1189"/>
-                </a:lnTo>
-                <a:lnTo>
-                  <a:pt x="1123" y="1369"/>
-                </a:lnTo>
-                <a:lnTo>
-                  <a:pt x="1123" y="1369"/>
-                </a:lnTo>
-                <a:lnTo>
-                  <a:pt x="1127" y="1371"/>
-                </a:lnTo>
-                <a:lnTo>
-                  <a:pt x="1133" y="1374"/>
-                </a:lnTo>
-                <a:lnTo>
-                  <a:pt x="1139" y="1377"/>
-                </a:lnTo>
-                <a:lnTo>
-                  <a:pt x="1144" y="1377"/>
-                </a:lnTo>
-                <a:lnTo>
-                  <a:pt x="1150" y="1377"/>
-                </a:lnTo>
-                <a:lnTo>
-                  <a:pt x="1155" y="1374"/>
-                </a:lnTo>
-                <a:lnTo>
-                  <a:pt x="1161" y="1371"/>
-                </a:lnTo>
-                <a:lnTo>
-                  <a:pt x="1165" y="1369"/>
-                </a:lnTo>
-                <a:lnTo>
-                  <a:pt x="1345" y="1189"/>
-                </a:lnTo>
-                <a:lnTo>
-                  <a:pt x="5760" y="1189"/>
-                </a:lnTo>
-                <a:lnTo>
-                  <a:pt x="5760" y="0"/>
-                </a:lnTo>
-                <a:close/>
-              </a:path>
-            </a:pathLst>
-          </a:custGeom>
-          <a:ln/>
-          <a:extLst>
-            <a:ext uri="{91240B29-F687-4f45-9708-019B960494DF}">
-              <a14:hiddenLine xmlns="" xmlns:a14="http://schemas.microsoft.com/office/drawing/2010/main" w="9525">
-                <a:solidFill>
-                  <a:srgbClr val="000000"/>
-                </a:solidFill>
-                <a:round/>
-                <a:headEnd/>
-                <a:tailEnd/>
-              </a14:hiddenLine>
-            </a:ext>
-          </a:extLst>
-        </p:spPr>
-        <p:style>
-          <a:lnRef idx="1">
-            <a:schemeClr val="accent1"/>
-          </a:lnRef>
-          <a:fillRef idx="3">
-            <a:schemeClr val="accent1"/>
-          </a:fillRef>
-          <a:effectRef idx="2">
-            <a:schemeClr val="accent1"/>
-          </a:effectRef>
-          <a:fontRef idx="minor">
-            <a:schemeClr val="lt1"/>
-          </a:fontRef>
-        </p:style>
-      </p:sp>
-      <p:sp>
-        <p:nvSpPr>
           <p:cNvPr id="2" name="Title 1"/>
           <p:cNvSpPr>
             <a:spLocks noGrp="1"/>
@@ -3751,7 +4413,7 @@
       </p:sp>
       <p:sp>
         <p:nvSpPr>
-          <p:cNvPr id="3" name="Date Placeholder 2"/>
+          <p:cNvPr id="7" name="Date Placeholder 2"/>
           <p:cNvSpPr>
             <a:spLocks noGrp="1"/>
           </p:cNvSpPr>
@@ -3764,10 +4426,9 @@
           <a:bodyPr/>
           <a:lstStyle/>
           <a:p>
-            <a:fld id="{F13A34C8-038E-2045-AF43-DF7DBB8E0E9E}" type="datetimeFigureOut">
+            <a:fld id="{4509A250-FF31-4206-8172-F9D3106AACB1}" type="datetimeFigureOut">
               <a:rPr lang="en-US" dirty="0"/>
-              <a:pPr/>
-              <a:t>10/7/19</a:t>
+              <a:t>10/8/19</a:t>
             </a:fld>
             <a:endParaRPr lang="en-US" dirty="0"/>
           </a:p>
@@ -3775,7 +4436,7 @@
       </p:sp>
       <p:sp>
         <p:nvSpPr>
-          <p:cNvPr id="4" name="Footer Placeholder 3"/>
+          <p:cNvPr id="5" name="Footer Placeholder 3"/>
           <p:cNvSpPr>
             <a:spLocks noGrp="1"/>
           </p:cNvSpPr>
@@ -3794,7 +4455,7 @@
       </p:sp>
       <p:sp>
         <p:nvSpPr>
-          <p:cNvPr id="5" name="Slide Number Placeholder 4"/>
+          <p:cNvPr id="6" name="Slide Number Placeholder 4"/>
           <p:cNvSpPr>
             <a:spLocks noGrp="1"/>
           </p:cNvSpPr>
@@ -3807,9 +4468,8 @@
           <a:bodyPr/>
           <a:lstStyle/>
           <a:p>
-            <a:fld id="{D57F1E4F-1CFF-5643-939E-217C01CDF565}" type="slidenum">
+            <a:fld id="{D57F1E4F-1CFF-5643-939E-02111984F565}" type="slidenum">
               <a:rPr lang="en-US" dirty="0"/>
-              <a:pPr/>
               <a:t>‹#›</a:t>
             </a:fld>
             <a:endParaRPr lang="en-US" dirty="0"/>
@@ -3843,7 +4503,7 @@
       </p:grpSpPr>
       <p:sp>
         <p:nvSpPr>
-          <p:cNvPr id="2" name="Date Placeholder 1"/>
+          <p:cNvPr id="7" name="Date Placeholder 1"/>
           <p:cNvSpPr>
             <a:spLocks noGrp="1"/>
           </p:cNvSpPr>
@@ -3856,10 +4516,9 @@
           <a:bodyPr/>
           <a:lstStyle/>
           <a:p>
-            <a:fld id="{8818C68F-D26B-8F47-958C-23B49CF8A634}" type="datetimeFigureOut">
+            <a:fld id="{4509A250-FF31-4206-8172-F9D3106AACB1}" type="datetimeFigureOut">
               <a:rPr lang="en-US" dirty="0"/>
-              <a:pPr/>
-              <a:t>10/7/19</a:t>
+              <a:t>10/8/19</a:t>
             </a:fld>
             <a:endParaRPr lang="en-US" dirty="0"/>
           </a:p>
@@ -3867,7 +4526,7 @@
       </p:sp>
       <p:sp>
         <p:nvSpPr>
-          <p:cNvPr id="3" name="Footer Placeholder 2"/>
+          <p:cNvPr id="5" name="Footer Placeholder 2"/>
           <p:cNvSpPr>
             <a:spLocks noGrp="1"/>
           </p:cNvSpPr>
@@ -3886,7 +4545,7 @@
       </p:sp>
       <p:sp>
         <p:nvSpPr>
-          <p:cNvPr id="4" name="Slide Number Placeholder 3"/>
+          <p:cNvPr id="6" name="Slide Number Placeholder 3"/>
           <p:cNvSpPr>
             <a:spLocks noGrp="1"/>
           </p:cNvSpPr>
@@ -3899,9 +4558,8 @@
           <a:bodyPr/>
           <a:lstStyle/>
           <a:p>
-            <a:fld id="{D57F1E4F-1CFF-5643-939E-217C01CDF565}" type="slidenum">
+            <a:fld id="{D57F1E4F-1CFF-5643-939E-02111984F565}" type="slidenum">
               <a:rPr lang="en-US" dirty="0"/>
-              <a:pPr/>
               <a:t>‹#›</a:t>
             </a:fld>
             <a:endParaRPr lang="en-US" dirty="0"/>
@@ -3935,222 +4593,6 @@
       </p:grpSpPr>
       <p:sp>
         <p:nvSpPr>
-          <p:cNvPr id="12" name="Freeform 6"/>
-          <p:cNvSpPr>
-            <a:spLocks noChangeAspect="1"/>
-          </p:cNvSpPr>
-          <p:nvPr/>
-        </p:nvSpPr>
-        <p:spPr bwMode="auto">
-          <a:xfrm>
-            <a:off x="1073151" y="446087"/>
-            <a:ext cx="3547533" cy="1814651"/>
-          </a:xfrm>
-          <a:custGeom>
-            <a:avLst/>
-            <a:gdLst/>
-            <a:ahLst/>
-            <a:cxnLst/>
-            <a:rect l="0" t="0" r="r" b="b"/>
-            <a:pathLst>
-              <a:path w="3384" h="2308">
-                <a:moveTo>
-                  <a:pt x="3340" y="0"/>
-                </a:moveTo>
-                <a:lnTo>
-                  <a:pt x="44" y="0"/>
-                </a:lnTo>
-                <a:lnTo>
-                  <a:pt x="44" y="0"/>
-                </a:lnTo>
-                <a:lnTo>
-                  <a:pt x="34" y="0"/>
-                </a:lnTo>
-                <a:lnTo>
-                  <a:pt x="26" y="4"/>
-                </a:lnTo>
-                <a:lnTo>
-                  <a:pt x="20" y="8"/>
-                </a:lnTo>
-                <a:lnTo>
-                  <a:pt x="12" y="12"/>
-                </a:lnTo>
-                <a:lnTo>
-                  <a:pt x="8" y="20"/>
-                </a:lnTo>
-                <a:lnTo>
-                  <a:pt x="4" y="26"/>
-                </a:lnTo>
-                <a:lnTo>
-                  <a:pt x="0" y="34"/>
-                </a:lnTo>
-                <a:lnTo>
-                  <a:pt x="0" y="44"/>
-                </a:lnTo>
-                <a:lnTo>
-                  <a:pt x="0" y="2076"/>
-                </a:lnTo>
-                <a:lnTo>
-                  <a:pt x="0" y="2076"/>
-                </a:lnTo>
-                <a:lnTo>
-                  <a:pt x="0" y="2086"/>
-                </a:lnTo>
-                <a:lnTo>
-                  <a:pt x="4" y="2094"/>
-                </a:lnTo>
-                <a:lnTo>
-                  <a:pt x="8" y="2100"/>
-                </a:lnTo>
-                <a:lnTo>
-                  <a:pt x="12" y="2108"/>
-                </a:lnTo>
-                <a:lnTo>
-                  <a:pt x="20" y="2112"/>
-                </a:lnTo>
-                <a:lnTo>
-                  <a:pt x="26" y="2116"/>
-                </a:lnTo>
-                <a:lnTo>
-                  <a:pt x="34" y="2120"/>
-                </a:lnTo>
-                <a:lnTo>
-                  <a:pt x="44" y="2120"/>
-                </a:lnTo>
-                <a:lnTo>
-                  <a:pt x="474" y="2120"/>
-                </a:lnTo>
-                <a:lnTo>
-                  <a:pt x="650" y="2296"/>
-                </a:lnTo>
-                <a:lnTo>
-                  <a:pt x="650" y="2296"/>
-                </a:lnTo>
-                <a:lnTo>
-                  <a:pt x="656" y="2300"/>
-                </a:lnTo>
-                <a:lnTo>
-                  <a:pt x="664" y="2304"/>
-                </a:lnTo>
-                <a:lnTo>
-                  <a:pt x="672" y="2308"/>
-                </a:lnTo>
-                <a:lnTo>
-                  <a:pt x="680" y="2308"/>
-                </a:lnTo>
-                <a:lnTo>
-                  <a:pt x="688" y="2308"/>
-                </a:lnTo>
-                <a:lnTo>
-                  <a:pt x="696" y="2304"/>
-                </a:lnTo>
-                <a:lnTo>
-                  <a:pt x="704" y="2300"/>
-                </a:lnTo>
-                <a:lnTo>
-                  <a:pt x="710" y="2296"/>
-                </a:lnTo>
-                <a:lnTo>
-                  <a:pt x="886" y="2120"/>
-                </a:lnTo>
-                <a:lnTo>
-                  <a:pt x="3340" y="2120"/>
-                </a:lnTo>
-                <a:lnTo>
-                  <a:pt x="3340" y="2120"/>
-                </a:lnTo>
-                <a:lnTo>
-                  <a:pt x="3350" y="2120"/>
-                </a:lnTo>
-                <a:lnTo>
-                  <a:pt x="3358" y="2116"/>
-                </a:lnTo>
-                <a:lnTo>
-                  <a:pt x="3364" y="2112"/>
-                </a:lnTo>
-                <a:lnTo>
-                  <a:pt x="3372" y="2108"/>
-                </a:lnTo>
-                <a:lnTo>
-                  <a:pt x="3376" y="2100"/>
-                </a:lnTo>
-                <a:lnTo>
-                  <a:pt x="3380" y="2094"/>
-                </a:lnTo>
-                <a:lnTo>
-                  <a:pt x="3384" y="2086"/>
-                </a:lnTo>
-                <a:lnTo>
-                  <a:pt x="3384" y="2076"/>
-                </a:lnTo>
-                <a:lnTo>
-                  <a:pt x="3384" y="44"/>
-                </a:lnTo>
-                <a:lnTo>
-                  <a:pt x="3384" y="44"/>
-                </a:lnTo>
-                <a:lnTo>
-                  <a:pt x="3384" y="34"/>
-                </a:lnTo>
-                <a:lnTo>
-                  <a:pt x="3380" y="26"/>
-                </a:lnTo>
-                <a:lnTo>
-                  <a:pt x="3376" y="20"/>
-                </a:lnTo>
-                <a:lnTo>
-                  <a:pt x="3372" y="12"/>
-                </a:lnTo>
-                <a:lnTo>
-                  <a:pt x="3364" y="8"/>
-                </a:lnTo>
-                <a:lnTo>
-                  <a:pt x="3358" y="4"/>
-                </a:lnTo>
-                <a:lnTo>
-                  <a:pt x="3350" y="0"/>
-                </a:lnTo>
-                <a:lnTo>
-                  <a:pt x="3340" y="0"/>
-                </a:lnTo>
-                <a:lnTo>
-                  <a:pt x="3340" y="0"/>
-                </a:lnTo>
-                <a:close/>
-              </a:path>
-            </a:pathLst>
-          </a:custGeom>
-          <a:ln/>
-          <a:extLst>
-            <a:ext uri="{91240B29-F687-4f45-9708-019B960494DF}">
-              <a14:hiddenLine xmlns="" xmlns:a14="http://schemas.microsoft.com/office/drawing/2010/main" w="9525">
-                <a:solidFill>
-                  <a:srgbClr val="000000"/>
-                </a:solidFill>
-                <a:round/>
-                <a:headEnd/>
-                <a:tailEnd/>
-              </a14:hiddenLine>
-            </a:ext>
-          </a:extLst>
-        </p:spPr>
-        <p:style>
-          <a:lnRef idx="1">
-            <a:schemeClr val="accent1"/>
-          </a:lnRef>
-          <a:fillRef idx="3">
-            <a:schemeClr val="accent1"/>
-          </a:fillRef>
-          <a:effectRef idx="2">
-            <a:schemeClr val="accent1"/>
-          </a:effectRef>
-          <a:fontRef idx="minor">
-            <a:schemeClr val="lt1"/>
-          </a:fontRef>
-        </p:style>
-      </p:sp>
-      <p:sp>
-        <p:nvSpPr>
           <p:cNvPr id="2" name="Title 1"/>
           <p:cNvSpPr>
             <a:spLocks noGrp="1"/>
@@ -4161,15 +4603,15 @@
         </p:nvSpPr>
         <p:spPr>
           <a:xfrm>
-            <a:off x="1073151" y="446088"/>
-            <a:ext cx="3547533" cy="1618396"/>
+            <a:off x="1154953" y="1447800"/>
+            <a:ext cx="3401064" cy="1447800"/>
           </a:xfrm>
         </p:spPr>
         <p:txBody>
           <a:bodyPr anchor="b"/>
           <a:lstStyle>
             <a:lvl1pPr algn="l">
-              <a:defRPr sz="2000" b="1"/>
+              <a:defRPr sz="2400" b="0"/>
             </a:lvl1pPr>
           </a:lstStyle>
           <a:p>
@@ -4193,15 +4635,43 @@
         </p:nvSpPr>
         <p:spPr>
           <a:xfrm>
-            <a:off x="4855633" y="446088"/>
-            <a:ext cx="6252633" cy="5414963"/>
-          </a:xfrm>
-        </p:spPr>
-        <p:txBody>
-          <a:bodyPr>
+            <a:off x="4784616" y="1447800"/>
+            <a:ext cx="5195997" cy="4572000"/>
+          </a:xfrm>
+        </p:spPr>
+        <p:txBody>
+          <a:bodyPr anchor="ctr">
             <a:normAutofit/>
           </a:bodyPr>
-          <a:lstStyle/>
+          <a:lstStyle>
+            <a:lvl1pPr>
+              <a:defRPr sz="2000"/>
+            </a:lvl1pPr>
+            <a:lvl2pPr>
+              <a:defRPr sz="1800"/>
+            </a:lvl2pPr>
+            <a:lvl3pPr>
+              <a:defRPr sz="1600"/>
+            </a:lvl3pPr>
+            <a:lvl4pPr>
+              <a:defRPr sz="1400"/>
+            </a:lvl4pPr>
+            <a:lvl5pPr>
+              <a:defRPr sz="1400"/>
+            </a:lvl5pPr>
+            <a:lvl6pPr>
+              <a:defRPr sz="1400"/>
+            </a:lvl6pPr>
+            <a:lvl7pPr>
+              <a:defRPr sz="1400"/>
+            </a:lvl7pPr>
+            <a:lvl8pPr>
+              <a:defRPr sz="1400"/>
+            </a:lvl8pPr>
+            <a:lvl9pPr>
+              <a:defRPr sz="1400"/>
+            </a:lvl9pPr>
+          </a:lstStyle>
           <a:p>
             <a:pPr lvl="0"/>
             <a:r>
@@ -4252,8 +4722,8 @@
         </p:nvSpPr>
         <p:spPr>
           <a:xfrm>
-            <a:off x="1073151" y="2260738"/>
-            <a:ext cx="3547533" cy="3600311"/>
+            <a:off x="1154953" y="3129280"/>
+            <a:ext cx="3401063" cy="2895599"/>
           </a:xfrm>
         </p:spPr>
         <p:txBody>
@@ -4307,7 +4777,7 @@
       </p:sp>
       <p:sp>
         <p:nvSpPr>
-          <p:cNvPr id="5" name="Date Placeholder 4"/>
+          <p:cNvPr id="7" name="Date Placeholder 4"/>
           <p:cNvSpPr>
             <a:spLocks noGrp="1"/>
           </p:cNvSpPr>
@@ -4320,10 +4790,9 @@
           <a:bodyPr/>
           <a:lstStyle/>
           <a:p>
-            <a:fld id="{D0DF5E60-9974-AC48-9591-99C2BB44B7CF}" type="datetimeFigureOut">
+            <a:fld id="{4509A250-FF31-4206-8172-F9D3106AACB1}" type="datetimeFigureOut">
               <a:rPr lang="en-US" dirty="0"/>
-              <a:pPr/>
-              <a:t>10/7/19</a:t>
+              <a:t>10/8/19</a:t>
             </a:fld>
             <a:endParaRPr lang="en-US" dirty="0"/>
           </a:p>
@@ -4331,7 +4800,7 @@
       </p:sp>
       <p:sp>
         <p:nvSpPr>
-          <p:cNvPr id="6" name="Footer Placeholder 5"/>
+          <p:cNvPr id="5" name="Footer Placeholder 5"/>
           <p:cNvSpPr>
             <a:spLocks noGrp="1"/>
           </p:cNvSpPr>
@@ -4350,7 +4819,7 @@
       </p:sp>
       <p:sp>
         <p:nvSpPr>
-          <p:cNvPr id="7" name="Slide Number Placeholder 6"/>
+          <p:cNvPr id="6" name="Slide Number Placeholder 6"/>
           <p:cNvSpPr>
             <a:spLocks noGrp="1"/>
           </p:cNvSpPr>
@@ -4363,9 +4832,8 @@
           <a:bodyPr/>
           <a:lstStyle/>
           <a:p>
-            <a:fld id="{D57F1E4F-1CFF-5643-939E-217C01CDF565}" type="slidenum">
+            <a:fld id="{D57F1E4F-1CFF-5643-939E-02111984F565}" type="slidenum">
               <a:rPr lang="en-US" dirty="0"/>
-              <a:pPr/>
               <a:t>‹#›</a:t>
             </a:fld>
             <a:endParaRPr lang="en-US" dirty="0"/>
@@ -4409,8 +4877,8 @@
         </p:nvSpPr>
         <p:spPr>
           <a:xfrm>
-            <a:off x="814728" y="727522"/>
-            <a:ext cx="4852988" cy="1617163"/>
+            <a:off x="1153907" y="1854192"/>
+            <a:ext cx="5092906" cy="1574808"/>
           </a:xfrm>
         </p:spPr>
         <p:txBody>
@@ -4419,7 +4887,7 @@
           </a:bodyPr>
           <a:lstStyle>
             <a:lvl1pPr algn="l">
-              <a:defRPr sz="2400" b="0"/>
+              <a:defRPr sz="3600" b="0"/>
             </a:lvl1pPr>
           </a:lstStyle>
           <a:p>
@@ -4433,140 +4901,107 @@
       </p:sp>
       <p:sp>
         <p:nvSpPr>
-          <p:cNvPr id="9" name="Picture Placeholder 11"/>
+          <p:cNvPr id="3" name="Picture Placeholder 2"/>
           <p:cNvSpPr>
             <a:spLocks noGrp="1" noChangeAspect="1"/>
           </p:cNvSpPr>
           <p:nvPr>
-            <p:ph type="pic" sz="quarter" idx="13"/>
-          </p:nvPr>
-        </p:nvSpPr>
-        <p:spPr bwMode="auto">
-          <a:xfrm>
-            <a:off x="6098117" y="0"/>
-            <a:ext cx="6093883" cy="6858000"/>
-          </a:xfrm>
-          <a:custGeom>
-            <a:avLst/>
-            <a:gdLst/>
-            <a:ahLst/>
-            <a:cxnLst/>
-            <a:rect l="0" t="0" r="r" b="b"/>
-            <a:pathLst>
-              <a:path w="2879" h="4320">
-                <a:moveTo>
-                  <a:pt x="183" y="0"/>
-                </a:moveTo>
-                <a:lnTo>
-                  <a:pt x="183" y="1197"/>
-                </a:lnTo>
-                <a:lnTo>
-                  <a:pt x="8" y="1372"/>
-                </a:lnTo>
-                <a:lnTo>
-                  <a:pt x="8" y="1372"/>
-                </a:lnTo>
-                <a:lnTo>
-                  <a:pt x="6" y="1376"/>
-                </a:lnTo>
-                <a:lnTo>
-                  <a:pt x="3" y="1382"/>
-                </a:lnTo>
-                <a:lnTo>
-                  <a:pt x="0" y="1387"/>
-                </a:lnTo>
-                <a:lnTo>
-                  <a:pt x="0" y="1393"/>
-                </a:lnTo>
-                <a:lnTo>
-                  <a:pt x="0" y="1399"/>
-                </a:lnTo>
-                <a:lnTo>
-                  <a:pt x="3" y="1404"/>
-                </a:lnTo>
-                <a:lnTo>
-                  <a:pt x="6" y="1410"/>
-                </a:lnTo>
-                <a:lnTo>
-                  <a:pt x="8" y="1414"/>
-                </a:lnTo>
-                <a:lnTo>
-                  <a:pt x="183" y="1589"/>
-                </a:lnTo>
-                <a:lnTo>
-                  <a:pt x="183" y="4320"/>
-                </a:lnTo>
-                <a:lnTo>
-                  <a:pt x="2879" y="4320"/>
-                </a:lnTo>
-                <a:lnTo>
-                  <a:pt x="2879" y="0"/>
-                </a:lnTo>
-                <a:lnTo>
-                  <a:pt x="183" y="0"/>
-                </a:lnTo>
-                <a:close/>
-              </a:path>
-            </a:pathLst>
-          </a:custGeom>
-          <a:noFill/>
-          <a:ln w="9525">
-            <a:solidFill>
-              <a:schemeClr val="tx2"/>
-            </a:solidFill>
-            <a:round/>
-            <a:headEnd/>
-            <a:tailEnd/>
-          </a:ln>
-          <a:effectLst/>
-        </p:spPr>
-        <p:txBody>
-          <a:bodyPr wrap="square" numCol="1" anchor="t" anchorCtr="0" compatLnSpc="1">
-            <a:prstTxWarp prst="textNoShape">
-              <a:avLst/>
-            </a:prstTxWarp>
-            <a:normAutofit/>
-          </a:bodyPr>
-          <a:lstStyle>
-            <a:lvl1pPr algn="ctr">
-              <a:buFontTx/>
-              <a:buNone/>
-              <a:defRPr sz="1400"/>
-            </a:lvl1pPr>
-          </a:lstStyle>
-          <a:p>
-            <a:r>
-              <a:rPr lang="en-US"/>
-              <a:t>Click icon to add picture</a:t>
-            </a:r>
-            <a:endParaRPr lang="en-US" dirty="0"/>
-          </a:p>
-        </p:txBody>
-      </p:sp>
-      <p:sp>
-        <p:nvSpPr>
-          <p:cNvPr id="4" name="Text Placeholder 3"/>
-          <p:cNvSpPr>
-            <a:spLocks noGrp="1"/>
-          </p:cNvSpPr>
-          <p:nvPr>
-            <p:ph type="body" sz="half" idx="2"/>
-          </p:nvPr>
-        </p:nvSpPr>
-        <p:spPr>
-          <a:xfrm>
-            <a:off x="814728" y="2344684"/>
-            <a:ext cx="4852988" cy="3516365"/>
-          </a:xfrm>
+            <p:ph type="pic" idx="1"/>
+          </p:nvPr>
+        </p:nvSpPr>
+        <p:spPr>
+          <a:xfrm>
+            <a:off x="6949546" y="1143000"/>
+            <a:ext cx="3200400" cy="4572000"/>
+          </a:xfrm>
+          <a:prstGeom prst="roundRect">
+            <a:avLst>
+              <a:gd name="adj" fmla="val 1858"/>
+            </a:avLst>
+          </a:prstGeom>
+          <a:effectLst>
+            <a:outerShdw blurRad="50800" dist="50800" dir="5400000" algn="tl" rotWithShape="0">
+              <a:srgbClr val="000000">
+                <a:alpha val="43000"/>
+              </a:srgbClr>
+            </a:outerShdw>
+          </a:effectLst>
         </p:spPr>
         <p:txBody>
           <a:bodyPr anchor="t">
             <a:normAutofit/>
           </a:bodyPr>
           <a:lstStyle>
+            <a:lvl1pPr marL="0" indent="0" algn="ctr">
+              <a:buNone/>
+              <a:defRPr sz="1600"/>
+            </a:lvl1pPr>
+            <a:lvl2pPr marL="457200" indent="0">
+              <a:buNone/>
+              <a:defRPr sz="1600"/>
+            </a:lvl2pPr>
+            <a:lvl3pPr marL="914400" indent="0">
+              <a:buNone/>
+              <a:defRPr sz="1600"/>
+            </a:lvl3pPr>
+            <a:lvl4pPr marL="1371600" indent="0">
+              <a:buNone/>
+              <a:defRPr sz="1600"/>
+            </a:lvl4pPr>
+            <a:lvl5pPr marL="1828800" indent="0">
+              <a:buNone/>
+              <a:defRPr sz="1600"/>
+            </a:lvl5pPr>
+            <a:lvl6pPr marL="2286000" indent="0">
+              <a:buNone/>
+              <a:defRPr sz="1600"/>
+            </a:lvl6pPr>
+            <a:lvl7pPr marL="2743200" indent="0">
+              <a:buNone/>
+              <a:defRPr sz="1600"/>
+            </a:lvl7pPr>
+            <a:lvl8pPr marL="3200400" indent="0">
+              <a:buNone/>
+              <a:defRPr sz="1600"/>
+            </a:lvl8pPr>
+            <a:lvl9pPr marL="3657600" indent="0">
+              <a:buNone/>
+              <a:defRPr sz="1600"/>
+            </a:lvl9pPr>
+          </a:lstStyle>
+          <a:p>
+            <a:r>
+              <a:rPr lang="en-US"/>
+              <a:t>Click icon to add picture</a:t>
+            </a:r>
+            <a:endParaRPr lang="en-US" dirty="0"/>
+          </a:p>
+        </p:txBody>
+      </p:sp>
+      <p:sp>
+        <p:nvSpPr>
+          <p:cNvPr id="4" name="Text Placeholder 3"/>
+          <p:cNvSpPr>
+            <a:spLocks noGrp="1"/>
+          </p:cNvSpPr>
+          <p:nvPr>
+            <p:ph type="body" sz="half" idx="2"/>
+          </p:nvPr>
+        </p:nvSpPr>
+        <p:spPr>
+          <a:xfrm>
+            <a:off x="1154954" y="3657600"/>
+            <a:ext cx="5084979" cy="1371600"/>
+          </a:xfrm>
+        </p:spPr>
+        <p:txBody>
+          <a:bodyPr>
+            <a:normAutofit/>
+          </a:bodyPr>
+          <a:lstStyle>
             <a:lvl1pPr marL="0" indent="0">
               <a:buNone/>
-              <a:defRPr sz="1200"/>
+              <a:defRPr sz="1400"/>
             </a:lvl1pPr>
             <a:lvl2pPr marL="457200" indent="0">
               <a:buNone/>
@@ -4620,20 +5055,14 @@
             <p:ph type="dt" sz="half" idx="10"/>
           </p:nvPr>
         </p:nvSpPr>
-        <p:spPr>
-          <a:xfrm>
-            <a:off x="3885810" y="6041362"/>
-            <a:ext cx="976879" cy="365125"/>
-          </a:xfrm>
-        </p:spPr>
+        <p:spPr/>
         <p:txBody>
           <a:bodyPr/>
           <a:lstStyle/>
           <a:p>
-            <a:fld id="{18C79C5D-2A6F-F04D-97DA-BEF2467B64E4}" type="datetimeFigureOut">
+            <a:fld id="{4509A250-FF31-4206-8172-F9D3106AACB1}" type="datetimeFigureOut">
               <a:rPr lang="en-US" dirty="0"/>
-              <a:pPr/>
-              <a:t>10/7/19</a:t>
+              <a:t>10/8/19</a:t>
             </a:fld>
             <a:endParaRPr lang="en-US" dirty="0"/>
           </a:p>
@@ -4649,12 +5078,7 @@
             <p:ph type="ftr" sz="quarter" idx="11"/>
           </p:nvPr>
         </p:nvSpPr>
-        <p:spPr>
-          <a:xfrm>
-            <a:off x="590396" y="6041362"/>
-            <a:ext cx="3295413" cy="365125"/>
-          </a:xfrm>
-        </p:spPr>
+        <p:spPr/>
         <p:txBody>
           <a:bodyPr/>
           <a:lstStyle/>
@@ -4673,19 +5097,13 @@
             <p:ph type="sldNum" sz="quarter" idx="12"/>
           </p:nvPr>
         </p:nvSpPr>
-        <p:spPr>
-          <a:xfrm>
-            <a:off x="4862689" y="5915888"/>
-            <a:ext cx="1062155" cy="490599"/>
-          </a:xfrm>
-        </p:spPr>
+        <p:spPr/>
         <p:txBody>
           <a:bodyPr/>
           <a:lstStyle/>
           <a:p>
-            <a:fld id="{D57F1E4F-1CFF-5643-939E-217C01CDF565}" type="slidenum">
+            <a:fld id="{D57F1E4F-1CFF-5643-939E-02111984F565}" type="slidenum">
               <a:rPr lang="en-US" dirty="0"/>
-              <a:pPr/>
               <a:t>‹#›</a:t>
             </a:fld>
             <a:endParaRPr lang="en-US" dirty="0"/>
@@ -4704,7 +5122,7 @@
 <p:sldMaster xmlns:a="http://schemas.openxmlformats.org/drawingml/2006/main" xmlns:r="http://schemas.openxmlformats.org/officeDocument/2006/relationships" xmlns:p="http://schemas.openxmlformats.org/presentationml/2006/main">
   <p:cSld>
     <p:bg>
-      <p:bgRef idx="1001">
+      <p:bgRef idx="1003">
         <a:schemeClr val="bg2"/>
       </p:bgRef>
     </p:bg>
@@ -4722,164 +5140,372 @@
           <a:chExt cx="0" cy="0"/>
         </a:xfrm>
       </p:grpSpPr>
-      <p:sp>
-        <p:nvSpPr>
-          <p:cNvPr id="2" name="Title Placeholder 1"/>
-          <p:cNvSpPr>
-            <a:spLocks noGrp="1"/>
-          </p:cNvSpPr>
-          <p:nvPr>
-            <p:ph type="title"/>
-          </p:nvPr>
-        </p:nvSpPr>
-        <p:spPr>
-          <a:xfrm>
-            <a:off x="810000" y="447188"/>
-            <a:ext cx="10571998" cy="970450"/>
+      <p:pic>
+        <p:nvPicPr>
+          <p:cNvPr id="8" name="Picture 7"/>
+          <p:cNvPicPr>
+            <a:picLocks noChangeAspect="1"/>
+          </p:cNvPicPr>
+          <p:nvPr/>
+        </p:nvPicPr>
+        <p:blipFill rotWithShape="1">
+          <a:blip r:embed="rId19">
+            <a:extLst>
+              <a:ext uri="{28A0092B-C50C-407E-A947-70E740481C1C}">
+                <a14:useLocalDpi xmlns:a14="http://schemas.microsoft.com/office/drawing/2010/main" val="0"/>
+              </a:ext>
+            </a:extLst>
+          </a:blip>
+          <a:srcRect l="3613"/>
+          <a:stretch/>
+        </p:blipFill>
+        <p:spPr>
+          <a:xfrm>
+            <a:off x="0" y="2669685"/>
+            <a:ext cx="4037012" cy="4188315"/>
           </a:xfrm>
           <a:prstGeom prst="rect">
             <a:avLst/>
           </a:prstGeom>
-          <a:effectLst>
-            <a:outerShdw blurRad="50800" dir="14400000">
-              <a:srgbClr val="000000">
-                <a:alpha val="60000"/>
-              </a:srgbClr>
-            </a:outerShdw>
-          </a:effectLst>
-        </p:spPr>
-        <p:txBody>
-          <a:bodyPr vert="horz" lIns="91440" tIns="45720" rIns="91440" bIns="45720" rtlCol="0" anchor="b">
-            <a:noAutofit/>
-          </a:bodyPr>
-          <a:lstStyle/>
-          <a:p>
-            <a:r>
-              <a:rPr lang="en-US"/>
-              <a:t>Click to edit Master title style</a:t>
-            </a:r>
-            <a:endParaRPr lang="en-US" dirty="0"/>
-          </a:p>
-        </p:txBody>
-      </p:sp>
-      <p:sp>
-        <p:nvSpPr>
-          <p:cNvPr id="3" name="Text Placeholder 2"/>
-          <p:cNvSpPr>
-            <a:spLocks noGrp="1"/>
-          </p:cNvSpPr>
-          <p:nvPr>
-            <p:ph type="body" idx="1"/>
-          </p:nvPr>
-        </p:nvSpPr>
-        <p:spPr>
-          <a:xfrm>
-            <a:off x="810000" y="2184401"/>
-            <a:ext cx="10563285" cy="3674397"/>
+        </p:spPr>
+      </p:pic>
+      <p:pic>
+        <p:nvPicPr>
+          <p:cNvPr id="7" name="Picture 6"/>
+          <p:cNvPicPr>
+            <a:picLocks noChangeAspect="1"/>
+          </p:cNvPicPr>
+          <p:nvPr/>
+        </p:nvPicPr>
+        <p:blipFill rotWithShape="1">
+          <a:blip r:embed="rId20">
+            <a:extLst>
+              <a:ext uri="{28A0092B-C50C-407E-A947-70E740481C1C}">
+                <a14:useLocalDpi xmlns:a14="http://schemas.microsoft.com/office/drawing/2010/main" val="0"/>
+              </a:ext>
+            </a:extLst>
+          </a:blip>
+          <a:srcRect l="35640"/>
+          <a:stretch/>
+        </p:blipFill>
+        <p:spPr>
+          <a:xfrm>
+            <a:off x="0" y="2892347"/>
+            <a:ext cx="1522412" cy="2365453"/>
           </a:xfrm>
           <a:prstGeom prst="rect">
             <a:avLst/>
           </a:prstGeom>
-          <a:effectLst>
-            <a:outerShdw blurRad="50800" dir="14400000">
-              <a:srgbClr val="000000">
-                <a:alpha val="40000"/>
-              </a:srgbClr>
-            </a:outerShdw>
-          </a:effectLst>
-        </p:spPr>
-        <p:txBody>
-          <a:bodyPr vert="horz" lIns="91440" tIns="45720" rIns="91440" bIns="45720" rtlCol="0" anchor="ctr">
-            <a:normAutofit/>
-          </a:bodyPr>
-          <a:lstStyle/>
-          <a:p>
-            <a:pPr lvl="0"/>
-            <a:r>
-              <a:rPr lang="en-US"/>
-              <a:t>Click to edit Master text styles</a:t>
-            </a:r>
-          </a:p>
-          <a:p>
-            <a:pPr lvl="1"/>
-            <a:r>
-              <a:rPr lang="en-US"/>
-              <a:t>Second level</a:t>
-            </a:r>
-          </a:p>
-          <a:p>
-            <a:pPr lvl="2"/>
-            <a:r>
-              <a:rPr lang="en-US"/>
-              <a:t>Third level</a:t>
-            </a:r>
-          </a:p>
-          <a:p>
-            <a:pPr lvl="3"/>
-            <a:r>
-              <a:rPr lang="en-US"/>
-              <a:t>Fourth level</a:t>
-            </a:r>
-          </a:p>
-          <a:p>
-            <a:pPr lvl="4"/>
-            <a:r>
-              <a:rPr lang="en-US"/>
-              <a:t>Fifth level</a:t>
-            </a:r>
-            <a:endParaRPr lang="en-US" dirty="0"/>
-          </a:p>
-        </p:txBody>
-      </p:sp>
-      <p:sp>
-        <p:nvSpPr>
-          <p:cNvPr id="5" name="Footer Placeholder 4"/>
-          <p:cNvSpPr>
-            <a:spLocks noGrp="1"/>
-          </p:cNvSpPr>
-          <p:nvPr>
-            <p:ph type="ftr" sz="quarter" idx="3"/>
-          </p:nvPr>
-        </p:nvSpPr>
-        <p:spPr>
-          <a:xfrm>
-            <a:off x="451514" y="6041362"/>
-            <a:ext cx="8644320" cy="365125"/>
+        </p:spPr>
+      </p:pic>
+      <p:sp>
+        <p:nvSpPr>
+          <p:cNvPr id="16" name="Oval 15"/>
+          <p:cNvSpPr/>
+          <p:nvPr/>
+        </p:nvSpPr>
+        <p:spPr>
+          <a:xfrm>
+            <a:off x="8609012" y="1676400"/>
+            <a:ext cx="2819400" cy="2819400"/>
+          </a:xfrm>
+          <a:prstGeom prst="ellipse">
+            <a:avLst/>
+          </a:prstGeom>
+          <a:gradFill flip="none" rotWithShape="1">
+            <a:gsLst>
+              <a:gs pos="0">
+                <a:schemeClr val="bg2">
+                  <a:lumMod val="60000"/>
+                  <a:lumOff val="40000"/>
+                  <a:alpha val="7000"/>
+                </a:schemeClr>
+              </a:gs>
+              <a:gs pos="69000">
+                <a:schemeClr val="bg2">
+                  <a:lumMod val="60000"/>
+                  <a:lumOff val="40000"/>
+                  <a:alpha val="0"/>
+                </a:schemeClr>
+              </a:gs>
+              <a:gs pos="36000">
+                <a:schemeClr val="bg2">
+                  <a:lumMod val="60000"/>
+                  <a:lumOff val="40000"/>
+                  <a:alpha val="6000"/>
+                </a:schemeClr>
+              </a:gs>
+            </a:gsLst>
+            <a:path path="circle">
+              <a:fillToRect l="50000" t="50000" r="50000" b="50000"/>
+            </a:path>
+            <a:tileRect/>
+          </a:gradFill>
+          <a:ln>
+            <a:noFill/>
+          </a:ln>
+          <a:effectLst/>
+        </p:spPr>
+        <p:style>
+          <a:lnRef idx="1">
+            <a:schemeClr val="accent1"/>
+          </a:lnRef>
+          <a:fillRef idx="3">
+            <a:schemeClr val="accent1"/>
+          </a:fillRef>
+          <a:effectRef idx="2">
+            <a:schemeClr val="accent1"/>
+          </a:effectRef>
+          <a:fontRef idx="minor">
+            <a:schemeClr val="lt1"/>
+          </a:fontRef>
+        </p:style>
+      </p:sp>
+      <p:pic>
+        <p:nvPicPr>
+          <p:cNvPr id="9" name="Picture 8"/>
+          <p:cNvPicPr>
+            <a:picLocks noChangeAspect="1"/>
+          </p:cNvPicPr>
+          <p:nvPr/>
+        </p:nvPicPr>
+        <p:blipFill rotWithShape="1">
+          <a:blip r:embed="rId21">
+            <a:extLst>
+              <a:ext uri="{28A0092B-C50C-407E-A947-70E740481C1C}">
+                <a14:useLocalDpi xmlns:a14="http://schemas.microsoft.com/office/drawing/2010/main" val="0"/>
+              </a:ext>
+            </a:extLst>
+          </a:blip>
+          <a:srcRect t="28813"/>
+          <a:stretch/>
+        </p:blipFill>
+        <p:spPr>
+          <a:xfrm>
+            <a:off x="7999412" y="0"/>
+            <a:ext cx="1603387" cy="1141407"/>
           </a:xfrm>
           <a:prstGeom prst="rect">
             <a:avLst/>
           </a:prstGeom>
         </p:spPr>
-        <p:txBody>
-          <a:bodyPr vert="horz" lIns="91440" tIns="45720" rIns="91440" bIns="45720" rtlCol="0" anchor="b"/>
+      </p:pic>
+      <p:pic>
+        <p:nvPicPr>
+          <p:cNvPr id="10" name="Picture 9"/>
+          <p:cNvPicPr>
+            <a:picLocks noChangeAspect="1"/>
+          </p:cNvPicPr>
+          <p:nvPr/>
+        </p:nvPicPr>
+        <p:blipFill rotWithShape="1">
+          <a:blip r:embed="rId22">
+            <a:extLst>
+              <a:ext uri="{28A0092B-C50C-407E-A947-70E740481C1C}">
+                <a14:useLocalDpi xmlns:a14="http://schemas.microsoft.com/office/drawing/2010/main" val="0"/>
+              </a:ext>
+            </a:extLst>
+          </a:blip>
+          <a:srcRect b="23320"/>
+          <a:stretch/>
+        </p:blipFill>
+        <p:spPr>
+          <a:xfrm>
+            <a:off x="8605878" y="6096000"/>
+            <a:ext cx="993734" cy="762000"/>
+          </a:xfrm>
+          <a:prstGeom prst="rect">
+            <a:avLst/>
+          </a:prstGeom>
+        </p:spPr>
+      </p:pic>
+      <p:sp>
+        <p:nvSpPr>
+          <p:cNvPr id="14" name="Rectangle 13"/>
+          <p:cNvSpPr/>
+          <p:nvPr/>
+        </p:nvSpPr>
+        <p:spPr>
+          <a:xfrm>
+            <a:off x="10437812" y="0"/>
+            <a:ext cx="685800" cy="1143000"/>
+          </a:xfrm>
+          <a:prstGeom prst="rect">
+            <a:avLst/>
+          </a:prstGeom>
+          <a:solidFill>
+            <a:schemeClr val="accent1"/>
+          </a:solidFill>
+          <a:ln>
+            <a:noFill/>
+          </a:ln>
+        </p:spPr>
+        <p:style>
+          <a:lnRef idx="1">
+            <a:schemeClr val="accent1"/>
+          </a:lnRef>
+          <a:fillRef idx="3">
+            <a:schemeClr val="accent1"/>
+          </a:fillRef>
+          <a:effectRef idx="2">
+            <a:schemeClr val="accent1"/>
+          </a:effectRef>
+          <a:fontRef idx="minor">
+            <a:schemeClr val="lt1"/>
+          </a:fontRef>
+        </p:style>
+      </p:sp>
+      <p:sp>
+        <p:nvSpPr>
+          <p:cNvPr id="2" name="Title Placeholder 1"/>
+          <p:cNvSpPr>
+            <a:spLocks noGrp="1"/>
+          </p:cNvSpPr>
+          <p:nvPr>
+            <p:ph type="title"/>
+          </p:nvPr>
+        </p:nvSpPr>
+        <p:spPr>
+          <a:xfrm>
+            <a:off x="646111" y="452718"/>
+            <a:ext cx="9404723" cy="1400530"/>
+          </a:xfrm>
+          <a:prstGeom prst="rect">
+            <a:avLst/>
+          </a:prstGeom>
+        </p:spPr>
+        <p:txBody>
+          <a:bodyPr vert="horz" lIns="91440" tIns="45720" rIns="91440" bIns="45720" rtlCol="0" anchor="t">
+            <a:noAutofit/>
+          </a:bodyPr>
+          <a:lstStyle/>
+          <a:p>
+            <a:r>
+              <a:rPr lang="en-US"/>
+              <a:t>Click to edit Master title style</a:t>
+            </a:r>
+            <a:endParaRPr lang="en-US" dirty="0"/>
+          </a:p>
+        </p:txBody>
+      </p:sp>
+      <p:sp>
+        <p:nvSpPr>
+          <p:cNvPr id="3" name="Text Placeholder 2"/>
+          <p:cNvSpPr>
+            <a:spLocks noGrp="1"/>
+          </p:cNvSpPr>
+          <p:nvPr>
+            <p:ph type="body" idx="1"/>
+          </p:nvPr>
+        </p:nvSpPr>
+        <p:spPr>
+          <a:xfrm>
+            <a:off x="1103312" y="2052918"/>
+            <a:ext cx="8946541" cy="4195481"/>
+          </a:xfrm>
+          <a:prstGeom prst="rect">
+            <a:avLst/>
+          </a:prstGeom>
+        </p:spPr>
+        <p:txBody>
+          <a:bodyPr vert="horz" lIns="91440" tIns="45720" rIns="91440" bIns="45720" rtlCol="0">
+            <a:normAutofit/>
+          </a:bodyPr>
+          <a:lstStyle/>
+          <a:p>
+            <a:pPr lvl="0"/>
+            <a:r>
+              <a:rPr lang="en-US"/>
+              <a:t>Click to edit Master text styles</a:t>
+            </a:r>
+          </a:p>
+          <a:p>
+            <a:pPr lvl="1"/>
+            <a:r>
+              <a:rPr lang="en-US"/>
+              <a:t>Second level</a:t>
+            </a:r>
+          </a:p>
+          <a:p>
+            <a:pPr lvl="2"/>
+            <a:r>
+              <a:rPr lang="en-US"/>
+              <a:t>Third level</a:t>
+            </a:r>
+          </a:p>
+          <a:p>
+            <a:pPr lvl="3"/>
+            <a:r>
+              <a:rPr lang="en-US"/>
+              <a:t>Fourth level</a:t>
+            </a:r>
+          </a:p>
+          <a:p>
+            <a:pPr lvl="4"/>
+            <a:r>
+              <a:rPr lang="en-US"/>
+              <a:t>Fifth level</a:t>
+            </a:r>
+            <a:endParaRPr lang="en-US" dirty="0"/>
+          </a:p>
+        </p:txBody>
+      </p:sp>
+      <p:sp>
+        <p:nvSpPr>
+          <p:cNvPr id="4" name="Date Placeholder 3"/>
+          <p:cNvSpPr>
+            <a:spLocks noGrp="1"/>
+          </p:cNvSpPr>
+          <p:nvPr>
+            <p:ph type="dt" sz="half" idx="2"/>
+          </p:nvPr>
+        </p:nvSpPr>
+        <p:spPr>
+          <a:xfrm rot="5400000">
+            <a:off x="10155639" y="1790701"/>
+            <a:ext cx="990599" cy="304799"/>
+          </a:xfrm>
+          <a:prstGeom prst="rect">
+            <a:avLst/>
+          </a:prstGeom>
+        </p:spPr>
+        <p:txBody>
+          <a:bodyPr vert="horz" lIns="91440" tIns="45720" rIns="91440" bIns="45720" rtlCol="0" anchor="t"/>
           <a:lstStyle>
             <a:lvl1pPr algn="l">
-              <a:defRPr sz="900">
+              <a:defRPr sz="1100" b="0" i="0">
                 <a:solidFill>
-                  <a:schemeClr val="tx1"/>
+                  <a:schemeClr val="tx1">
+                    <a:tint val="75000"/>
+                    <a:alpha val="60000"/>
+                  </a:schemeClr>
                 </a:solidFill>
               </a:defRPr>
             </a:lvl1pPr>
           </a:lstStyle>
           <a:p>
-            <a:endParaRPr lang="en-US" dirty="0"/>
-          </a:p>
-        </p:txBody>
-      </p:sp>
-      <p:sp>
-        <p:nvSpPr>
-          <p:cNvPr id="4" name="Date Placeholder 3"/>
-          <p:cNvSpPr>
-            <a:spLocks noGrp="1"/>
-          </p:cNvSpPr>
-          <p:nvPr>
-            <p:ph type="dt" sz="half" idx="2"/>
-          </p:nvPr>
-        </p:nvSpPr>
-        <p:spPr>
-          <a:xfrm>
-            <a:off x="9334626" y="6041362"/>
-            <a:ext cx="1343706" cy="365125"/>
+            <a:fld id="{4AAD347D-5ACD-4C99-B74B-A9C85AD731AF}" type="datetimeFigureOut">
+              <a:rPr lang="en-US" dirty="0"/>
+              <a:t>10/8/19</a:t>
+            </a:fld>
+            <a:endParaRPr lang="en-US" dirty="0"/>
+          </a:p>
+        </p:txBody>
+      </p:sp>
+      <p:sp>
+        <p:nvSpPr>
+          <p:cNvPr id="5" name="Footer Placeholder 4"/>
+          <p:cNvSpPr>
+            <a:spLocks noGrp="1"/>
+          </p:cNvSpPr>
+          <p:nvPr>
+            <p:ph type="ftr" sz="quarter" idx="3"/>
+          </p:nvPr>
+        </p:nvSpPr>
+        <p:spPr>
+          <a:xfrm rot="5400000">
+            <a:off x="8951573" y="3225297"/>
+            <a:ext cx="3859795" cy="304801"/>
           </a:xfrm>
           <a:prstGeom prst="rect">
             <a:avLst/>
@@ -4888,20 +5514,18 @@
         <p:txBody>
           <a:bodyPr vert="horz" lIns="91440" tIns="45720" rIns="91440" bIns="45720" rtlCol="0" anchor="b"/>
           <a:lstStyle>
-            <a:lvl1pPr algn="r">
-              <a:defRPr sz="900">
+            <a:lvl1pPr algn="l">
+              <a:defRPr sz="1100" b="0" i="0">
                 <a:solidFill>
-                  <a:schemeClr val="tx1"/>
+                  <a:schemeClr val="tx1">
+                    <a:tint val="75000"/>
+                    <a:alpha val="60000"/>
+                  </a:schemeClr>
                 </a:solidFill>
               </a:defRPr>
             </a:lvl1pPr>
           </a:lstStyle>
           <a:p>
-            <a:fld id="{09B482E8-6E0E-1B4F-B1FD-C69DB9E858D9}" type="datetimeFigureOut">
-              <a:rPr lang="en-US" dirty="0"/>
-              <a:pPr/>
-              <a:t>10/7/19</a:t>
-            </a:fld>
             <a:endParaRPr lang="en-US" dirty="0"/>
           </a:p>
         </p:txBody>
@@ -4916,30 +5540,31 @@
             <p:ph type="sldNum" sz="quarter" idx="4"/>
           </p:nvPr>
         </p:nvSpPr>
-        <p:spPr>
-          <a:xfrm>
-            <a:off x="10678331" y="5915888"/>
-            <a:ext cx="1062155" cy="490599"/>
+        <p:spPr bwMode="gray">
+          <a:xfrm>
+            <a:off x="10352540" y="295729"/>
+            <a:ext cx="838199" cy="767687"/>
           </a:xfrm>
           <a:prstGeom prst="rect">
             <a:avLst/>
           </a:prstGeom>
         </p:spPr>
         <p:txBody>
-          <a:bodyPr vert="horz" lIns="91440" tIns="45720" rIns="91440" bIns="10800" rtlCol="0" anchor="b"/>
+          <a:bodyPr vert="horz" lIns="91440" tIns="45720" rIns="91440" bIns="45720" rtlCol="0" anchor="b"/>
           <a:lstStyle>
-            <a:lvl1pPr algn="r">
-              <a:defRPr sz="2000">
+            <a:lvl1pPr algn="ctr">
+              <a:defRPr sz="2800" b="0" i="0">
                 <a:solidFill>
-                  <a:schemeClr val="accent1"/>
+                  <a:schemeClr val="tx1">
+                    <a:tint val="75000"/>
+                  </a:schemeClr>
                 </a:solidFill>
               </a:defRPr>
             </a:lvl1pPr>
           </a:lstStyle>
           <a:p>
-            <a:fld id="{D57F1E4F-1CFF-5643-939E-217C01CDF565}" type="slidenum">
+            <a:fld id="{D57F1E4F-1CFF-5643-939E-02111984F565}" type="slidenum">
               <a:rPr lang="en-US" dirty="0"/>
-              <a:pPr/>
               <a:t>‹#›</a:t>
             </a:fld>
             <a:endParaRPr lang="en-US" dirty="0"/>
@@ -4958,12 +5583,15 @@
     <p:sldLayoutId id="2147483654" r:id="rId6"/>
     <p:sldLayoutId id="2147483655" r:id="rId7"/>
     <p:sldLayoutId id="2147483656" r:id="rId8"/>
-    <p:sldLayoutId id="2147483663" r:id="rId9"/>
-    <p:sldLayoutId id="2147483657" r:id="rId10"/>
-    <p:sldLayoutId id="2147483666" r:id="rId11"/>
-    <p:sldLayoutId id="2147483661" r:id="rId12"/>
-    <p:sldLayoutId id="2147483658" r:id="rId13"/>
-    <p:sldLayoutId id="2147483659" r:id="rId14"/>
+    <p:sldLayoutId id="2147483668" r:id="rId9"/>
+    <p:sldLayoutId id="2147483667" r:id="rId10"/>
+    <p:sldLayoutId id="2147483661" r:id="rId11"/>
+    <p:sldLayoutId id="2147483664" r:id="rId12"/>
+    <p:sldLayoutId id="2147483662" r:id="rId13"/>
+    <p:sldLayoutId id="2147483669" r:id="rId14"/>
+    <p:sldLayoutId id="2147483670" r:id="rId15"/>
+    <p:sldLayoutId id="2147483658" r:id="rId16"/>
+    <p:sldLayoutId id="2147483659" r:id="rId17"/>
   </p:sldLayoutIdLst>
   <p:hf sldNum="0" hdr="0" ftr="0" dt="0"/>
   <p:txStyles>
@@ -4973,9 +5601,9 @@
           <a:spcPct val="0"/>
         </a:spcBef>
         <a:buNone/>
-        <a:defRPr sz="4000" b="1" kern="1200">
+        <a:defRPr sz="4200" b="0" i="0" kern="1200">
           <a:solidFill>
-            <a:srgbClr val="FEFEFE"/>
+            <a:schemeClr val="tx2"/>
           </a:solidFill>
           <a:latin typeface="+mj-lt"/>
           <a:ea typeface="+mj-ea"/>
@@ -5042,191 +5670,227 @@
     <p:bodyStyle>
       <a:lvl1pPr marL="342900" indent="-342900" algn="l" defTabSz="457200" rtl="0" eaLnBrk="1" latinLnBrk="0" hangingPunct="1">
         <a:spcBef>
-          <a:spcPct val="20000"/>
+          <a:spcPts val="1000"/>
         </a:spcBef>
         <a:spcAft>
-          <a:spcPts val="600"/>
+          <a:spcPts val="0"/>
         </a:spcAft>
         <a:buClr>
-          <a:schemeClr val="accent1"/>
+          <a:schemeClr val="bg2">
+            <a:lumMod val="40000"/>
+            <a:lumOff val="60000"/>
+          </a:schemeClr>
         </a:buClr>
-        <a:buFont typeface="Wingdings 2" charset="2"/>
-        <a:buChar char=""/>
-        <a:defRPr sz="1800" kern="1200">
+        <a:buSzPct val="80000"/>
+        <a:buFont typeface="Wingdings 3" charset="2"/>
+        <a:buChar char=""/>
+        <a:defRPr sz="2000" b="0" i="0" kern="1200">
           <a:solidFill>
             <a:schemeClr val="tx1"/>
           </a:solidFill>
-          <a:latin typeface="+mn-lt"/>
-          <a:ea typeface="+mn-ea"/>
-          <a:cs typeface="+mn-cs"/>
+          <a:latin typeface="+mj-lt"/>
+          <a:ea typeface="+mj-ea"/>
+          <a:cs typeface="+mj-cs"/>
         </a:defRPr>
       </a:lvl1pPr>
       <a:lvl2pPr marL="742950" indent="-285750" algn="l" defTabSz="457200" rtl="0" eaLnBrk="1" latinLnBrk="0" hangingPunct="1">
         <a:spcBef>
-          <a:spcPct val="20000"/>
+          <a:spcPts val="1000"/>
         </a:spcBef>
         <a:spcAft>
-          <a:spcPts val="600"/>
+          <a:spcPts val="0"/>
         </a:spcAft>
         <a:buClr>
-          <a:schemeClr val="accent1"/>
+          <a:schemeClr val="bg2">
+            <a:lumMod val="40000"/>
+            <a:lumOff val="60000"/>
+          </a:schemeClr>
         </a:buClr>
-        <a:buFont typeface="Wingdings 2" charset="2"/>
-        <a:buChar char=""/>
-        <a:defRPr sz="1600" kern="1200">
+        <a:buSzPct val="80000"/>
+        <a:buFont typeface="Wingdings 3" charset="2"/>
+        <a:buChar char=""/>
+        <a:defRPr sz="1800" b="0" i="0" kern="1200">
           <a:solidFill>
             <a:schemeClr val="tx1"/>
           </a:solidFill>
-          <a:latin typeface="+mn-lt"/>
-          <a:ea typeface="+mn-ea"/>
-          <a:cs typeface="+mn-cs"/>
+          <a:latin typeface="+mj-lt"/>
+          <a:ea typeface="+mj-ea"/>
+          <a:cs typeface="+mj-cs"/>
         </a:defRPr>
       </a:lvl2pPr>
       <a:lvl3pPr marL="1143000" indent="-228600" algn="l" defTabSz="457200" rtl="0" eaLnBrk="1" latinLnBrk="0" hangingPunct="1">
         <a:spcBef>
-          <a:spcPct val="20000"/>
+          <a:spcPts val="1000"/>
         </a:spcBef>
         <a:spcAft>
-          <a:spcPts val="600"/>
+          <a:spcPts val="0"/>
         </a:spcAft>
         <a:buClr>
-          <a:schemeClr val="accent1"/>
+          <a:schemeClr val="bg2">
+            <a:lumMod val="40000"/>
+            <a:lumOff val="60000"/>
+          </a:schemeClr>
         </a:buClr>
-        <a:buFont typeface="Wingdings 2" charset="2"/>
-        <a:buChar char=""/>
-        <a:defRPr sz="1400" kern="1200">
+        <a:buSzPct val="80000"/>
+        <a:buFont typeface="Wingdings 3" charset="2"/>
+        <a:buChar char=""/>
+        <a:defRPr sz="1600" b="0" i="0" kern="1200">
           <a:solidFill>
             <a:schemeClr val="tx1"/>
           </a:solidFill>
-          <a:latin typeface="+mn-lt"/>
-          <a:ea typeface="+mn-ea"/>
-          <a:cs typeface="+mn-cs"/>
+          <a:latin typeface="+mj-lt"/>
+          <a:ea typeface="+mj-ea"/>
+          <a:cs typeface="+mj-cs"/>
         </a:defRPr>
       </a:lvl3pPr>
       <a:lvl4pPr marL="1600200" indent="-228600" algn="l" defTabSz="457200" rtl="0" eaLnBrk="1" latinLnBrk="0" hangingPunct="1">
         <a:spcBef>
-          <a:spcPct val="20000"/>
+          <a:spcPts val="1000"/>
         </a:spcBef>
         <a:spcAft>
-          <a:spcPts val="600"/>
+          <a:spcPts val="0"/>
         </a:spcAft>
         <a:buClr>
-          <a:schemeClr val="accent1"/>
+          <a:schemeClr val="bg2">
+            <a:lumMod val="40000"/>
+            <a:lumOff val="60000"/>
+          </a:schemeClr>
         </a:buClr>
-        <a:buFont typeface="Wingdings 2" charset="2"/>
-        <a:buChar char=""/>
-        <a:defRPr sz="1200" kern="1200">
+        <a:buSzPct val="80000"/>
+        <a:buFont typeface="Wingdings 3" charset="2"/>
+        <a:buChar char=""/>
+        <a:defRPr sz="1400" b="0" i="0" kern="1200">
           <a:solidFill>
             <a:schemeClr val="tx1"/>
           </a:solidFill>
-          <a:latin typeface="+mn-lt"/>
-          <a:ea typeface="+mn-ea"/>
-          <a:cs typeface="+mn-cs"/>
+          <a:latin typeface="+mj-lt"/>
+          <a:ea typeface="+mj-ea"/>
+          <a:cs typeface="+mj-cs"/>
         </a:defRPr>
       </a:lvl4pPr>
       <a:lvl5pPr marL="2057400" indent="-228600" algn="l" defTabSz="457200" rtl="0" eaLnBrk="1" latinLnBrk="0" hangingPunct="1">
         <a:spcBef>
-          <a:spcPct val="20000"/>
+          <a:spcPts val="1000"/>
         </a:spcBef>
         <a:spcAft>
-          <a:spcPts val="600"/>
+          <a:spcPts val="0"/>
         </a:spcAft>
         <a:buClr>
-          <a:schemeClr val="accent1"/>
+          <a:schemeClr val="bg2">
+            <a:lumMod val="40000"/>
+            <a:lumOff val="60000"/>
+          </a:schemeClr>
         </a:buClr>
-        <a:buFont typeface="Wingdings 2" charset="2"/>
-        <a:buChar char=""/>
-        <a:defRPr sz="1200" kern="1200">
+        <a:buSzPct val="80000"/>
+        <a:buFont typeface="Wingdings 3" charset="2"/>
+        <a:buChar char=""/>
+        <a:defRPr sz="1400" b="0" i="0" kern="1200">
           <a:solidFill>
             <a:schemeClr val="tx1"/>
           </a:solidFill>
-          <a:latin typeface="+mn-lt"/>
-          <a:ea typeface="+mn-ea"/>
-          <a:cs typeface="+mn-cs"/>
+          <a:latin typeface="+mj-lt"/>
+          <a:ea typeface="+mj-ea"/>
+          <a:cs typeface="+mj-cs"/>
         </a:defRPr>
       </a:lvl5pPr>
-      <a:lvl6pPr marL="2400000" indent="-228600" algn="l" defTabSz="457200" rtl="0" eaLnBrk="1" latinLnBrk="0" hangingPunct="1">
+      <a:lvl6pPr marL="2506000" indent="-228600" algn="l" defTabSz="457200" rtl="0" eaLnBrk="1" latinLnBrk="0" hangingPunct="1">
         <a:spcBef>
-          <a:spcPct val="20000"/>
+          <a:spcPts val="1000"/>
         </a:spcBef>
         <a:spcAft>
-          <a:spcPts val="600"/>
+          <a:spcPts val="0"/>
         </a:spcAft>
         <a:buClr>
-          <a:schemeClr val="accent1"/>
+          <a:schemeClr val="bg2">
+            <a:lumMod val="40000"/>
+            <a:lumOff val="60000"/>
+          </a:schemeClr>
         </a:buClr>
-        <a:buFont typeface="Wingdings 2" charset="2"/>
-        <a:buChar char=""/>
-        <a:defRPr sz="1200" kern="1200">
+        <a:buSzPct val="80000"/>
+        <a:buFont typeface="Wingdings 3" charset="2"/>
+        <a:buChar char=""/>
+        <a:defRPr sz="1400" b="0" i="0" kern="1200">
           <a:solidFill>
             <a:schemeClr val="tx1"/>
           </a:solidFill>
-          <a:latin typeface="+mn-lt"/>
-          <a:ea typeface="+mn-ea"/>
-          <a:cs typeface="+mn-cs"/>
+          <a:latin typeface="+mj-lt"/>
+          <a:ea typeface="+mj-ea"/>
+          <a:cs typeface="+mj-cs"/>
         </a:defRPr>
       </a:lvl6pPr>
-      <a:lvl7pPr marL="2800000" indent="-228600" algn="l" defTabSz="457200" rtl="0" eaLnBrk="1" latinLnBrk="0" hangingPunct="1">
+      <a:lvl7pPr marL="2971800" indent="-228600" algn="l" defTabSz="457200" rtl="0" eaLnBrk="1" latinLnBrk="0" hangingPunct="1">
         <a:spcBef>
-          <a:spcPct val="20000"/>
+          <a:spcPts val="1000"/>
         </a:spcBef>
         <a:spcAft>
-          <a:spcPts val="600"/>
+          <a:spcPts val="0"/>
         </a:spcAft>
         <a:buClr>
-          <a:schemeClr val="accent1"/>
+          <a:schemeClr val="bg2">
+            <a:lumMod val="40000"/>
+            <a:lumOff val="60000"/>
+          </a:schemeClr>
         </a:buClr>
-        <a:buFont typeface="Wingdings 2" charset="2"/>
-        <a:buChar char=""/>
-        <a:defRPr sz="1200" kern="1200">
+        <a:buSzPct val="80000"/>
+        <a:buFont typeface="Wingdings 3" charset="2"/>
+        <a:buChar char=""/>
+        <a:defRPr sz="1400" b="0" i="0" kern="1200">
           <a:solidFill>
             <a:schemeClr val="tx1"/>
           </a:solidFill>
-          <a:latin typeface="+mn-lt"/>
-          <a:ea typeface="+mn-ea"/>
-          <a:cs typeface="+mn-cs"/>
+          <a:latin typeface="+mj-lt"/>
+          <a:ea typeface="+mj-ea"/>
+          <a:cs typeface="+mj-cs"/>
         </a:defRPr>
       </a:lvl7pPr>
-      <a:lvl8pPr marL="3200000" indent="-228600" algn="l" defTabSz="457200" rtl="0" eaLnBrk="1" latinLnBrk="0" hangingPunct="1">
+      <a:lvl8pPr marL="3429000" indent="-228600" algn="l" defTabSz="457200" rtl="0" eaLnBrk="1" latinLnBrk="0" hangingPunct="1">
         <a:spcBef>
-          <a:spcPct val="20000"/>
+          <a:spcPts val="1000"/>
         </a:spcBef>
         <a:spcAft>
-          <a:spcPts val="600"/>
+          <a:spcPts val="0"/>
         </a:spcAft>
         <a:buClr>
-          <a:schemeClr val="accent1"/>
+          <a:schemeClr val="bg2">
+            <a:lumMod val="40000"/>
+            <a:lumOff val="60000"/>
+          </a:schemeClr>
         </a:buClr>
-        <a:buFont typeface="Wingdings 2" charset="2"/>
-        <a:buChar char=""/>
-        <a:defRPr sz="1200" kern="1200">
+        <a:buSzPct val="80000"/>
+        <a:buFont typeface="Wingdings 3" charset="2"/>
+        <a:buChar char=""/>
+        <a:defRPr sz="1400" b="0" i="0" kern="1200">
           <a:solidFill>
             <a:schemeClr val="tx1"/>
           </a:solidFill>
-          <a:latin typeface="+mn-lt"/>
-          <a:ea typeface="+mn-ea"/>
-          <a:cs typeface="+mn-cs"/>
+          <a:latin typeface="+mj-lt"/>
+          <a:ea typeface="+mj-ea"/>
+          <a:cs typeface="+mj-cs"/>
         </a:defRPr>
       </a:lvl8pPr>
-      <a:lvl9pPr marL="3600000" indent="-228600" algn="l" defTabSz="457200" rtl="0" eaLnBrk="1" latinLnBrk="0" hangingPunct="1">
+      <a:lvl9pPr marL="3886200" indent="-228600" algn="l" defTabSz="457200" rtl="0" eaLnBrk="1" latinLnBrk="0" hangingPunct="1">
         <a:spcBef>
-          <a:spcPct val="20000"/>
+          <a:spcPts val="1000"/>
         </a:spcBef>
         <a:spcAft>
-          <a:spcPts val="600"/>
+          <a:spcPts val="0"/>
         </a:spcAft>
         <a:buClr>
-          <a:schemeClr val="accent1"/>
+          <a:schemeClr val="bg2">
+            <a:lumMod val="40000"/>
+            <a:lumOff val="60000"/>
+          </a:schemeClr>
         </a:buClr>
-        <a:buFont typeface="Wingdings 2" charset="2"/>
-        <a:buChar char=""/>
-        <a:defRPr sz="1200" kern="1200">
+        <a:buSzPct val="80000"/>
+        <a:buFont typeface="Wingdings 3" charset="2"/>
+        <a:buChar char=""/>
+        <a:defRPr sz="1400" b="0" i="0" kern="1200">
           <a:solidFill>
             <a:schemeClr val="tx1"/>
           </a:solidFill>
-          <a:latin typeface="+mn-lt"/>
-          <a:ea typeface="+mn-ea"/>
-          <a:cs typeface="+mn-cs"/>
+          <a:latin typeface="+mj-lt"/>
+          <a:ea typeface="+mj-ea"/>
+          <a:cs typeface="+mj-cs"/>
         </a:defRPr>
       </a:lvl9pPr>
     </p:bodyStyle>
@@ -5348,10 +6012,10 @@
       </p:grpSpPr>
       <p:sp>
         <p:nvSpPr>
-          <p:cNvPr id="3" name="Subtitle 2">
+          <p:cNvPr id="2" name="Title 1">
             <a:extLst>
               <a:ext uri="{FF2B5EF4-FFF2-40B4-BE49-F238E27FC236}">
-                <a16:creationId xmlns:a16="http://schemas.microsoft.com/office/drawing/2014/main" id="{DB67E489-F1B7-E140-9DE0-80FC4CDC377F}"/>
+                <a16:creationId xmlns:a16="http://schemas.microsoft.com/office/drawing/2014/main" id="{F3BD3350-D824-0E4D-9B55-6A31D1E79BB6}"/>
               </a:ext>
             </a:extLst>
           </p:cNvPr>
@@ -5359,29 +6023,32 @@
             <a:spLocks noGrp="1"/>
           </p:cNvSpPr>
           <p:nvPr>
-            <p:ph type="subTitle" idx="1"/>
-          </p:nvPr>
-        </p:nvSpPr>
-        <p:spPr/>
-        <p:txBody>
-          <a:bodyPr>
-            <a:normAutofit lnSpcReduction="10000"/>
-          </a:bodyPr>
+            <p:ph type="ctrTitle"/>
+          </p:nvPr>
+        </p:nvSpPr>
+        <p:spPr>
+          <a:xfrm>
+            <a:off x="1198496" y="5739619"/>
+            <a:ext cx="9969243" cy="767418"/>
+          </a:xfrm>
+        </p:spPr>
+        <p:txBody>
+          <a:bodyPr/>
           <a:lstStyle/>
           <a:p>
             <a:pPr algn="ctr"/>
             <a:r>
-              <a:rPr lang="en-US" dirty="0"/>
-              <a:t>Portfolio Project – Ethel </a:t>
-            </a:r>
-            <a:r>
-              <a:rPr lang="en-US" dirty="0" err="1"/>
+              <a:rPr lang="en-US" sz="4400" dirty="0"/>
+              <a:t>Ethel </a:t>
+            </a:r>
+            <a:r>
+              <a:rPr lang="en-US" sz="4400" dirty="0" err="1"/>
               <a:t>Cofresi</a:t>
             </a:r>
-            <a:endParaRPr lang="en-US" dirty="0"/>
-          </a:p>
-          <a:p>
-            <a:endParaRPr lang="en-US" dirty="0"/>
+            <a:r>
+              <a:rPr lang="en-US" sz="4400" dirty="0"/>
+              <a:t> 2019</a:t>
+            </a:r>
           </a:p>
         </p:txBody>
       </p:sp>
@@ -5390,7 +6057,7 @@
           <p:cNvPr id="4" name="Picture 3">
             <a:extLst>
               <a:ext uri="{FF2B5EF4-FFF2-40B4-BE49-F238E27FC236}">
-                <a16:creationId xmlns:a16="http://schemas.microsoft.com/office/drawing/2014/main" id="{2EB5F406-CA4A-2140-AAAE-81C773606139}"/>
+                <a16:creationId xmlns:a16="http://schemas.microsoft.com/office/drawing/2014/main" id="{691C016D-1E76-BF40-BD2D-EB907A8CBFE4}"/>
               </a:ext>
             </a:extLst>
           </p:cNvPr>
@@ -5407,8 +6074,8 @@
         </p:blipFill>
         <p:spPr>
           <a:xfrm>
-            <a:off x="1594338" y="375138"/>
-            <a:ext cx="9249507" cy="4186883"/>
+            <a:off x="1198496" y="211014"/>
+            <a:ext cx="9969243" cy="5387927"/>
           </a:xfrm>
           <a:prstGeom prst="rect">
             <a:avLst/>
@@ -5418,7 +6085,7 @@
     </p:spTree>
     <p:extLst>
       <p:ext uri="{BB962C8B-B14F-4D97-AF65-F5344CB8AC3E}">
-        <p14:creationId xmlns:p14="http://schemas.microsoft.com/office/powerpoint/2010/main" val="3123861159"/>
+        <p14:creationId xmlns:p14="http://schemas.microsoft.com/office/powerpoint/2010/main" val="2069910414"/>
       </p:ext>
     </p:extLst>
   </p:cSld>
@@ -5450,7 +6117,7 @@
           <p:cNvPr id="2" name="Title 1">
             <a:extLst>
               <a:ext uri="{FF2B5EF4-FFF2-40B4-BE49-F238E27FC236}">
-                <a16:creationId xmlns:a16="http://schemas.microsoft.com/office/drawing/2014/main" id="{FEA0F524-6485-7B46-8BD0-903602633D62}"/>
+                <a16:creationId xmlns:a16="http://schemas.microsoft.com/office/drawing/2014/main" id="{B65B1F00-0679-2D48-9D12-5EDEAF84DACC}"/>
               </a:ext>
             </a:extLst>
           </p:cNvPr>
@@ -5461,25 +6128,1645 @@
             <p:ph type="title"/>
           </p:nvPr>
         </p:nvSpPr>
-        <p:spPr/>
+        <p:spPr>
+          <a:xfrm>
+            <a:off x="646111" y="452718"/>
+            <a:ext cx="11133438" cy="1007114"/>
+          </a:xfrm>
+        </p:spPr>
         <p:txBody>
           <a:bodyPr/>
           <a:lstStyle/>
           <a:p>
             <a:r>
-              <a:rPr lang="en-US" sz="4800" dirty="0">
-                <a:latin typeface="Times New Roman" panose="02020603050405020304" pitchFamily="18" charset="0"/>
-                <a:cs typeface="Times New Roman" panose="02020603050405020304" pitchFamily="18" charset="0"/>
-              </a:rPr>
-              <a:t>Overview</a:t>
-            </a:r>
+              <a:rPr lang="en-US" dirty="0"/>
+              <a:t>The Concept and Goals</a:t>
+            </a:r>
+          </a:p>
+        </p:txBody>
+      </p:sp>
+      <p:sp>
+        <p:nvSpPr>
+          <p:cNvPr id="4" name="Content Placeholder 2">
+            <a:extLst>
+              <a:ext uri="{FF2B5EF4-FFF2-40B4-BE49-F238E27FC236}">
+                <a16:creationId xmlns:a16="http://schemas.microsoft.com/office/drawing/2014/main" id="{0EF9D87C-A0DB-6E49-901B-AAF57185F186}"/>
+              </a:ext>
+            </a:extLst>
+          </p:cNvPr>
+          <p:cNvSpPr>
+            <a:spLocks noGrp="1"/>
+          </p:cNvSpPr>
+          <p:nvPr>
+            <p:ph idx="1"/>
+          </p:nvPr>
+        </p:nvSpPr>
+        <p:spPr>
+          <a:xfrm>
+            <a:off x="646111" y="1604211"/>
+            <a:ext cx="10807952" cy="4416761"/>
+          </a:xfrm>
+        </p:spPr>
+        <p:txBody>
+          <a:bodyPr>
+            <a:noAutofit/>
+          </a:bodyPr>
+          <a:lstStyle/>
+          <a:p>
+            <a:pPr marL="0" indent="0">
+              <a:buNone/>
+            </a:pPr>
+            <a:r>
+              <a:rPr lang="en-US" b="1" dirty="0"/>
+              <a:t>Concept:</a:t>
+            </a:r>
+          </a:p>
+          <a:p>
+            <a:pPr marL="0" indent="0">
+              <a:buNone/>
+            </a:pPr>
+            <a:r>
+              <a:rPr lang="en-US" sz="1600" dirty="0"/>
+              <a:t>	Provides an online forum for parents to connect, chat, share notes, etc. that is outside of the school’s social media and out of public view.</a:t>
+            </a:r>
+          </a:p>
+          <a:p>
+            <a:pPr marL="0" indent="0">
+              <a:buNone/>
+            </a:pPr>
+            <a:endParaRPr lang="en-US" sz="1600" dirty="0"/>
+          </a:p>
+          <a:p>
+            <a:pPr marL="0" indent="0">
+              <a:buNone/>
+            </a:pPr>
+            <a:r>
+              <a:rPr lang="en-US" sz="1600" dirty="0"/>
+              <a:t>This application is created to demonstrate ability to build a complete full-stack application using MongoDB, Express, Node.js, React, and Redux.</a:t>
+            </a:r>
+          </a:p>
+          <a:p>
+            <a:pPr>
+              <a:buFont typeface="Arial" panose="020B0604020202020204" pitchFamily="34" charset="0"/>
+              <a:buChar char="•"/>
+            </a:pPr>
+            <a:r>
+              <a:rPr lang="en-US" sz="1600" dirty="0"/>
+              <a:t>Build backed API with Node.js and Express</a:t>
+            </a:r>
+          </a:p>
+          <a:p>
+            <a:pPr>
+              <a:buFont typeface="Arial" panose="020B0604020202020204" pitchFamily="34" charset="0"/>
+              <a:buChar char="•"/>
+            </a:pPr>
+            <a:r>
+              <a:rPr lang="en-US" sz="1600" dirty="0"/>
+              <a:t>Protect routes/endpoints with JSON Web Token – stateless authentication practices</a:t>
+            </a:r>
+          </a:p>
+          <a:p>
+            <a:pPr>
+              <a:buFont typeface="Arial" panose="020B0604020202020204" pitchFamily="34" charset="0"/>
+              <a:buChar char="•"/>
+            </a:pPr>
+            <a:r>
+              <a:rPr lang="en-US" sz="1600" dirty="0"/>
+              <a:t>Use React for the frontend</a:t>
+            </a:r>
+          </a:p>
+          <a:p>
+            <a:pPr>
+              <a:buFont typeface="Arial" panose="020B0604020202020204" pitchFamily="34" charset="0"/>
+              <a:buChar char="•"/>
+            </a:pPr>
+            <a:r>
+              <a:rPr lang="en-US" sz="1600" dirty="0"/>
+              <a:t>Use Redux for application state management</a:t>
+            </a:r>
+          </a:p>
+          <a:p>
+            <a:pPr>
+              <a:buFont typeface="Arial" panose="020B0604020202020204" pitchFamily="34" charset="0"/>
+              <a:buChar char="•"/>
+            </a:pPr>
+            <a:r>
+              <a:rPr lang="en-US" sz="1600" dirty="0"/>
+              <a:t>Develop views using Bootstrap for responsive design</a:t>
+            </a:r>
+          </a:p>
+          <a:p>
+            <a:pPr marL="0" indent="0">
+              <a:buNone/>
+            </a:pPr>
+            <a:br>
+              <a:rPr lang="en-US" sz="1600" dirty="0"/>
+            </a:br>
+            <a:endParaRPr lang="en-US" sz="1600" dirty="0"/>
           </a:p>
         </p:txBody>
       </p:sp>
     </p:spTree>
     <p:extLst>
       <p:ext uri="{BB962C8B-B14F-4D97-AF65-F5344CB8AC3E}">
-        <p14:creationId xmlns:p14="http://schemas.microsoft.com/office/powerpoint/2010/main" val="602441342"/>
+        <p14:creationId xmlns:p14="http://schemas.microsoft.com/office/powerpoint/2010/main" val="3721134262"/>
+      </p:ext>
+    </p:extLst>
+  </p:cSld>
+  <p:clrMapOvr>
+    <a:masterClrMapping/>
+  </p:clrMapOvr>
+</p:sld>
+</file>
+
+<file path=ppt/slides/slide3.xml><?xml version="1.0" encoding="utf-8"?>
+<p:sld xmlns:a="http://schemas.openxmlformats.org/drawingml/2006/main" xmlns:r="http://schemas.openxmlformats.org/officeDocument/2006/relationships" xmlns:p="http://schemas.openxmlformats.org/presentationml/2006/main">
+  <p:cSld>
+    <p:spTree>
+      <p:nvGrpSpPr>
+        <p:cNvPr id="1" name=""/>
+        <p:cNvGrpSpPr/>
+        <p:nvPr/>
+      </p:nvGrpSpPr>
+      <p:grpSpPr>
+        <a:xfrm>
+          <a:off x="0" y="0"/>
+          <a:ext cx="0" cy="0"/>
+          <a:chOff x="0" y="0"/>
+          <a:chExt cx="0" cy="0"/>
+        </a:xfrm>
+      </p:grpSpPr>
+      <p:sp>
+        <p:nvSpPr>
+          <p:cNvPr id="2" name="Title 1">
+            <a:extLst>
+              <a:ext uri="{FF2B5EF4-FFF2-40B4-BE49-F238E27FC236}">
+                <a16:creationId xmlns:a16="http://schemas.microsoft.com/office/drawing/2014/main" id="{B65B1F00-0679-2D48-9D12-5EDEAF84DACC}"/>
+              </a:ext>
+            </a:extLst>
+          </p:cNvPr>
+          <p:cNvSpPr>
+            <a:spLocks noGrp="1"/>
+          </p:cNvSpPr>
+          <p:nvPr>
+            <p:ph type="title"/>
+          </p:nvPr>
+        </p:nvSpPr>
+        <p:spPr>
+          <a:xfrm>
+            <a:off x="646111" y="452718"/>
+            <a:ext cx="11133438" cy="1007114"/>
+          </a:xfrm>
+        </p:spPr>
+        <p:txBody>
+          <a:bodyPr/>
+          <a:lstStyle/>
+          <a:p>
+            <a:r>
+              <a:rPr lang="en-US" dirty="0"/>
+              <a:t>User Experience</a:t>
+            </a:r>
+          </a:p>
+        </p:txBody>
+      </p:sp>
+      <p:sp>
+        <p:nvSpPr>
+          <p:cNvPr id="4" name="Content Placeholder 2">
+            <a:extLst>
+              <a:ext uri="{FF2B5EF4-FFF2-40B4-BE49-F238E27FC236}">
+                <a16:creationId xmlns:a16="http://schemas.microsoft.com/office/drawing/2014/main" id="{0EF9D87C-A0DB-6E49-901B-AAF57185F186}"/>
+              </a:ext>
+            </a:extLst>
+          </p:cNvPr>
+          <p:cNvSpPr>
+            <a:spLocks noGrp="1"/>
+          </p:cNvSpPr>
+          <p:nvPr>
+            <p:ph idx="1"/>
+          </p:nvPr>
+        </p:nvSpPr>
+        <p:spPr>
+          <a:xfrm>
+            <a:off x="646111" y="1604211"/>
+            <a:ext cx="10807952" cy="4416761"/>
+          </a:xfrm>
+        </p:spPr>
+        <p:txBody>
+          <a:bodyPr>
+            <a:noAutofit/>
+          </a:bodyPr>
+          <a:lstStyle/>
+          <a:p>
+            <a:pPr marL="0" indent="0">
+              <a:buNone/>
+            </a:pPr>
+            <a:r>
+              <a:rPr lang="en-US" b="1" dirty="0"/>
+              <a:t>Demo - </a:t>
+            </a:r>
+            <a:r>
+              <a:rPr lang="en-US" dirty="0">
+                <a:hlinkClick r:id="rId2"/>
+              </a:rPr>
+              <a:t>https://parent-connections.herokuapp.com/</a:t>
+            </a:r>
+            <a:endParaRPr lang="en-US" dirty="0"/>
+          </a:p>
+          <a:p>
+            <a:pPr marL="0" indent="0">
+              <a:buNone/>
+            </a:pPr>
+            <a:endParaRPr lang="en-US" b="1" dirty="0"/>
+          </a:p>
+        </p:txBody>
+      </p:sp>
+      <p:pic>
+        <p:nvPicPr>
+          <p:cNvPr id="6" name="Picture 5">
+            <a:extLst>
+              <a:ext uri="{FF2B5EF4-FFF2-40B4-BE49-F238E27FC236}">
+                <a16:creationId xmlns:a16="http://schemas.microsoft.com/office/drawing/2014/main" id="{02D724F6-85EC-1D46-BE69-7A9CAE03A0AE}"/>
+              </a:ext>
+            </a:extLst>
+          </p:cNvPr>
+          <p:cNvPicPr>
+            <a:picLocks noChangeAspect="1"/>
+          </p:cNvPicPr>
+          <p:nvPr/>
+        </p:nvPicPr>
+        <p:blipFill>
+          <a:blip r:embed="rId3"/>
+          <a:stretch>
+            <a:fillRect/>
+          </a:stretch>
+        </p:blipFill>
+        <p:spPr>
+          <a:xfrm>
+            <a:off x="2764970" y="2276086"/>
+            <a:ext cx="6988629" cy="3744885"/>
+          </a:xfrm>
+          <a:prstGeom prst="rect">
+            <a:avLst/>
+          </a:prstGeom>
+        </p:spPr>
+      </p:pic>
+    </p:spTree>
+    <p:extLst>
+      <p:ext uri="{BB962C8B-B14F-4D97-AF65-F5344CB8AC3E}">
+        <p14:creationId xmlns:p14="http://schemas.microsoft.com/office/powerpoint/2010/main" val="1734956064"/>
+      </p:ext>
+    </p:extLst>
+  </p:cSld>
+  <p:clrMapOvr>
+    <a:masterClrMapping/>
+  </p:clrMapOvr>
+</p:sld>
+</file>
+
+<file path=ppt/slides/slide4.xml><?xml version="1.0" encoding="utf-8"?>
+<p:sld xmlns:a="http://schemas.openxmlformats.org/drawingml/2006/main" xmlns:r="http://schemas.openxmlformats.org/officeDocument/2006/relationships" xmlns:p="http://schemas.openxmlformats.org/presentationml/2006/main">
+  <p:cSld>
+    <p:spTree>
+      <p:nvGrpSpPr>
+        <p:cNvPr id="1" name=""/>
+        <p:cNvGrpSpPr/>
+        <p:nvPr/>
+      </p:nvGrpSpPr>
+      <p:grpSpPr>
+        <a:xfrm>
+          <a:off x="0" y="0"/>
+          <a:ext cx="0" cy="0"/>
+          <a:chOff x="0" y="0"/>
+          <a:chExt cx="0" cy="0"/>
+        </a:xfrm>
+      </p:grpSpPr>
+      <p:sp>
+        <p:nvSpPr>
+          <p:cNvPr id="2" name="Title 1">
+            <a:extLst>
+              <a:ext uri="{FF2B5EF4-FFF2-40B4-BE49-F238E27FC236}">
+                <a16:creationId xmlns:a16="http://schemas.microsoft.com/office/drawing/2014/main" id="{B65B1F00-0679-2D48-9D12-5EDEAF84DACC}"/>
+              </a:ext>
+            </a:extLst>
+          </p:cNvPr>
+          <p:cNvSpPr>
+            <a:spLocks noGrp="1"/>
+          </p:cNvSpPr>
+          <p:nvPr>
+            <p:ph type="title"/>
+          </p:nvPr>
+        </p:nvSpPr>
+        <p:spPr>
+          <a:xfrm>
+            <a:off x="646111" y="452718"/>
+            <a:ext cx="11133438" cy="1007114"/>
+          </a:xfrm>
+        </p:spPr>
+        <p:txBody>
+          <a:bodyPr/>
+          <a:lstStyle/>
+          <a:p>
+            <a:r>
+              <a:rPr lang="en-US" dirty="0"/>
+              <a:t>User Experience</a:t>
+            </a:r>
+          </a:p>
+        </p:txBody>
+      </p:sp>
+      <p:sp>
+        <p:nvSpPr>
+          <p:cNvPr id="4" name="Content Placeholder 2">
+            <a:extLst>
+              <a:ext uri="{FF2B5EF4-FFF2-40B4-BE49-F238E27FC236}">
+                <a16:creationId xmlns:a16="http://schemas.microsoft.com/office/drawing/2014/main" id="{0EF9D87C-A0DB-6E49-901B-AAF57185F186}"/>
+              </a:ext>
+            </a:extLst>
+          </p:cNvPr>
+          <p:cNvSpPr>
+            <a:spLocks noGrp="1"/>
+          </p:cNvSpPr>
+          <p:nvPr>
+            <p:ph idx="1"/>
+          </p:nvPr>
+        </p:nvSpPr>
+        <p:spPr>
+          <a:xfrm>
+            <a:off x="646111" y="1604212"/>
+            <a:ext cx="10807952" cy="507618"/>
+          </a:xfrm>
+        </p:spPr>
+        <p:txBody>
+          <a:bodyPr>
+            <a:noAutofit/>
+          </a:bodyPr>
+          <a:lstStyle/>
+          <a:p>
+            <a:pPr marL="0" indent="0">
+              <a:buNone/>
+            </a:pPr>
+            <a:r>
+              <a:rPr lang="en-US" b="1" dirty="0"/>
+              <a:t>Demo - </a:t>
+            </a:r>
+            <a:r>
+              <a:rPr lang="en-US" dirty="0">
+                <a:hlinkClick r:id="rId2"/>
+              </a:rPr>
+              <a:t>https://parent-connections.herokuapp.com/</a:t>
+            </a:r>
+            <a:endParaRPr lang="en-US" dirty="0"/>
+          </a:p>
+          <a:p>
+            <a:pPr marL="0" indent="0">
+              <a:buNone/>
+            </a:pPr>
+            <a:endParaRPr lang="en-US" b="1" dirty="0"/>
+          </a:p>
+        </p:txBody>
+      </p:sp>
+      <p:pic>
+        <p:nvPicPr>
+          <p:cNvPr id="3" name="Picture 2">
+            <a:extLst>
+              <a:ext uri="{FF2B5EF4-FFF2-40B4-BE49-F238E27FC236}">
+                <a16:creationId xmlns:a16="http://schemas.microsoft.com/office/drawing/2014/main" id="{85C34A5E-46D6-EA4C-9AE6-7D726150E0BE}"/>
+              </a:ext>
+            </a:extLst>
+          </p:cNvPr>
+          <p:cNvPicPr>
+            <a:picLocks noChangeAspect="1"/>
+          </p:cNvPicPr>
+          <p:nvPr/>
+        </p:nvPicPr>
+        <p:blipFill>
+          <a:blip r:embed="rId3"/>
+          <a:stretch>
+            <a:fillRect/>
+          </a:stretch>
+        </p:blipFill>
+        <p:spPr>
+          <a:xfrm>
+            <a:off x="411843" y="2329951"/>
+            <a:ext cx="5422900" cy="3835400"/>
+          </a:xfrm>
+          <a:prstGeom prst="rect">
+            <a:avLst/>
+          </a:prstGeom>
+        </p:spPr>
+      </p:pic>
+      <p:pic>
+        <p:nvPicPr>
+          <p:cNvPr id="5" name="Picture 4">
+            <a:extLst>
+              <a:ext uri="{FF2B5EF4-FFF2-40B4-BE49-F238E27FC236}">
+                <a16:creationId xmlns:a16="http://schemas.microsoft.com/office/drawing/2014/main" id="{0EDE68E8-8F2F-824B-AB7D-CE36BF0D7A81}"/>
+              </a:ext>
+            </a:extLst>
+          </p:cNvPr>
+          <p:cNvPicPr>
+            <a:picLocks noChangeAspect="1"/>
+          </p:cNvPicPr>
+          <p:nvPr/>
+        </p:nvPicPr>
+        <p:blipFill>
+          <a:blip r:embed="rId4"/>
+          <a:stretch>
+            <a:fillRect/>
+          </a:stretch>
+        </p:blipFill>
+        <p:spPr>
+          <a:xfrm>
+            <a:off x="6069011" y="2329952"/>
+            <a:ext cx="5710538" cy="3835400"/>
+          </a:xfrm>
+          <a:prstGeom prst="rect">
+            <a:avLst/>
+          </a:prstGeom>
+        </p:spPr>
+      </p:pic>
+    </p:spTree>
+    <p:extLst>
+      <p:ext uri="{BB962C8B-B14F-4D97-AF65-F5344CB8AC3E}">
+        <p14:creationId xmlns:p14="http://schemas.microsoft.com/office/powerpoint/2010/main" val="706059320"/>
+      </p:ext>
+    </p:extLst>
+  </p:cSld>
+  <p:clrMapOvr>
+    <a:masterClrMapping/>
+  </p:clrMapOvr>
+</p:sld>
+</file>
+
+<file path=ppt/slides/slide5.xml><?xml version="1.0" encoding="utf-8"?>
+<p:sld xmlns:a="http://schemas.openxmlformats.org/drawingml/2006/main" xmlns:r="http://schemas.openxmlformats.org/officeDocument/2006/relationships" xmlns:p="http://schemas.openxmlformats.org/presentationml/2006/main">
+  <p:cSld>
+    <p:spTree>
+      <p:nvGrpSpPr>
+        <p:cNvPr id="1" name=""/>
+        <p:cNvGrpSpPr/>
+        <p:nvPr/>
+      </p:nvGrpSpPr>
+      <p:grpSpPr>
+        <a:xfrm>
+          <a:off x="0" y="0"/>
+          <a:ext cx="0" cy="0"/>
+          <a:chOff x="0" y="0"/>
+          <a:chExt cx="0" cy="0"/>
+        </a:xfrm>
+      </p:grpSpPr>
+      <p:sp>
+        <p:nvSpPr>
+          <p:cNvPr id="2" name="Title 1">
+            <a:extLst>
+              <a:ext uri="{FF2B5EF4-FFF2-40B4-BE49-F238E27FC236}">
+                <a16:creationId xmlns:a16="http://schemas.microsoft.com/office/drawing/2014/main" id="{B65B1F00-0679-2D48-9D12-5EDEAF84DACC}"/>
+              </a:ext>
+            </a:extLst>
+          </p:cNvPr>
+          <p:cNvSpPr>
+            <a:spLocks noGrp="1"/>
+          </p:cNvSpPr>
+          <p:nvPr>
+            <p:ph type="title"/>
+          </p:nvPr>
+        </p:nvSpPr>
+        <p:spPr>
+          <a:xfrm>
+            <a:off x="646111" y="452718"/>
+            <a:ext cx="11133438" cy="1007114"/>
+          </a:xfrm>
+        </p:spPr>
+        <p:txBody>
+          <a:bodyPr/>
+          <a:lstStyle/>
+          <a:p>
+            <a:r>
+              <a:rPr lang="en-US" dirty="0"/>
+              <a:t>User Experience</a:t>
+            </a:r>
+          </a:p>
+        </p:txBody>
+      </p:sp>
+      <p:sp>
+        <p:nvSpPr>
+          <p:cNvPr id="4" name="Content Placeholder 2">
+            <a:extLst>
+              <a:ext uri="{FF2B5EF4-FFF2-40B4-BE49-F238E27FC236}">
+                <a16:creationId xmlns:a16="http://schemas.microsoft.com/office/drawing/2014/main" id="{0EF9D87C-A0DB-6E49-901B-AAF57185F186}"/>
+              </a:ext>
+            </a:extLst>
+          </p:cNvPr>
+          <p:cNvSpPr>
+            <a:spLocks noGrp="1"/>
+          </p:cNvSpPr>
+          <p:nvPr>
+            <p:ph idx="1"/>
+          </p:nvPr>
+        </p:nvSpPr>
+        <p:spPr>
+          <a:xfrm>
+            <a:off x="646111" y="1604212"/>
+            <a:ext cx="10807952" cy="398760"/>
+          </a:xfrm>
+        </p:spPr>
+        <p:txBody>
+          <a:bodyPr>
+            <a:noAutofit/>
+          </a:bodyPr>
+          <a:lstStyle/>
+          <a:p>
+            <a:pPr marL="0" indent="0">
+              <a:buNone/>
+            </a:pPr>
+            <a:r>
+              <a:rPr lang="en-US" b="1" dirty="0"/>
+              <a:t>Demo - </a:t>
+            </a:r>
+            <a:r>
+              <a:rPr lang="en-US" dirty="0">
+                <a:hlinkClick r:id="rId2"/>
+              </a:rPr>
+              <a:t>https://parent-connections.herokuapp.com/</a:t>
+            </a:r>
+            <a:endParaRPr lang="en-US" dirty="0"/>
+          </a:p>
+          <a:p>
+            <a:pPr marL="0" indent="0">
+              <a:buNone/>
+            </a:pPr>
+            <a:endParaRPr lang="en-US" b="1" dirty="0"/>
+          </a:p>
+        </p:txBody>
+      </p:sp>
+      <p:pic>
+        <p:nvPicPr>
+          <p:cNvPr id="6" name="Picture 5">
+            <a:extLst>
+              <a:ext uri="{FF2B5EF4-FFF2-40B4-BE49-F238E27FC236}">
+                <a16:creationId xmlns:a16="http://schemas.microsoft.com/office/drawing/2014/main" id="{45DC83CD-7EE0-E34E-B251-B9DE106F7B4A}"/>
+              </a:ext>
+            </a:extLst>
+          </p:cNvPr>
+          <p:cNvPicPr>
+            <a:picLocks noChangeAspect="1"/>
+          </p:cNvPicPr>
+          <p:nvPr/>
+        </p:nvPicPr>
+        <p:blipFill>
+          <a:blip r:embed="rId3"/>
+          <a:stretch>
+            <a:fillRect/>
+          </a:stretch>
+        </p:blipFill>
+        <p:spPr>
+          <a:xfrm>
+            <a:off x="388257" y="2159000"/>
+            <a:ext cx="5449889" cy="4246282"/>
+          </a:xfrm>
+          <a:prstGeom prst="rect">
+            <a:avLst/>
+          </a:prstGeom>
+        </p:spPr>
+      </p:pic>
+      <p:pic>
+        <p:nvPicPr>
+          <p:cNvPr id="7" name="Picture 6">
+            <a:extLst>
+              <a:ext uri="{FF2B5EF4-FFF2-40B4-BE49-F238E27FC236}">
+                <a16:creationId xmlns:a16="http://schemas.microsoft.com/office/drawing/2014/main" id="{E9B97CF5-8D99-3A45-AECB-4DF136EFC6AE}"/>
+              </a:ext>
+            </a:extLst>
+          </p:cNvPr>
+          <p:cNvPicPr>
+            <a:picLocks noChangeAspect="1"/>
+          </p:cNvPicPr>
+          <p:nvPr/>
+        </p:nvPicPr>
+        <p:blipFill>
+          <a:blip r:embed="rId4"/>
+          <a:stretch>
+            <a:fillRect/>
+          </a:stretch>
+        </p:blipFill>
+        <p:spPr>
+          <a:xfrm>
+            <a:off x="6096000" y="2159001"/>
+            <a:ext cx="5615917" cy="4246281"/>
+          </a:xfrm>
+          <a:prstGeom prst="rect">
+            <a:avLst/>
+          </a:prstGeom>
+        </p:spPr>
+      </p:pic>
+      <p:sp>
+        <p:nvSpPr>
+          <p:cNvPr id="8" name="TextBox 7">
+            <a:extLst>
+              <a:ext uri="{FF2B5EF4-FFF2-40B4-BE49-F238E27FC236}">
+                <a16:creationId xmlns:a16="http://schemas.microsoft.com/office/drawing/2014/main" id="{ADC35996-54EF-7D45-8510-5604FA28CEBD}"/>
+              </a:ext>
+            </a:extLst>
+          </p:cNvPr>
+          <p:cNvSpPr txBox="1"/>
+          <p:nvPr/>
+        </p:nvSpPr>
+        <p:spPr>
+          <a:xfrm>
+            <a:off x="8001000" y="4180459"/>
+            <a:ext cx="2540000" cy="1107996"/>
+          </a:xfrm>
+          <a:prstGeom prst="rect">
+            <a:avLst/>
+          </a:prstGeom>
+          <a:noFill/>
+        </p:spPr>
+        <p:txBody>
+          <a:bodyPr wrap="square" rtlCol="0">
+            <a:spAutoFit/>
+          </a:bodyPr>
+          <a:lstStyle/>
+          <a:p>
+            <a:r>
+              <a:rPr lang="en-US" dirty="0">
+                <a:solidFill>
+                  <a:srgbClr val="002060"/>
+                </a:solidFill>
+                <a:hlinkClick r:id="rId5"/>
+              </a:rPr>
+              <a:t>nina@email.com</a:t>
+            </a:r>
+            <a:endParaRPr lang="en-US" dirty="0">
+              <a:solidFill>
+                <a:srgbClr val="002060"/>
+              </a:solidFill>
+            </a:endParaRPr>
+          </a:p>
+          <a:p>
+            <a:endParaRPr lang="en-US" dirty="0">
+              <a:solidFill>
+                <a:srgbClr val="002060"/>
+              </a:solidFill>
+            </a:endParaRPr>
+          </a:p>
+          <a:p>
+            <a:endParaRPr lang="en-US" sz="1200" dirty="0">
+              <a:solidFill>
+                <a:srgbClr val="002060"/>
+              </a:solidFill>
+            </a:endParaRPr>
+          </a:p>
+          <a:p>
+            <a:r>
+              <a:rPr lang="en-US" dirty="0">
+                <a:solidFill>
+                  <a:srgbClr val="002060"/>
+                </a:solidFill>
+              </a:rPr>
+              <a:t>password</a:t>
+            </a:r>
+          </a:p>
+        </p:txBody>
+      </p:sp>
+      <p:sp>
+        <p:nvSpPr>
+          <p:cNvPr id="9" name="TextBox 8">
+            <a:extLst>
+              <a:ext uri="{FF2B5EF4-FFF2-40B4-BE49-F238E27FC236}">
+                <a16:creationId xmlns:a16="http://schemas.microsoft.com/office/drawing/2014/main" id="{2D27326A-FB34-3447-94AE-D62010C2AA93}"/>
+              </a:ext>
+            </a:extLst>
+          </p:cNvPr>
+          <p:cNvSpPr txBox="1"/>
+          <p:nvPr/>
+        </p:nvSpPr>
+        <p:spPr>
+          <a:xfrm>
+            <a:off x="6198587" y="4088126"/>
+            <a:ext cx="849913" cy="646331"/>
+          </a:xfrm>
+          <a:prstGeom prst="rect">
+            <a:avLst/>
+          </a:prstGeom>
+          <a:noFill/>
+        </p:spPr>
+        <p:txBody>
+          <a:bodyPr wrap="none" rtlCol="0">
+            <a:spAutoFit/>
+          </a:bodyPr>
+          <a:lstStyle/>
+          <a:p>
+            <a:r>
+              <a:rPr lang="en-US" dirty="0">
+                <a:solidFill>
+                  <a:srgbClr val="002060"/>
+                </a:solidFill>
+              </a:rPr>
+              <a:t>Test </a:t>
+            </a:r>
+          </a:p>
+          <a:p>
+            <a:r>
+              <a:rPr lang="en-US" dirty="0">
+                <a:solidFill>
+                  <a:srgbClr val="002060"/>
+                </a:solidFill>
+              </a:rPr>
+              <a:t>Login:</a:t>
+            </a:r>
+          </a:p>
+        </p:txBody>
+      </p:sp>
+    </p:spTree>
+    <p:extLst>
+      <p:ext uri="{BB962C8B-B14F-4D97-AF65-F5344CB8AC3E}">
+        <p14:creationId xmlns:p14="http://schemas.microsoft.com/office/powerpoint/2010/main" val="3535438332"/>
+      </p:ext>
+    </p:extLst>
+  </p:cSld>
+  <p:clrMapOvr>
+    <a:masterClrMapping/>
+  </p:clrMapOvr>
+</p:sld>
+</file>
+
+<file path=ppt/slides/slide6.xml><?xml version="1.0" encoding="utf-8"?>
+<p:sld xmlns:a="http://schemas.openxmlformats.org/drawingml/2006/main" xmlns:r="http://schemas.openxmlformats.org/officeDocument/2006/relationships" xmlns:p="http://schemas.openxmlformats.org/presentationml/2006/main">
+  <p:cSld>
+    <p:spTree>
+      <p:nvGrpSpPr>
+        <p:cNvPr id="1" name=""/>
+        <p:cNvGrpSpPr/>
+        <p:nvPr/>
+      </p:nvGrpSpPr>
+      <p:grpSpPr>
+        <a:xfrm>
+          <a:off x="0" y="0"/>
+          <a:ext cx="0" cy="0"/>
+          <a:chOff x="0" y="0"/>
+          <a:chExt cx="0" cy="0"/>
+        </a:xfrm>
+      </p:grpSpPr>
+      <p:sp>
+        <p:nvSpPr>
+          <p:cNvPr id="2" name="Title 1">
+            <a:extLst>
+              <a:ext uri="{FF2B5EF4-FFF2-40B4-BE49-F238E27FC236}">
+                <a16:creationId xmlns:a16="http://schemas.microsoft.com/office/drawing/2014/main" id="{B65B1F00-0679-2D48-9D12-5EDEAF84DACC}"/>
+              </a:ext>
+            </a:extLst>
+          </p:cNvPr>
+          <p:cNvSpPr>
+            <a:spLocks noGrp="1"/>
+          </p:cNvSpPr>
+          <p:nvPr>
+            <p:ph type="title"/>
+          </p:nvPr>
+        </p:nvSpPr>
+        <p:spPr>
+          <a:xfrm>
+            <a:off x="646111" y="452718"/>
+            <a:ext cx="11133438" cy="1007114"/>
+          </a:xfrm>
+        </p:spPr>
+        <p:txBody>
+          <a:bodyPr/>
+          <a:lstStyle/>
+          <a:p>
+            <a:r>
+              <a:rPr lang="en-US" dirty="0"/>
+              <a:t>User Experience</a:t>
+            </a:r>
+          </a:p>
+        </p:txBody>
+      </p:sp>
+      <p:sp>
+        <p:nvSpPr>
+          <p:cNvPr id="4" name="Content Placeholder 2">
+            <a:extLst>
+              <a:ext uri="{FF2B5EF4-FFF2-40B4-BE49-F238E27FC236}">
+                <a16:creationId xmlns:a16="http://schemas.microsoft.com/office/drawing/2014/main" id="{0EF9D87C-A0DB-6E49-901B-AAF57185F186}"/>
+              </a:ext>
+            </a:extLst>
+          </p:cNvPr>
+          <p:cNvSpPr>
+            <a:spLocks noGrp="1"/>
+          </p:cNvSpPr>
+          <p:nvPr>
+            <p:ph idx="1"/>
+          </p:nvPr>
+        </p:nvSpPr>
+        <p:spPr>
+          <a:xfrm>
+            <a:off x="646111" y="1604212"/>
+            <a:ext cx="10807952" cy="398760"/>
+          </a:xfrm>
+        </p:spPr>
+        <p:txBody>
+          <a:bodyPr>
+            <a:noAutofit/>
+          </a:bodyPr>
+          <a:lstStyle/>
+          <a:p>
+            <a:pPr marL="0" indent="0">
+              <a:buNone/>
+            </a:pPr>
+            <a:r>
+              <a:rPr lang="en-US" b="1" dirty="0"/>
+              <a:t>Demo - </a:t>
+            </a:r>
+            <a:r>
+              <a:rPr lang="en-US" dirty="0">
+                <a:hlinkClick r:id="rId2"/>
+              </a:rPr>
+              <a:t>https://parent-connections.herokuapp.com/</a:t>
+            </a:r>
+            <a:endParaRPr lang="en-US" dirty="0"/>
+          </a:p>
+          <a:p>
+            <a:pPr marL="0" indent="0">
+              <a:buNone/>
+            </a:pPr>
+            <a:endParaRPr lang="en-US" b="1" dirty="0"/>
+          </a:p>
+        </p:txBody>
+      </p:sp>
+      <p:pic>
+        <p:nvPicPr>
+          <p:cNvPr id="3" name="Picture 2">
+            <a:extLst>
+              <a:ext uri="{FF2B5EF4-FFF2-40B4-BE49-F238E27FC236}">
+                <a16:creationId xmlns:a16="http://schemas.microsoft.com/office/drawing/2014/main" id="{7D4F4FDD-1AD7-4E43-8DE4-93E0A80954DE}"/>
+              </a:ext>
+            </a:extLst>
+          </p:cNvPr>
+          <p:cNvPicPr>
+            <a:picLocks noChangeAspect="1"/>
+          </p:cNvPicPr>
+          <p:nvPr/>
+        </p:nvPicPr>
+        <p:blipFill>
+          <a:blip r:embed="rId3"/>
+          <a:stretch>
+            <a:fillRect/>
+          </a:stretch>
+        </p:blipFill>
+        <p:spPr>
+          <a:xfrm>
+            <a:off x="406629" y="2179983"/>
+            <a:ext cx="5449889" cy="4416760"/>
+          </a:xfrm>
+          <a:prstGeom prst="rect">
+            <a:avLst/>
+          </a:prstGeom>
+        </p:spPr>
+      </p:pic>
+      <p:pic>
+        <p:nvPicPr>
+          <p:cNvPr id="5" name="Picture 4">
+            <a:extLst>
+              <a:ext uri="{FF2B5EF4-FFF2-40B4-BE49-F238E27FC236}">
+                <a16:creationId xmlns:a16="http://schemas.microsoft.com/office/drawing/2014/main" id="{8488F98A-7404-2746-9B63-D254FCCC4711}"/>
+              </a:ext>
+            </a:extLst>
+          </p:cNvPr>
+          <p:cNvPicPr>
+            <a:picLocks noChangeAspect="1"/>
+          </p:cNvPicPr>
+          <p:nvPr/>
+        </p:nvPicPr>
+        <p:blipFill>
+          <a:blip r:embed="rId4"/>
+          <a:stretch>
+            <a:fillRect/>
+          </a:stretch>
+        </p:blipFill>
+        <p:spPr>
+          <a:xfrm>
+            <a:off x="6109906" y="2201756"/>
+            <a:ext cx="5669643" cy="4225298"/>
+          </a:xfrm>
+          <a:prstGeom prst="rect">
+            <a:avLst/>
+          </a:prstGeom>
+        </p:spPr>
+      </p:pic>
+    </p:spTree>
+    <p:extLst>
+      <p:ext uri="{BB962C8B-B14F-4D97-AF65-F5344CB8AC3E}">
+        <p14:creationId xmlns:p14="http://schemas.microsoft.com/office/powerpoint/2010/main" val="2436684798"/>
+      </p:ext>
+    </p:extLst>
+  </p:cSld>
+  <p:clrMapOvr>
+    <a:masterClrMapping/>
+  </p:clrMapOvr>
+</p:sld>
+</file>
+
+<file path=ppt/slides/slide7.xml><?xml version="1.0" encoding="utf-8"?>
+<p:sld xmlns:a="http://schemas.openxmlformats.org/drawingml/2006/main" xmlns:r="http://schemas.openxmlformats.org/officeDocument/2006/relationships" xmlns:p="http://schemas.openxmlformats.org/presentationml/2006/main">
+  <p:cSld>
+    <p:spTree>
+      <p:nvGrpSpPr>
+        <p:cNvPr id="1" name=""/>
+        <p:cNvGrpSpPr/>
+        <p:nvPr/>
+      </p:nvGrpSpPr>
+      <p:grpSpPr>
+        <a:xfrm>
+          <a:off x="0" y="0"/>
+          <a:ext cx="0" cy="0"/>
+          <a:chOff x="0" y="0"/>
+          <a:chExt cx="0" cy="0"/>
+        </a:xfrm>
+      </p:grpSpPr>
+      <p:sp>
+        <p:nvSpPr>
+          <p:cNvPr id="2" name="Title 1">
+            <a:extLst>
+              <a:ext uri="{FF2B5EF4-FFF2-40B4-BE49-F238E27FC236}">
+                <a16:creationId xmlns:a16="http://schemas.microsoft.com/office/drawing/2014/main" id="{B65B1F00-0679-2D48-9D12-5EDEAF84DACC}"/>
+              </a:ext>
+            </a:extLst>
+          </p:cNvPr>
+          <p:cNvSpPr>
+            <a:spLocks noGrp="1"/>
+          </p:cNvSpPr>
+          <p:nvPr>
+            <p:ph type="title"/>
+          </p:nvPr>
+        </p:nvSpPr>
+        <p:spPr>
+          <a:xfrm>
+            <a:off x="646111" y="452718"/>
+            <a:ext cx="11133438" cy="1007114"/>
+          </a:xfrm>
+        </p:spPr>
+        <p:txBody>
+          <a:bodyPr/>
+          <a:lstStyle/>
+          <a:p>
+            <a:r>
+              <a:rPr lang="en-US" dirty="0"/>
+              <a:t>User Experience</a:t>
+            </a:r>
+          </a:p>
+        </p:txBody>
+      </p:sp>
+      <p:sp>
+        <p:nvSpPr>
+          <p:cNvPr id="4" name="Content Placeholder 2">
+            <a:extLst>
+              <a:ext uri="{FF2B5EF4-FFF2-40B4-BE49-F238E27FC236}">
+                <a16:creationId xmlns:a16="http://schemas.microsoft.com/office/drawing/2014/main" id="{0EF9D87C-A0DB-6E49-901B-AAF57185F186}"/>
+              </a:ext>
+            </a:extLst>
+          </p:cNvPr>
+          <p:cNvSpPr>
+            <a:spLocks noGrp="1"/>
+          </p:cNvSpPr>
+          <p:nvPr>
+            <p:ph idx="1"/>
+          </p:nvPr>
+        </p:nvSpPr>
+        <p:spPr>
+          <a:xfrm>
+            <a:off x="646111" y="1604212"/>
+            <a:ext cx="10807952" cy="398760"/>
+          </a:xfrm>
+        </p:spPr>
+        <p:txBody>
+          <a:bodyPr>
+            <a:noAutofit/>
+          </a:bodyPr>
+          <a:lstStyle/>
+          <a:p>
+            <a:pPr marL="0" indent="0">
+              <a:buNone/>
+            </a:pPr>
+            <a:r>
+              <a:rPr lang="en-US" b="1" dirty="0"/>
+              <a:t>Demo - </a:t>
+            </a:r>
+            <a:r>
+              <a:rPr lang="en-US" dirty="0">
+                <a:hlinkClick r:id="rId2"/>
+              </a:rPr>
+              <a:t>https://parent-connections.herokuapp.com/</a:t>
+            </a:r>
+            <a:endParaRPr lang="en-US" dirty="0"/>
+          </a:p>
+          <a:p>
+            <a:pPr marL="0" indent="0">
+              <a:buNone/>
+            </a:pPr>
+            <a:endParaRPr lang="en-US" b="1" dirty="0"/>
+          </a:p>
+        </p:txBody>
+      </p:sp>
+      <p:pic>
+        <p:nvPicPr>
+          <p:cNvPr id="6" name="Picture 5">
+            <a:extLst>
+              <a:ext uri="{FF2B5EF4-FFF2-40B4-BE49-F238E27FC236}">
+                <a16:creationId xmlns:a16="http://schemas.microsoft.com/office/drawing/2014/main" id="{B1F42634-0A7B-8448-8ECF-4E1C13967CCA}"/>
+              </a:ext>
+            </a:extLst>
+          </p:cNvPr>
+          <p:cNvPicPr>
+            <a:picLocks noChangeAspect="1"/>
+          </p:cNvPicPr>
+          <p:nvPr/>
+        </p:nvPicPr>
+        <p:blipFill>
+          <a:blip r:embed="rId3"/>
+          <a:stretch>
+            <a:fillRect/>
+          </a:stretch>
+        </p:blipFill>
+        <p:spPr>
+          <a:xfrm>
+            <a:off x="2438400" y="2147352"/>
+            <a:ext cx="7391399" cy="4478420"/>
+          </a:xfrm>
+          <a:prstGeom prst="rect">
+            <a:avLst/>
+          </a:prstGeom>
+        </p:spPr>
+      </p:pic>
+    </p:spTree>
+    <p:extLst>
+      <p:ext uri="{BB962C8B-B14F-4D97-AF65-F5344CB8AC3E}">
+        <p14:creationId xmlns:p14="http://schemas.microsoft.com/office/powerpoint/2010/main" val="1618465085"/>
+      </p:ext>
+    </p:extLst>
+  </p:cSld>
+  <p:clrMapOvr>
+    <a:masterClrMapping/>
+  </p:clrMapOvr>
+</p:sld>
+</file>
+
+<file path=ppt/slides/slide8.xml><?xml version="1.0" encoding="utf-8"?>
+<p:sld xmlns:a="http://schemas.openxmlformats.org/drawingml/2006/main" xmlns:r="http://schemas.openxmlformats.org/officeDocument/2006/relationships" xmlns:p="http://schemas.openxmlformats.org/presentationml/2006/main">
+  <p:cSld>
+    <p:spTree>
+      <p:nvGrpSpPr>
+        <p:cNvPr id="1" name=""/>
+        <p:cNvGrpSpPr/>
+        <p:nvPr/>
+      </p:nvGrpSpPr>
+      <p:grpSpPr>
+        <a:xfrm>
+          <a:off x="0" y="0"/>
+          <a:ext cx="0" cy="0"/>
+          <a:chOff x="0" y="0"/>
+          <a:chExt cx="0" cy="0"/>
+        </a:xfrm>
+      </p:grpSpPr>
+      <p:sp>
+        <p:nvSpPr>
+          <p:cNvPr id="2" name="Title 1">
+            <a:extLst>
+              <a:ext uri="{FF2B5EF4-FFF2-40B4-BE49-F238E27FC236}">
+                <a16:creationId xmlns:a16="http://schemas.microsoft.com/office/drawing/2014/main" id="{B65B1F00-0679-2D48-9D12-5EDEAF84DACC}"/>
+              </a:ext>
+            </a:extLst>
+          </p:cNvPr>
+          <p:cNvSpPr>
+            <a:spLocks noGrp="1"/>
+          </p:cNvSpPr>
+          <p:nvPr>
+            <p:ph type="title"/>
+          </p:nvPr>
+        </p:nvSpPr>
+        <p:spPr>
+          <a:xfrm>
+            <a:off x="646111" y="452718"/>
+            <a:ext cx="11133438" cy="1007114"/>
+          </a:xfrm>
+        </p:spPr>
+        <p:txBody>
+          <a:bodyPr/>
+          <a:lstStyle/>
+          <a:p>
+            <a:r>
+              <a:rPr lang="en-US" dirty="0"/>
+              <a:t>Technologies Used</a:t>
+            </a:r>
+          </a:p>
+        </p:txBody>
+      </p:sp>
+      <p:sp>
+        <p:nvSpPr>
+          <p:cNvPr id="4" name="Content Placeholder 2">
+            <a:extLst>
+              <a:ext uri="{FF2B5EF4-FFF2-40B4-BE49-F238E27FC236}">
+                <a16:creationId xmlns:a16="http://schemas.microsoft.com/office/drawing/2014/main" id="{0EF9D87C-A0DB-6E49-901B-AAF57185F186}"/>
+              </a:ext>
+            </a:extLst>
+          </p:cNvPr>
+          <p:cNvSpPr>
+            <a:spLocks noGrp="1"/>
+          </p:cNvSpPr>
+          <p:nvPr>
+            <p:ph idx="1"/>
+          </p:nvPr>
+        </p:nvSpPr>
+        <p:spPr>
+          <a:xfrm>
+            <a:off x="646111" y="1604212"/>
+            <a:ext cx="10807952" cy="398760"/>
+          </a:xfrm>
+        </p:spPr>
+        <p:txBody>
+          <a:bodyPr>
+            <a:noAutofit/>
+          </a:bodyPr>
+          <a:lstStyle/>
+          <a:p>
+            <a:pPr marL="0" indent="0">
+              <a:buNone/>
+            </a:pPr>
+            <a:r>
+              <a:rPr lang="en-US" b="1" dirty="0"/>
+              <a:t>Demo - </a:t>
+            </a:r>
+            <a:r>
+              <a:rPr lang="en-US" dirty="0">
+                <a:hlinkClick r:id="rId2"/>
+              </a:rPr>
+              <a:t>https://parent-connections.herokuapp.com/</a:t>
+            </a:r>
+            <a:endParaRPr lang="en-US" dirty="0"/>
+          </a:p>
+          <a:p>
+            <a:pPr marL="0" indent="0">
+              <a:buNone/>
+            </a:pPr>
+            <a:endParaRPr lang="en-US" b="1" dirty="0"/>
+          </a:p>
+        </p:txBody>
+      </p:sp>
+      <p:sp>
+        <p:nvSpPr>
+          <p:cNvPr id="3" name="Rounded Rectangle 2">
+            <a:extLst>
+              <a:ext uri="{FF2B5EF4-FFF2-40B4-BE49-F238E27FC236}">
+                <a16:creationId xmlns:a16="http://schemas.microsoft.com/office/drawing/2014/main" id="{838AB900-D396-5A40-AF05-CD4C80B1C149}"/>
+              </a:ext>
+            </a:extLst>
+          </p:cNvPr>
+          <p:cNvSpPr/>
+          <p:nvPr/>
+        </p:nvSpPr>
+        <p:spPr>
+          <a:xfrm>
+            <a:off x="2528781" y="2206172"/>
+            <a:ext cx="2298700" cy="698500"/>
+          </a:xfrm>
+          <a:prstGeom prst="roundRect">
+            <a:avLst/>
+          </a:prstGeom>
+          <a:solidFill>
+            <a:schemeClr val="bg2">
+              <a:lumMod val="60000"/>
+              <a:lumOff val="40000"/>
+            </a:schemeClr>
+          </a:solidFill>
+        </p:spPr>
+        <p:style>
+          <a:lnRef idx="2">
+            <a:schemeClr val="accent1">
+              <a:shade val="50000"/>
+            </a:schemeClr>
+          </a:lnRef>
+          <a:fillRef idx="1">
+            <a:schemeClr val="accent1"/>
+          </a:fillRef>
+          <a:effectRef idx="0">
+            <a:schemeClr val="accent1"/>
+          </a:effectRef>
+          <a:fontRef idx="minor">
+            <a:schemeClr val="lt1"/>
+          </a:fontRef>
+        </p:style>
+        <p:txBody>
+          <a:bodyPr rtlCol="0" anchor="ctr"/>
+          <a:lstStyle/>
+          <a:p>
+            <a:pPr algn="ctr"/>
+            <a:r>
+              <a:rPr lang="en-US" sz="2000" b="1" dirty="0"/>
+              <a:t>Backend</a:t>
+            </a:r>
+          </a:p>
+        </p:txBody>
+      </p:sp>
+      <p:sp>
+        <p:nvSpPr>
+          <p:cNvPr id="7" name="Rounded Rectangle 6">
+            <a:extLst>
+              <a:ext uri="{FF2B5EF4-FFF2-40B4-BE49-F238E27FC236}">
+                <a16:creationId xmlns:a16="http://schemas.microsoft.com/office/drawing/2014/main" id="{DE1C43EE-45B7-424C-ACBA-8470BE896139}"/>
+              </a:ext>
+            </a:extLst>
+          </p:cNvPr>
+          <p:cNvSpPr/>
+          <p:nvPr/>
+        </p:nvSpPr>
+        <p:spPr>
+          <a:xfrm>
+            <a:off x="8168630" y="2287270"/>
+            <a:ext cx="2298700" cy="698500"/>
+          </a:xfrm>
+          <a:prstGeom prst="roundRect">
+            <a:avLst/>
+          </a:prstGeom>
+          <a:solidFill>
+            <a:schemeClr val="bg2">
+              <a:lumMod val="60000"/>
+              <a:lumOff val="40000"/>
+            </a:schemeClr>
+          </a:solidFill>
+        </p:spPr>
+        <p:style>
+          <a:lnRef idx="2">
+            <a:schemeClr val="accent1">
+              <a:shade val="50000"/>
+            </a:schemeClr>
+          </a:lnRef>
+          <a:fillRef idx="1">
+            <a:schemeClr val="accent1"/>
+          </a:fillRef>
+          <a:effectRef idx="0">
+            <a:schemeClr val="accent1"/>
+          </a:effectRef>
+          <a:fontRef idx="minor">
+            <a:schemeClr val="lt1"/>
+          </a:fontRef>
+        </p:style>
+        <p:txBody>
+          <a:bodyPr rtlCol="0" anchor="ctr"/>
+          <a:lstStyle/>
+          <a:p>
+            <a:pPr algn="ctr"/>
+            <a:r>
+              <a:rPr lang="en-US" sz="2000" b="1" dirty="0"/>
+              <a:t>Frontend</a:t>
+            </a:r>
+          </a:p>
+        </p:txBody>
+      </p:sp>
+      <p:pic>
+        <p:nvPicPr>
+          <p:cNvPr id="5" name="Picture 4">
+            <a:extLst>
+              <a:ext uri="{FF2B5EF4-FFF2-40B4-BE49-F238E27FC236}">
+                <a16:creationId xmlns:a16="http://schemas.microsoft.com/office/drawing/2014/main" id="{8417BE23-D0FA-C046-95F4-84B07C45CEA3}"/>
+              </a:ext>
+            </a:extLst>
+          </p:cNvPr>
+          <p:cNvPicPr>
+            <a:picLocks noChangeAspect="1"/>
+          </p:cNvPicPr>
+          <p:nvPr/>
+        </p:nvPicPr>
+        <p:blipFill>
+          <a:blip r:embed="rId3"/>
+          <a:stretch>
+            <a:fillRect/>
+          </a:stretch>
+        </p:blipFill>
+        <p:spPr>
+          <a:xfrm>
+            <a:off x="206549" y="3044370"/>
+            <a:ext cx="2959100" cy="1705429"/>
+          </a:xfrm>
+          <a:prstGeom prst="rect">
+            <a:avLst/>
+          </a:prstGeom>
+          <a:effectLst>
+            <a:softEdge rad="76200"/>
+          </a:effectLst>
+        </p:spPr>
+      </p:pic>
+      <p:pic>
+        <p:nvPicPr>
+          <p:cNvPr id="9" name="Picture 8">
+            <a:extLst>
+              <a:ext uri="{FF2B5EF4-FFF2-40B4-BE49-F238E27FC236}">
+                <a16:creationId xmlns:a16="http://schemas.microsoft.com/office/drawing/2014/main" id="{822E183E-6E41-1D4D-9488-C9F4E550AF80}"/>
+              </a:ext>
+            </a:extLst>
+          </p:cNvPr>
+          <p:cNvPicPr>
+            <a:picLocks noChangeAspect="1"/>
+          </p:cNvPicPr>
+          <p:nvPr/>
+        </p:nvPicPr>
+        <p:blipFill>
+          <a:blip r:embed="rId4"/>
+          <a:stretch>
+            <a:fillRect/>
+          </a:stretch>
+        </p:blipFill>
+        <p:spPr>
+          <a:xfrm>
+            <a:off x="2091293" y="5115196"/>
+            <a:ext cx="2861707" cy="1152945"/>
+          </a:xfrm>
+          <a:prstGeom prst="rect">
+            <a:avLst/>
+          </a:prstGeom>
+          <a:effectLst>
+            <a:softEdge rad="76200"/>
+          </a:effectLst>
+        </p:spPr>
+      </p:pic>
+      <p:pic>
+        <p:nvPicPr>
+          <p:cNvPr id="10" name="Picture 9">
+            <a:extLst>
+              <a:ext uri="{FF2B5EF4-FFF2-40B4-BE49-F238E27FC236}">
+                <a16:creationId xmlns:a16="http://schemas.microsoft.com/office/drawing/2014/main" id="{A570191F-420E-7441-9696-EC4F48FCECEA}"/>
+              </a:ext>
+            </a:extLst>
+          </p:cNvPr>
+          <p:cNvPicPr>
+            <a:picLocks noChangeAspect="1"/>
+          </p:cNvPicPr>
+          <p:nvPr/>
+        </p:nvPicPr>
+        <p:blipFill>
+          <a:blip r:embed="rId5"/>
+          <a:stretch>
+            <a:fillRect/>
+          </a:stretch>
+        </p:blipFill>
+        <p:spPr>
+          <a:xfrm>
+            <a:off x="7031982" y="3270067"/>
+            <a:ext cx="2076448" cy="1479731"/>
+          </a:xfrm>
+          <a:prstGeom prst="rect">
+            <a:avLst/>
+          </a:prstGeom>
+          <a:effectLst>
+            <a:softEdge rad="76200"/>
+          </a:effectLst>
+        </p:spPr>
+      </p:pic>
+      <p:pic>
+        <p:nvPicPr>
+          <p:cNvPr id="11" name="Picture 10">
+            <a:extLst>
+              <a:ext uri="{FF2B5EF4-FFF2-40B4-BE49-F238E27FC236}">
+                <a16:creationId xmlns:a16="http://schemas.microsoft.com/office/drawing/2014/main" id="{F7A1F028-C571-4E4D-A263-E2C37115FA35}"/>
+              </a:ext>
+            </a:extLst>
+          </p:cNvPr>
+          <p:cNvPicPr>
+            <a:picLocks noChangeAspect="1"/>
+          </p:cNvPicPr>
+          <p:nvPr/>
+        </p:nvPicPr>
+        <p:blipFill>
+          <a:blip r:embed="rId6"/>
+          <a:stretch>
+            <a:fillRect/>
+          </a:stretch>
+        </p:blipFill>
+        <p:spPr>
+          <a:xfrm>
+            <a:off x="9317980" y="3270067"/>
+            <a:ext cx="2222500" cy="1422400"/>
+          </a:xfrm>
+          <a:prstGeom prst="rect">
+            <a:avLst/>
+          </a:prstGeom>
+          <a:effectLst>
+            <a:softEdge rad="76200"/>
+          </a:effectLst>
+        </p:spPr>
+      </p:pic>
+      <p:pic>
+        <p:nvPicPr>
+          <p:cNvPr id="13" name="Picture 12">
+            <a:extLst>
+              <a:ext uri="{FF2B5EF4-FFF2-40B4-BE49-F238E27FC236}">
+                <a16:creationId xmlns:a16="http://schemas.microsoft.com/office/drawing/2014/main" id="{75C67BD7-7F95-AD45-A453-ACBE50E3A1EA}"/>
+              </a:ext>
+            </a:extLst>
+          </p:cNvPr>
+          <p:cNvPicPr>
+            <a:picLocks noChangeAspect="1"/>
+          </p:cNvPicPr>
+          <p:nvPr/>
+        </p:nvPicPr>
+        <p:blipFill>
+          <a:blip r:embed="rId7"/>
+          <a:stretch>
+            <a:fillRect/>
+          </a:stretch>
+        </p:blipFill>
+        <p:spPr>
+          <a:xfrm>
+            <a:off x="8983960" y="5034095"/>
+            <a:ext cx="1422400" cy="1422400"/>
+          </a:xfrm>
+          <a:prstGeom prst="rect">
+            <a:avLst/>
+          </a:prstGeom>
+          <a:effectLst>
+            <a:softEdge rad="76200"/>
+          </a:effectLst>
+        </p:spPr>
+      </p:pic>
+      <p:pic>
+        <p:nvPicPr>
+          <p:cNvPr id="14" name="Picture 13">
+            <a:extLst>
+              <a:ext uri="{FF2B5EF4-FFF2-40B4-BE49-F238E27FC236}">
+                <a16:creationId xmlns:a16="http://schemas.microsoft.com/office/drawing/2014/main" id="{075DDE07-F1AA-5643-953F-C5BC0A66602D}"/>
+              </a:ext>
+            </a:extLst>
+          </p:cNvPr>
+          <p:cNvPicPr>
+            <a:picLocks noChangeAspect="1"/>
+          </p:cNvPicPr>
+          <p:nvPr/>
+        </p:nvPicPr>
+        <p:blipFill>
+          <a:blip r:embed="rId8"/>
+          <a:stretch>
+            <a:fillRect/>
+          </a:stretch>
+        </p:blipFill>
+        <p:spPr>
+          <a:xfrm>
+            <a:off x="5918200" y="5696063"/>
+            <a:ext cx="1869432" cy="787400"/>
+          </a:xfrm>
+          <a:prstGeom prst="rect">
+            <a:avLst/>
+          </a:prstGeom>
+          <a:effectLst>
+            <a:softEdge rad="76200"/>
+          </a:effectLst>
+        </p:spPr>
+      </p:pic>
+      <p:pic>
+        <p:nvPicPr>
+          <p:cNvPr id="15" name="Picture 14">
+            <a:extLst>
+              <a:ext uri="{FF2B5EF4-FFF2-40B4-BE49-F238E27FC236}">
+                <a16:creationId xmlns:a16="http://schemas.microsoft.com/office/drawing/2014/main" id="{7CD708FD-102C-564A-910A-F3122053F740}"/>
+              </a:ext>
+            </a:extLst>
+          </p:cNvPr>
+          <p:cNvPicPr>
+            <a:picLocks noChangeAspect="1"/>
+          </p:cNvPicPr>
+          <p:nvPr/>
+        </p:nvPicPr>
+        <p:blipFill>
+          <a:blip r:embed="rId9"/>
+          <a:stretch>
+            <a:fillRect/>
+          </a:stretch>
+        </p:blipFill>
+        <p:spPr>
+          <a:xfrm>
+            <a:off x="3522146" y="3534229"/>
+            <a:ext cx="2861706" cy="787400"/>
+          </a:xfrm>
+          <a:prstGeom prst="rect">
+            <a:avLst/>
+          </a:prstGeom>
+          <a:effectLst>
+            <a:softEdge rad="76200"/>
+          </a:effectLst>
+        </p:spPr>
+      </p:pic>
+    </p:spTree>
+    <p:extLst>
+      <p:ext uri="{BB962C8B-B14F-4D97-AF65-F5344CB8AC3E}">
+        <p14:creationId xmlns:p14="http://schemas.microsoft.com/office/powerpoint/2010/main" val="3099758073"/>
+      </p:ext>
+    </p:extLst>
+  </p:cSld>
+  <p:clrMapOvr>
+    <a:masterClrMapping/>
+  </p:clrMapOvr>
+</p:sld>
+</file>
+
+<file path=ppt/slides/slide9.xml><?xml version="1.0" encoding="utf-8"?>
+<p:sld xmlns:a="http://schemas.openxmlformats.org/drawingml/2006/main" xmlns:r="http://schemas.openxmlformats.org/officeDocument/2006/relationships" xmlns:p="http://schemas.openxmlformats.org/presentationml/2006/main">
+  <p:cSld>
+    <p:spTree>
+      <p:nvGrpSpPr>
+        <p:cNvPr id="1" name=""/>
+        <p:cNvGrpSpPr/>
+        <p:nvPr/>
+      </p:nvGrpSpPr>
+      <p:grpSpPr>
+        <a:xfrm>
+          <a:off x="0" y="0"/>
+          <a:ext cx="0" cy="0"/>
+          <a:chOff x="0" y="0"/>
+          <a:chExt cx="0" cy="0"/>
+        </a:xfrm>
+      </p:grpSpPr>
+      <p:sp>
+        <p:nvSpPr>
+          <p:cNvPr id="2" name="Title 1">
+            <a:extLst>
+              <a:ext uri="{FF2B5EF4-FFF2-40B4-BE49-F238E27FC236}">
+                <a16:creationId xmlns:a16="http://schemas.microsoft.com/office/drawing/2014/main" id="{B65B1F00-0679-2D48-9D12-5EDEAF84DACC}"/>
+              </a:ext>
+            </a:extLst>
+          </p:cNvPr>
+          <p:cNvSpPr>
+            <a:spLocks noGrp="1"/>
+          </p:cNvSpPr>
+          <p:nvPr>
+            <p:ph type="title"/>
+          </p:nvPr>
+        </p:nvSpPr>
+        <p:spPr>
+          <a:xfrm>
+            <a:off x="646111" y="452718"/>
+            <a:ext cx="11133438" cy="1007114"/>
+          </a:xfrm>
+        </p:spPr>
+        <p:txBody>
+          <a:bodyPr/>
+          <a:lstStyle/>
+          <a:p>
+            <a:r>
+              <a:rPr lang="en-US" dirty="0"/>
+              <a:t>Challenges</a:t>
+            </a:r>
+          </a:p>
+        </p:txBody>
+      </p:sp>
+      <p:sp>
+        <p:nvSpPr>
+          <p:cNvPr id="4" name="Content Placeholder 2">
+            <a:extLst>
+              <a:ext uri="{FF2B5EF4-FFF2-40B4-BE49-F238E27FC236}">
+                <a16:creationId xmlns:a16="http://schemas.microsoft.com/office/drawing/2014/main" id="{0EF9D87C-A0DB-6E49-901B-AAF57185F186}"/>
+              </a:ext>
+            </a:extLst>
+          </p:cNvPr>
+          <p:cNvSpPr>
+            <a:spLocks noGrp="1"/>
+          </p:cNvSpPr>
+          <p:nvPr>
+            <p:ph idx="1"/>
+          </p:nvPr>
+        </p:nvSpPr>
+        <p:spPr>
+          <a:xfrm>
+            <a:off x="646111" y="1604212"/>
+            <a:ext cx="10807952" cy="398760"/>
+          </a:xfrm>
+        </p:spPr>
+        <p:txBody>
+          <a:bodyPr>
+            <a:noAutofit/>
+          </a:bodyPr>
+          <a:lstStyle/>
+          <a:p>
+            <a:pPr marL="0" indent="0">
+              <a:buNone/>
+            </a:pPr>
+            <a:r>
+              <a:rPr lang="en-US" b="1" dirty="0"/>
+              <a:t>Demo - </a:t>
+            </a:r>
+            <a:r>
+              <a:rPr lang="en-US" dirty="0">
+                <a:hlinkClick r:id="rId2"/>
+              </a:rPr>
+              <a:t>https://parent-connections.herokuapp.com/</a:t>
+            </a:r>
+            <a:endParaRPr lang="en-US" dirty="0"/>
+          </a:p>
+          <a:p>
+            <a:pPr marL="0" indent="0">
+              <a:buNone/>
+            </a:pPr>
+            <a:endParaRPr lang="en-US" b="1" dirty="0"/>
+          </a:p>
+        </p:txBody>
+      </p:sp>
+    </p:spTree>
+    <p:extLst>
+      <p:ext uri="{BB962C8B-B14F-4D97-AF65-F5344CB8AC3E}">
+        <p14:creationId xmlns:p14="http://schemas.microsoft.com/office/powerpoint/2010/main" val="1443304856"/>
       </p:ext>
     </p:extLst>
   </p:cSld>
@@ -5490,9 +7777,9 @@
 </file>
 
 <file path=ppt/theme/theme1.xml><?xml version="1.0" encoding="utf-8"?>
-<a:theme xmlns:a="http://schemas.openxmlformats.org/drawingml/2006/main" name="Quotable">
+<a:theme xmlns:a="http://schemas.openxmlformats.org/drawingml/2006/main" name="Ion">
   <a:themeElements>
-    <a:clrScheme name="Quotable">
+    <a:clrScheme name="Ion">
       <a:dk1>
         <a:sysClr val="windowText" lastClr="000000"/>
       </a:dk1>
@@ -5500,48 +7787,83 @@
         <a:sysClr val="window" lastClr="FFFFFF"/>
       </a:lt1>
       <a:dk2>
-        <a:srgbClr val="212121"/>
+        <a:srgbClr val="1E5155"/>
       </a:dk2>
       <a:lt2>
-        <a:srgbClr val="636363"/>
+        <a:srgbClr val="EBEBEB"/>
       </a:lt2>
       <a:accent1>
-        <a:srgbClr val="00C6BB"/>
+        <a:srgbClr val="B01513"/>
       </a:accent1>
       <a:accent2>
-        <a:srgbClr val="6FEBA0"/>
+        <a:srgbClr val="EA6312"/>
       </a:accent2>
       <a:accent3>
-        <a:srgbClr val="B6DF5E"/>
+        <a:srgbClr val="E6B729"/>
       </a:accent3>
       <a:accent4>
-        <a:srgbClr val="EFB251"/>
+        <a:srgbClr val="6AAC90"/>
       </a:accent4>
       <a:accent5>
-        <a:srgbClr val="EF755F"/>
+        <a:srgbClr val="54849A"/>
       </a:accent5>
       <a:accent6>
-        <a:srgbClr val="ED515C"/>
+        <a:srgbClr val="9E5E9B"/>
       </a:accent6>
       <a:hlink>
-        <a:srgbClr val="8F8F8F"/>
+        <a:srgbClr val="58C1BA"/>
       </a:hlink>
       <a:folHlink>
-        <a:srgbClr val="A5A5A5"/>
+        <a:srgbClr val="9DFFCB"/>
       </a:folHlink>
     </a:clrScheme>
-    <a:fontScheme name="Quotable">
+    <a:fontScheme name="Ion">
       <a:majorFont>
         <a:latin typeface="Century Gothic" panose="020B0502020202020204"/>
         <a:ea typeface=""/>
         <a:cs typeface=""/>
-        <a:font script="Jpan" typeface="ＭＳ ゴシック"/>
+        <a:font script="Jpan" typeface="メイリオ"/>
         <a:font script="Hang" typeface="맑은 고딕"/>
         <a:font script="Hans" typeface="宋体"/>
         <a:font script="Hant" typeface="新細明體"/>
-        <a:font script="Arab" typeface="Tahoma"/>
-        <a:font script="Hebr" typeface="Gisha"/>
-        <a:font script="Thai" typeface="DilleniaUPC"/>
+        <a:font script="Arab" typeface="Times New Roman"/>
+        <a:font script="Hebr" typeface="Times New Roman"/>
+        <a:font script="Thai" typeface="Angsana New"/>
+        <a:font script="Ethi" typeface="Nyala"/>
+        <a:font script="Beng" typeface="Vrinda"/>
+        <a:font script="Gujr" typeface="Shruti"/>
+        <a:font script="Khmr" typeface="MoolBoran"/>
+        <a:font script="Knda" typeface="Tunga"/>
+        <a:font script="Guru" typeface="Raavi"/>
+        <a:font script="Cans" typeface="Euphemia"/>
+        <a:font script="Cher" typeface="Plantagenet Cherokee"/>
+        <a:font script="Yiii" typeface="Microsoft Yi Baiti"/>
+        <a:font script="Tibt" typeface="Microsoft Himalaya"/>
+        <a:font script="Thaa" typeface="MV Boli"/>
+        <a:font script="Deva" typeface="Mangal"/>
+        <a:font script="Telu" typeface="Gautami"/>
+        <a:font script="Taml" typeface="Latha"/>
+        <a:font script="Syrc" typeface="Estrangelo Edessa"/>
+        <a:font script="Orya" typeface="Kalinga"/>
+        <a:font script="Mlym" typeface="Kartika"/>
+        <a:font script="Laoo" typeface="DokChampa"/>
+        <a:font script="Sinh" typeface="Iskoola Pota"/>
+        <a:font script="Mong" typeface="Mongolian Baiti"/>
+        <a:font script="Viet" typeface="Times New Roman"/>
+        <a:font script="Uigh" typeface="Microsoft Uighur"/>
+        <a:font script="Geor" typeface="Sylfaen"/>
+      </a:majorFont>
+      <a:minorFont>
+        <a:latin typeface="Century Gothic" panose="020B0502020202020204"/>
+        <a:ea typeface=""/>
+        <a:cs typeface=""/>
+        <a:font script="Jpan" typeface="メイリオ"/>
+        <a:font script="Hang" typeface="맑은 고딕"/>
+        <a:font script="Hans" typeface="宋体"/>
+        <a:font script="Hant" typeface="新細明體"/>
+        <a:font script="Arab" typeface="Arial"/>
+        <a:font script="Hebr" typeface="Arial"/>
+        <a:font script="Thai" typeface="Cordia New"/>
         <a:font script="Ethi" typeface="Nyala"/>
         <a:font script="Beng" typeface="Vrinda"/>
         <a:font script="Gujr" typeface="Shruti"/>
@@ -5562,47 +7884,12 @@
         <a:font script="Laoo" typeface="DokChampa"/>
         <a:font script="Sinh" typeface="Iskoola Pota"/>
         <a:font script="Mong" typeface="Mongolian Baiti"/>
-        <a:font script="Viet" typeface="Tahoma"/>
-        <a:font script="Uigh" typeface="Microsoft Uighur"/>
-        <a:font script="Geor" typeface="Sylfaen"/>
-      </a:majorFont>
-      <a:minorFont>
-        <a:latin typeface="Century Gothic" panose="020B0502020202020204"/>
-        <a:ea typeface=""/>
-        <a:cs typeface=""/>
-        <a:font script="Jpan" typeface="ＭＳ ゴシック"/>
-        <a:font script="Hang" typeface="맑은 고딕"/>
-        <a:font script="Hans" typeface="宋体"/>
-        <a:font script="Hant" typeface="新細明體"/>
-        <a:font script="Arab" typeface="Tahoma"/>
-        <a:font script="Hebr" typeface="Gisha"/>
-        <a:font script="Thai" typeface="DilleniaUPC"/>
-        <a:font script="Ethi" typeface="Nyala"/>
-        <a:font script="Beng" typeface="Vrinda"/>
-        <a:font script="Gujr" typeface="Shruti"/>
-        <a:font script="Khmr" typeface="DaunPenh"/>
-        <a:font script="Knda" typeface="Tunga"/>
-        <a:font script="Guru" typeface="Raavi"/>
-        <a:font script="Cans" typeface="Euphemia"/>
-        <a:font script="Cher" typeface="Plantagenet Cherokee"/>
-        <a:font script="Yiii" typeface="Microsoft Yi Baiti"/>
-        <a:font script="Tibt" typeface="Microsoft Himalaya"/>
-        <a:font script="Thaa" typeface="MV Boli"/>
-        <a:font script="Deva" typeface="Mangal"/>
-        <a:font script="Telu" typeface="Gautami"/>
-        <a:font script="Taml" typeface="Latha"/>
-        <a:font script="Syrc" typeface="Estrangelo Edessa"/>
-        <a:font script="Orya" typeface="Kalinga"/>
-        <a:font script="Mlym" typeface="Kartika"/>
-        <a:font script="Laoo" typeface="DokChampa"/>
-        <a:font script="Sinh" typeface="Iskoola Pota"/>
-        <a:font script="Mong" typeface="Mongolian Baiti"/>
-        <a:font script="Viet" typeface="Verdana"/>
+        <a:font script="Viet" typeface="Arial"/>
         <a:font script="Uigh" typeface="Microsoft Uighur"/>
         <a:font script="Geor" typeface="Sylfaen"/>
       </a:minorFont>
     </a:fontScheme>
-    <a:fmtScheme name="Quotable">
+    <a:fmtScheme name="Ion">
       <a:fillStyleLst>
         <a:solidFill>
           <a:schemeClr val="phClr"/>
@@ -5611,33 +7898,37 @@
           <a:gsLst>
             <a:gs pos="0">
               <a:schemeClr val="phClr">
-                <a:tint val="80000"/>
-                <a:lumMod val="105000"/>
+                <a:tint val="64000"/>
+                <a:lumMod val="118000"/>
               </a:schemeClr>
             </a:gs>
             <a:gs pos="100000">
               <a:schemeClr val="phClr">
-                <a:tint val="90000"/>
+                <a:tint val="92000"/>
+                <a:alpha val="100000"/>
+                <a:lumMod val="110000"/>
               </a:schemeClr>
             </a:gs>
           </a:gsLst>
           <a:lin ang="5400000" scaled="0"/>
         </a:gradFill>
-        <a:blipFill rotWithShape="1">
-          <a:blip xmlns:r="http://schemas.openxmlformats.org/officeDocument/2006/relationships" r:embed="rId1">
-            <a:duotone>
+        <a:gradFill rotWithShape="1">
+          <a:gsLst>
+            <a:gs pos="0">
               <a:schemeClr val="phClr">
                 <a:tint val="98000"/>
-                <a:lumMod val="102000"/>
+                <a:lumMod val="114000"/>
               </a:schemeClr>
+            </a:gs>
+            <a:gs pos="100000">
               <a:schemeClr val="phClr">
-                <a:shade val="98000"/>
-                <a:lumMod val="98000"/>
+                <a:shade val="90000"/>
+                <a:lumMod val="84000"/>
               </a:schemeClr>
-            </a:duotone>
-          </a:blip>
-          <a:tile tx="0" ty="0" sx="100000" sy="100000" flip="none" algn="tl"/>
-        </a:blipFill>
+            </a:gs>
+          </a:gsLst>
+          <a:lin ang="5400000" scaled="0"/>
+        </a:gradFill>
       </a:fillStyleLst>
       <a:lnStyleLst>
         <a:ln w="9525" cap="rnd" cmpd="sng" algn="ctr">
@@ -5646,13 +7937,13 @@
           </a:solidFill>
           <a:prstDash val="solid"/>
         </a:ln>
-        <a:ln w="15875" cap="rnd" cmpd="sng" algn="ctr">
+        <a:ln w="19050" cap="rnd" cmpd="sng" algn="ctr">
           <a:solidFill>
             <a:schemeClr val="phClr"/>
           </a:solidFill>
           <a:prstDash val="solid"/>
         </a:ln>
-        <a:ln w="25400" cap="rnd" cmpd="sng" algn="ctr">
+        <a:ln w="28575" cap="rnd" cmpd="sng" algn="ctr">
           <a:solidFill>
             <a:schemeClr val="phClr"/>
           </a:solidFill>
@@ -5664,16 +7955,31 @@
           <a:effectLst/>
         </a:effectStyle>
         <a:effectStyle>
-          <a:effectLst/>
+          <a:effectLst>
+            <a:outerShdw blurRad="38100" dist="25400" dir="5400000" rotWithShape="0">
+              <a:srgbClr val="000000">
+                <a:alpha val="45000"/>
+              </a:srgbClr>
+            </a:outerShdw>
+          </a:effectLst>
         </a:effectStyle>
         <a:effectStyle>
           <a:effectLst>
-            <a:innerShdw blurRad="63500" dist="25400" dir="13500000">
+            <a:outerShdw blurRad="63500" dist="38100" dir="5400000" rotWithShape="0">
               <a:srgbClr val="000000">
-                <a:alpha val="75000"/>
+                <a:alpha val="60000"/>
               </a:srgbClr>
-            </a:innerShdw>
+            </a:outerShdw>
           </a:effectLst>
+          <a:scene3d>
+            <a:camera prst="orthographicFront">
+              <a:rot lat="0" lon="0" rev="0"/>
+            </a:camera>
+            <a:lightRig rig="threePt" dir="tl"/>
+          </a:scene3d>
+          <a:sp3d prstMaterial="plastic">
+            <a:bevelT w="0" h="0"/>
+          </a:sp3d>
         </a:effectStyle>
       </a:effectStyleLst>
       <a:bgFillStyleLst>
@@ -5684,35 +7990,45 @@
           <a:gsLst>
             <a:gs pos="0">
               <a:schemeClr val="phClr">
-                <a:tint val="100000"/>
+                <a:tint val="97000"/>
+                <a:hueMod val="88000"/>
+                <a:satMod val="130000"/>
+                <a:lumMod val="124000"/>
               </a:schemeClr>
             </a:gs>
             <a:gs pos="100000">
               <a:schemeClr val="phClr">
-                <a:tint val="84000"/>
-                <a:shade val="84000"/>
-                <a:lumMod val="90000"/>
+                <a:tint val="96000"/>
+                <a:shade val="88000"/>
+                <a:hueMod val="108000"/>
+                <a:satMod val="164000"/>
+                <a:lumMod val="76000"/>
               </a:schemeClr>
             </a:gs>
           </a:gsLst>
-          <a:lin ang="5400000" scaled="0"/>
+          <a:path path="circle">
+            <a:fillToRect l="45000" t="65000" r="125000" b="100000"/>
+          </a:path>
         </a:gradFill>
-        <a:gradFill rotWithShape="1">
-          <a:gsLst>
-            <a:gs pos="0">
+        <a:blipFill rotWithShape="1">
+          <a:blip xmlns:r="http://schemas.openxmlformats.org/officeDocument/2006/relationships" r:embed="rId1">
+            <a:duotone>
               <a:schemeClr val="phClr">
-                <a:tint val="84000"/>
-                <a:shade val="90000"/>
-                <a:satMod val="120000"/>
-                <a:lumMod val="90000"/>
+                <a:shade val="69000"/>
+                <a:hueMod val="108000"/>
+                <a:satMod val="164000"/>
+                <a:lumMod val="74000"/>
               </a:schemeClr>
-            </a:gs>
-            <a:gs pos="100000">
-              <a:schemeClr val="phClr"/>
-            </a:gs>
-          </a:gsLst>
-          <a:lin ang="5400000" scaled="0"/>
-        </a:gradFill>
+              <a:schemeClr val="phClr">
+                <a:tint val="96000"/>
+                <a:hueMod val="88000"/>
+                <a:satMod val="140000"/>
+                <a:lumMod val="132000"/>
+              </a:schemeClr>
+            </a:duotone>
+          </a:blip>
+          <a:stretch/>
+        </a:blipFill>
       </a:bgFillStyleLst>
     </a:fmtScheme>
   </a:themeElements>
@@ -5720,7 +8036,7 @@
   <a:extraClrSchemeLst/>
   <a:extLst>
     <a:ext uri="{05A4C25C-085E-4340-85A3-A5531E510DB2}">
-      <thm15:themeFamily xmlns:thm15="http://schemas.microsoft.com/office/thememl/2012/main" name="Quotable" id="{39EC5628-30ED-4578-ACD8-9820EDB8E15A}" vid="{6F3559E9-1A4C-49D8-94D4-F41003531C49}"/>
+      <thm15:themeFamily xmlns:thm15="http://schemas.microsoft.com/office/thememl/2012/main" name="Ion" id="{B8441ADB-2E43-4AF7-B97A-BD870242C6A8}" vid="{292E63A9-BB86-4E3D-B92A-7223C6510D2E}"/>
     </a:ext>
   </a:extLst>
 </a:theme>
